--- a/Predefense.pptx
+++ b/Predefense.pptx
@@ -23,6 +23,17 @@
     <p:sldId id="266" r:id="rId16"/>
     <p:sldId id="267" r:id="rId17"/>
     <p:sldId id="268" r:id="rId18"/>
+    <p:sldId id="269" r:id="rId19"/>
+    <p:sldId id="270" r:id="rId20"/>
+    <p:sldId id="271" r:id="rId21"/>
+    <p:sldId id="272" r:id="rId22"/>
+    <p:sldId id="273" r:id="rId23"/>
+    <p:sldId id="274" r:id="rId24"/>
+    <p:sldId id="275" r:id="rId25"/>
+    <p:sldId id="276" r:id="rId26"/>
+    <p:sldId id="277" r:id="rId27"/>
+    <p:sldId id="278" r:id="rId28"/>
+    <p:sldId id="279" r:id="rId29"/>
   </p:sldIdLst>
   <p:sldSz cx="12192000" cy="6858000"/>
   <p:notesSz cx="6858000" cy="9144000"/>
@@ -241,7 +252,7 @@
           <a:bodyPr lIns="0" rIns="0" tIns="0" bIns="0" anchor="b"/>
           <a:p>
             <a:pPr algn="r"/>
-            <a:fld id="{EAC5F1F4-A276-4010-B8BB-BCCD7F836A60}" type="slidenum">
+            <a:fld id="{77FD544A-EEC2-4DEE-80D8-E7FD60D693D5}" type="slidenum">
               <a:rPr b="0" lang="en-US" sz="1400" spc="-1" strike="noStrike">
                 <a:latin typeface="Times New Roman"/>
               </a:rPr>
@@ -278,7 +289,7 @@
       </p:grpSpPr>
       <p:sp>
         <p:nvSpPr>
-          <p:cNvPr id="195" name="PlaceHolder 1"/>
+          <p:cNvPr id="234" name="PlaceHolder 1"/>
           <p:cNvSpPr>
             <a:spLocks noGrp="1"/>
           </p:cNvSpPr>
@@ -289,16 +300,16 @@
         <p:spPr>
           <a:xfrm>
             <a:off x="685800" y="1143000"/>
-            <a:ext cx="5485680" cy="3085560"/>
-          </a:xfrm>
-          <a:prstGeom prst="rect">
-            <a:avLst/>
-          </a:prstGeom>
-        </p:spPr>
-      </p:sp>
-      <p:sp>
-        <p:nvSpPr>
-          <p:cNvPr id="196" name="PlaceHolder 2"/>
+            <a:ext cx="5484960" cy="3084840"/>
+          </a:xfrm>
+          <a:prstGeom prst="rect">
+            <a:avLst/>
+          </a:prstGeom>
+        </p:spPr>
+      </p:sp>
+      <p:sp>
+        <p:nvSpPr>
+          <p:cNvPr id="235" name="PlaceHolder 2"/>
           <p:cNvSpPr>
             <a:spLocks noGrp="1"/>
           </p:cNvSpPr>
@@ -309,7 +320,7 @@
         <p:spPr>
           <a:xfrm>
             <a:off x="685800" y="4400640"/>
-            <a:ext cx="5485680" cy="3599640"/>
+            <a:ext cx="5484960" cy="3598920"/>
           </a:xfrm>
           <a:prstGeom prst="rect">
             <a:avLst/>
@@ -326,14 +337,14 @@
       </p:sp>
       <p:sp>
         <p:nvSpPr>
-          <p:cNvPr id="197" name="CustomShape 3"/>
+          <p:cNvPr id="236" name="CustomShape 3"/>
           <p:cNvSpPr/>
           <p:nvPr/>
         </p:nvSpPr>
         <p:spPr>
           <a:xfrm>
             <a:off x="3884760" y="8685360"/>
-            <a:ext cx="2971080" cy="457920"/>
+            <a:ext cx="2970360" cy="457200"/>
           </a:xfrm>
           <a:prstGeom prst="rect">
             <a:avLst/>
@@ -357,7 +368,7 @@
                 <a:spcPct val="100000"/>
               </a:lnSpc>
             </a:pPr>
-            <a:fld id="{955B7F9C-AE51-4C57-8039-AC13F013DEA4}" type="slidenum">
+            <a:fld id="{7BF3404D-D88E-4245-AA3B-8E14BCB420B3}" type="slidenum">
               <a:rPr b="0" lang="en-US" sz="1200" spc="-1" strike="noStrike">
                 <a:solidFill>
                   <a:srgbClr val="000000"/>
@@ -4411,7 +4422,7 @@
         <p:spPr>
           <a:xfrm>
             <a:off x="609480" y="273600"/>
-            <a:ext cx="10972080" cy="1144440"/>
+            <a:ext cx="10972440" cy="1144800"/>
           </a:xfrm>
           <a:prstGeom prst="rect">
             <a:avLst/>
@@ -4420,13 +4431,14 @@
         <p:txBody>
           <a:bodyPr lIns="0" rIns="0" tIns="0" bIns="0" anchor="ctr"/>
           <a:p>
-            <a:r>
-              <a:rPr b="0" lang="en-US" sz="1800" spc="-1" strike="noStrike">
+            <a:pPr algn="ctr"/>
+            <a:r>
+              <a:rPr b="0" lang="en-US" sz="4400" spc="-1" strike="noStrike">
                 <a:latin typeface="Arial"/>
               </a:rPr>
               <a:t>Click to edit the title text format</a:t>
             </a:r>
-            <a:endParaRPr b="0" lang="en-US" sz="1800" spc="-1" strike="noStrike">
+            <a:endParaRPr b="0" lang="en-US" sz="4400" spc="-1" strike="noStrike">
               <a:latin typeface="Arial"/>
             </a:endParaRPr>
           </a:p>
@@ -5173,7 +5185,7 @@
         <p:spPr>
           <a:xfrm>
             <a:off x="1523880" y="463680"/>
-            <a:ext cx="9143280" cy="1634760"/>
+            <a:ext cx="9142560" cy="1634040"/>
           </a:xfrm>
           <a:prstGeom prst="rect">
             <a:avLst/>
@@ -5213,6 +5225,7 @@
                   <a:srgbClr val="000000"/>
                 </a:solidFill>
                 <a:latin typeface="Times New Roman"/>
+                <a:ea typeface="DejaVu Sans"/>
               </a:rPr>
               <a:t>Dept. of Computer Science &amp; Engineering</a:t>
             </a:r>
@@ -5231,7 +5244,7 @@
         <p:spPr>
           <a:xfrm>
             <a:off x="102960" y="2279520"/>
-            <a:ext cx="12088080" cy="4441320"/>
+            <a:ext cx="12087360" cy="4440600"/>
           </a:xfrm>
           <a:prstGeom prst="rect">
             <a:avLst/>
@@ -5266,6 +5279,7 @@
                   <a:srgbClr val="000000"/>
                 </a:solidFill>
                 <a:latin typeface="Times New Roman"/>
+                <a:ea typeface="DejaVu Sans"/>
               </a:rPr>
               <a:t>Find Reason of Drug Addiction through Machine Learning Techniques.</a:t>
             </a:r>
@@ -5301,6 +5315,7 @@
                   <a:srgbClr val="000000"/>
                 </a:solidFill>
                 <a:latin typeface="Times New Roman"/>
+                <a:ea typeface="DejaVu Sans"/>
               </a:rPr>
               <a:t>Supervised by</a:t>
             </a:r>
@@ -5323,6 +5338,7 @@
                   <a:srgbClr val="000000"/>
                 </a:solidFill>
                 <a:latin typeface="Times New Roman"/>
+                <a:ea typeface="DejaVu Sans"/>
               </a:rPr>
               <a:t>Md. Rakib Uddin</a:t>
             </a:r>
@@ -5345,6 +5361,7 @@
                   <a:srgbClr val="000000"/>
                 </a:solidFill>
                 <a:latin typeface="Times New Roman"/>
+                <a:ea typeface="DejaVu Sans"/>
               </a:rPr>
               <a:t>Lecturer &amp; Coordinator</a:t>
             </a:r>
@@ -5367,6 +5384,7 @@
                   <a:srgbClr val="000000"/>
                 </a:solidFill>
                 <a:latin typeface="Times New Roman"/>
+                <a:ea typeface="DejaVu Sans"/>
               </a:rPr>
               <a:t>Dept. of CSE, City University                                               </a:t>
             </a:r>
@@ -5389,6 +5407,7 @@
                   <a:srgbClr val="000000"/>
                 </a:solidFill>
                 <a:latin typeface="Times New Roman"/>
+                <a:ea typeface="DejaVu Sans"/>
               </a:rPr>
               <a:t>  </a:t>
             </a:r>
@@ -5424,6 +5443,7 @@
                   <a:srgbClr val="000000"/>
                 </a:solidFill>
                 <a:latin typeface="Times New Roman"/>
+                <a:ea typeface="DejaVu Sans"/>
               </a:rPr>
               <a:t>                                                                                                                                                                                 </a:t>
             </a:r>
@@ -5433,6 +5453,7 @@
                   <a:srgbClr val="000000"/>
                 </a:solidFill>
                 <a:latin typeface="Times New Roman"/>
+                <a:ea typeface="DejaVu Sans"/>
               </a:rPr>
               <a:t>1</a:t>
             </a:r>
@@ -5468,7 +5489,7 @@
         <p:spPr>
           <a:xfrm>
             <a:off x="3863520" y="167400"/>
-            <a:ext cx="3966120" cy="1499760"/>
+            <a:ext cx="3965400" cy="1499040"/>
           </a:xfrm>
           <a:prstGeom prst="rect">
             <a:avLst/>
@@ -5495,7 +5516,7 @@
               <a:tblGrid>
                 <a:gridCol w="2575440"/>
                 <a:gridCol w="1905840"/>
-                <a:gridCol w="824400"/>
+                <a:gridCol w="990000"/>
               </a:tblGrid>
               <a:tr h="483120">
                 <a:tc>
@@ -5999,14 +6020,14 @@
       </p:grpSpPr>
       <p:sp>
         <p:nvSpPr>
-          <p:cNvPr id="175" name="CustomShape 1"/>
+          <p:cNvPr id="172" name="CustomShape 1"/>
           <p:cNvSpPr/>
           <p:nvPr/>
         </p:nvSpPr>
         <p:spPr>
           <a:xfrm>
             <a:off x="838080" y="6356520"/>
-            <a:ext cx="2742480" cy="364320"/>
+            <a:ext cx="2741760" cy="363600"/>
           </a:xfrm>
           <a:prstGeom prst="rect">
             <a:avLst/>
@@ -6030,14 +6051,15 @@
                 <a:spcPct val="100000"/>
               </a:lnSpc>
             </a:pPr>
-            <a:fld id="{17BA6CDD-F0C5-4AA8-83A6-F9B162C19F2D}" type="datetime1">
+            <a:fld id="{DD5D4491-605D-468B-93C0-D731D9C876E6}" type="datetime1">
               <a:rPr b="0" lang="en-US" sz="1200" spc="-1" strike="noStrike">
                 <a:solidFill>
                   <a:srgbClr val="8b8b8b"/>
                 </a:solidFill>
                 <a:latin typeface="Calibri"/>
-              </a:rPr>
-              <a:t>06/08/2020</a:t>
+                <a:ea typeface="DejaVu Sans"/>
+              </a:rPr>
+              <a:t>07/09/2020</a:t>
             </a:fld>
             <a:endParaRPr b="0" lang="en-US" sz="1200" spc="-1" strike="noStrike">
               <a:latin typeface="Arial"/>
@@ -6047,14 +6069,14 @@
       </p:sp>
       <p:sp>
         <p:nvSpPr>
-          <p:cNvPr id="176" name="CustomShape 2"/>
+          <p:cNvPr id="173" name="CustomShape 2"/>
           <p:cNvSpPr/>
           <p:nvPr/>
         </p:nvSpPr>
         <p:spPr>
           <a:xfrm>
-            <a:off x="8610480" y="6356520"/>
-            <a:ext cx="2742480" cy="364320"/>
+            <a:off x="7611480" y="6284880"/>
+            <a:ext cx="2943360" cy="692280"/>
           </a:xfrm>
           <a:prstGeom prst="rect">
             <a:avLst/>
@@ -6078,12 +6100,13 @@
                 <a:spcPct val="100000"/>
               </a:lnSpc>
             </a:pPr>
-            <a:fld id="{3B936A14-1466-4EFC-98B1-B73F0B2313CE}" type="slidenum">
+            <a:fld id="{281B4EA2-8EF6-4724-B530-3054BC4802A5}" type="slidenum">
               <a:rPr b="0" lang="en-US" sz="1200" spc="-1" strike="noStrike">
                 <a:solidFill>
                   <a:srgbClr val="8b8b8b"/>
                 </a:solidFill>
                 <a:latin typeface="Calibri"/>
+                <a:ea typeface="DejaVu Sans"/>
               </a:rPr>
               <a:t>&lt;number&gt;</a:t>
             </a:fld>
@@ -6095,14 +6118,14 @@
       </p:sp>
       <p:sp>
         <p:nvSpPr>
-          <p:cNvPr id="177" name="CustomShape 3"/>
+          <p:cNvPr id="174" name="CustomShape 3"/>
           <p:cNvSpPr/>
           <p:nvPr/>
         </p:nvSpPr>
         <p:spPr>
           <a:xfrm>
-            <a:off x="537120" y="254520"/>
-            <a:ext cx="11115720" cy="3076200"/>
+            <a:off x="0" y="0"/>
+            <a:ext cx="12190680" cy="455760"/>
           </a:xfrm>
           <a:prstGeom prst="rect">
             <a:avLst/>
@@ -6118,160 +6141,17 @@
           <a:effectRef idx="0"/>
           <a:fontRef idx="minor"/>
         </p:style>
-        <p:txBody>
-          <a:bodyPr lIns="90000" rIns="90000" tIns="45000" bIns="45000"/>
-          <a:p>
-            <a:pPr>
-              <a:lnSpc>
-                <a:spcPct val="100000"/>
-              </a:lnSpc>
-            </a:pPr>
-            <a:r>
-              <a:rPr b="1" lang="en-US" sz="2400" spc="-1" strike="noStrike">
-                <a:solidFill>
-                  <a:srgbClr val="1f4e79"/>
-                </a:solidFill>
-                <a:latin typeface="Times New Roman"/>
-                <a:ea typeface="DejaVu Sans"/>
-              </a:rPr>
-              <a:t>                                                           </a:t>
-            </a:r>
-            <a:r>
-              <a:rPr b="1" lang="en-US" sz="2800" spc="-1" strike="noStrike">
-                <a:solidFill>
-                  <a:srgbClr val="1f4e79"/>
-                </a:solidFill>
-                <a:latin typeface="Times New Roman"/>
-                <a:ea typeface="DejaVu Sans"/>
-              </a:rPr>
-              <a:t>Conclusion</a:t>
-            </a:r>
-            <a:endParaRPr b="0" lang="en-US" sz="2800" spc="-1" strike="noStrike">
-              <a:latin typeface="Arial"/>
-            </a:endParaRPr>
-          </a:p>
-          <a:p>
-            <a:pPr>
-              <a:lnSpc>
-                <a:spcPct val="100000"/>
-              </a:lnSpc>
-            </a:pPr>
-            <a:endParaRPr b="0" lang="en-US" sz="2800" spc="-1" strike="noStrike">
-              <a:latin typeface="Arial"/>
-            </a:endParaRPr>
-          </a:p>
-          <a:p>
-            <a:pPr marL="343080" indent="-342360" algn="just">
-              <a:lnSpc>
-                <a:spcPct val="100000"/>
-              </a:lnSpc>
-              <a:buClr>
-                <a:srgbClr val="000000"/>
-              </a:buClr>
-              <a:buFont typeface="Wingdings" charset="2"/>
-              <a:buChar char=""/>
-            </a:pPr>
-            <a:r>
-              <a:rPr b="0" lang="en-US" sz="2400" spc="-1" strike="noStrike">
-                <a:solidFill>
-                  <a:srgbClr val="000000"/>
-                </a:solidFill>
-                <a:latin typeface="Times New Roman"/>
-                <a:ea typeface="DejaVu Sans"/>
-              </a:rPr>
-              <a:t>In this paper we will try to find out who is the main culprit for being a drug addicted person . </a:t>
-            </a:r>
-            <a:endParaRPr b="0" lang="en-US" sz="2400" spc="-1" strike="noStrike">
-              <a:latin typeface="Arial"/>
-            </a:endParaRPr>
-          </a:p>
-          <a:p>
-            <a:pPr marL="343080" indent="-342360" algn="just">
-              <a:lnSpc>
-                <a:spcPct val="100000"/>
-              </a:lnSpc>
-              <a:buClr>
-                <a:srgbClr val="000000"/>
-              </a:buClr>
-              <a:buFont typeface="Wingdings" charset="2"/>
-              <a:buChar char=""/>
-            </a:pPr>
-            <a:r>
-              <a:rPr b="0" lang="en-US" sz="2400" spc="-1" strike="noStrike">
-                <a:solidFill>
-                  <a:srgbClr val="000000"/>
-                </a:solidFill>
-                <a:latin typeface="Times New Roman"/>
-                <a:ea typeface="DejaVu Sans"/>
-              </a:rPr>
-              <a:t>Therefore, we will figure out some major reason for being drug addict. </a:t>
-            </a:r>
-            <a:endParaRPr b="0" lang="en-US" sz="2400" spc="-1" strike="noStrike">
-              <a:latin typeface="Arial"/>
-            </a:endParaRPr>
-          </a:p>
-          <a:p>
-            <a:pPr marL="343080" indent="-342360" algn="just">
-              <a:lnSpc>
-                <a:spcPct val="100000"/>
-              </a:lnSpc>
-              <a:buClr>
-                <a:srgbClr val="000000"/>
-              </a:buClr>
-              <a:buFont typeface="Wingdings" charset="2"/>
-              <a:buChar char=""/>
-            </a:pPr>
-            <a:r>
-              <a:rPr b="0" lang="en-US" sz="2400" spc="-1" strike="noStrike">
-                <a:solidFill>
-                  <a:srgbClr val="000000"/>
-                </a:solidFill>
-                <a:latin typeface="Times New Roman"/>
-                <a:ea typeface="DejaVu Sans"/>
-              </a:rPr>
-              <a:t>In this research, we have collected 327 data and we have found 73% people are addicted.</a:t>
-            </a:r>
-            <a:endParaRPr b="0" lang="en-US" sz="2400" spc="-1" strike="noStrike">
-              <a:latin typeface="Arial"/>
-            </a:endParaRPr>
-          </a:p>
-          <a:p>
-            <a:pPr marL="343080" indent="-342360" algn="just">
-              <a:lnSpc>
-                <a:spcPct val="100000"/>
-              </a:lnSpc>
-              <a:buClr>
-                <a:srgbClr val="000000"/>
-              </a:buClr>
-              <a:buFont typeface="Wingdings" charset="2"/>
-              <a:buChar char=""/>
-            </a:pPr>
-            <a:r>
-              <a:rPr b="0" lang="en-US" sz="2400" spc="-1" strike="noStrike">
-                <a:solidFill>
-                  <a:srgbClr val="000000"/>
-                </a:solidFill>
-                <a:latin typeface="Times New Roman"/>
-                <a:ea typeface="DejaVu Sans"/>
-              </a:rPr>
-              <a:t>The accuracy is between 82% to 97% among the all classifier.</a:t>
-            </a:r>
-            <a:endParaRPr b="0" lang="en-US" sz="2400" spc="-1" strike="noStrike">
-              <a:latin typeface="Arial"/>
-            </a:endParaRPr>
-          </a:p>
-        </p:txBody>
-      </p:sp>
-      <p:sp>
-        <p:nvSpPr>
-          <p:cNvPr id="178" name="CustomShape 4"/>
+      </p:sp>
+      <p:sp>
+        <p:nvSpPr>
+          <p:cNvPr id="175" name="CustomShape 4"/>
           <p:cNvSpPr/>
           <p:nvPr/>
         </p:nvSpPr>
         <p:spPr>
           <a:xfrm>
-            <a:off x="4038480" y="6356520"/>
-            <a:ext cx="4125960" cy="383760"/>
+            <a:off x="657000" y="202680"/>
+            <a:ext cx="9979560" cy="4478400"/>
           </a:xfrm>
           <a:prstGeom prst="rect">
             <a:avLst/>
@@ -6288,6 +6168,150 @@
           <a:fontRef idx="minor"/>
         </p:style>
         <p:txBody>
+          <a:bodyPr lIns="90000" rIns="90000" tIns="45000" bIns="45000"/>
+          <a:p>
+            <a:pPr algn="ctr">
+              <a:lnSpc>
+                <a:spcPct val="100000"/>
+              </a:lnSpc>
+            </a:pPr>
+            <a:r>
+              <a:rPr b="1" lang="en-US" sz="2000" spc="-1" strike="noStrike">
+                <a:solidFill>
+                  <a:srgbClr val="1f4e79"/>
+                </a:solidFill>
+                <a:latin typeface="Times New Roman"/>
+                <a:ea typeface="DejaVu Sans"/>
+              </a:rPr>
+              <a:t> </a:t>
+            </a:r>
+            <a:r>
+              <a:rPr b="1" lang="en-US" sz="2800" spc="-1" strike="noStrike">
+                <a:solidFill>
+                  <a:srgbClr val="1f4e79"/>
+                </a:solidFill>
+                <a:latin typeface="Times New Roman"/>
+                <a:ea typeface="DejaVu Sans"/>
+              </a:rPr>
+              <a:t>Discussion</a:t>
+            </a:r>
+            <a:endParaRPr b="0" lang="en-US" sz="2800" spc="-1" strike="noStrike">
+              <a:latin typeface="Arial"/>
+            </a:endParaRPr>
+          </a:p>
+          <a:p>
+            <a:pPr marL="343080" indent="-341640" algn="just">
+              <a:lnSpc>
+                <a:spcPct val="100000"/>
+              </a:lnSpc>
+              <a:buClr>
+                <a:srgbClr val="000000"/>
+              </a:buClr>
+              <a:buFont typeface="Wingdings" charset="2"/>
+              <a:buChar char=""/>
+            </a:pPr>
+            <a:r>
+              <a:rPr b="0" lang="en-US" sz="2400" spc="-1" strike="noStrike">
+                <a:solidFill>
+                  <a:srgbClr val="000000"/>
+                </a:solidFill>
+                <a:latin typeface="Times New Roman"/>
+                <a:ea typeface="DejaVu Sans"/>
+              </a:rPr>
+              <a:t>In the above graph, According to different professions, we demonstrate the total number of data. and total addict people in individual professions.</a:t>
+            </a:r>
+            <a:endParaRPr b="0" lang="en-US" sz="2400" spc="-1" strike="noStrike">
+              <a:latin typeface="Arial"/>
+            </a:endParaRPr>
+          </a:p>
+          <a:p>
+            <a:pPr marL="343080" indent="-341640" algn="just">
+              <a:lnSpc>
+                <a:spcPct val="100000"/>
+              </a:lnSpc>
+              <a:buClr>
+                <a:srgbClr val="000000"/>
+              </a:buClr>
+              <a:buFont typeface="Wingdings" charset="2"/>
+              <a:buChar char=""/>
+            </a:pPr>
+            <a:r>
+              <a:rPr b="0" lang="en-US" sz="2400" spc="-1" strike="noStrike">
+                <a:solidFill>
+                  <a:srgbClr val="000000"/>
+                </a:solidFill>
+                <a:latin typeface="Times New Roman"/>
+                <a:ea typeface="DejaVu Sans"/>
+              </a:rPr>
+              <a:t>We found student has 130 data and 78 addicts among them and 46 addicted out of 73 who involved with any job.. </a:t>
+            </a:r>
+            <a:endParaRPr b="0" lang="en-US" sz="2400" spc="-1" strike="noStrike">
+              <a:latin typeface="Arial"/>
+            </a:endParaRPr>
+          </a:p>
+          <a:p>
+            <a:pPr marL="343080" indent="-341640" algn="just">
+              <a:lnSpc>
+                <a:spcPct val="100000"/>
+              </a:lnSpc>
+              <a:buClr>
+                <a:srgbClr val="000000"/>
+              </a:buClr>
+              <a:buFont typeface="Wingdings" charset="2"/>
+              <a:buChar char=""/>
+            </a:pPr>
+            <a:r>
+              <a:rPr b="0" lang="en-US" sz="2400" spc="-1" strike="noStrike">
+                <a:solidFill>
+                  <a:srgbClr val="000000"/>
+                </a:solidFill>
+                <a:latin typeface="Times New Roman"/>
+                <a:ea typeface="DejaVu Sans"/>
+              </a:rPr>
+              <a:t>We also got 30 out of 48 and 19 out of 39 addicts who are involved with driving and job respectively. </a:t>
+            </a:r>
+            <a:endParaRPr b="0" lang="en-US" sz="2400" spc="-1" strike="noStrike">
+              <a:latin typeface="Arial"/>
+            </a:endParaRPr>
+          </a:p>
+          <a:p>
+            <a:pPr>
+              <a:lnSpc>
+                <a:spcPct val="100000"/>
+              </a:lnSpc>
+            </a:pPr>
+            <a:endParaRPr b="0" lang="en-US" sz="2400" spc="-1" strike="noStrike">
+              <a:latin typeface="Arial"/>
+            </a:endParaRPr>
+          </a:p>
+        </p:txBody>
+      </p:sp>
+      <p:sp>
+        <p:nvSpPr>
+          <p:cNvPr id="176" name="CustomShape 5"/>
+          <p:cNvSpPr/>
+          <p:nvPr/>
+        </p:nvSpPr>
+        <p:spPr>
+          <a:xfrm>
+            <a:off x="4038480" y="6356520"/>
+            <a:ext cx="4113360" cy="363600"/>
+          </a:xfrm>
+          <a:prstGeom prst="rect">
+            <a:avLst/>
+          </a:prstGeom>
+          <a:noFill/>
+          <a:ln>
+            <a:noFill/>
+          </a:ln>
+        </p:spPr>
+        <p:style>
+          <a:lnRef idx="0"/>
+          <a:fillRef idx="0"/>
+          <a:effectRef idx="0"/>
+          <a:fontRef idx="minor"/>
+        </p:style>
+        <p:txBody>
           <a:bodyPr lIns="90000" rIns="90000" tIns="45000" bIns="45000" anchor="ctr"/>
           <a:p>
             <a:pPr algn="ctr">
@@ -6301,10 +6325,21 @@
                   <a:srgbClr val="000000"/>
                 </a:solidFill>
                 <a:latin typeface="Times New Roman"/>
+                <a:ea typeface="DejaVu Sans"/>
               </a:rPr>
               <a:t>Find Reason of Drug Addiction through Machine Learning Techniques.</a:t>
             </a:r>
-            <a:endParaRPr b="0" lang="en-US" sz="1100" spc="-1" strike="noStrike">
+            <a:r>
+              <a:rPr b="0" lang="en-US" sz="1200" spc="-1" strike="noStrike">
+                <a:solidFill>
+                  <a:srgbClr val="8b8b8b"/>
+                </a:solidFill>
+                <a:latin typeface="Calibri"/>
+                <a:ea typeface="DejaVu Sans"/>
+              </a:rPr>
+              <a:t>.</a:t>
+            </a:r>
+            <a:endParaRPr b="0" lang="en-US" sz="1200" spc="-1" strike="noStrike">
               <a:latin typeface="Arial"/>
             </a:endParaRPr>
           </a:p>
@@ -6312,7 +6347,7 @@
       </p:sp>
       <p:pic>
         <p:nvPicPr>
-          <p:cNvPr id="179" name="Picture 6" descr=""/>
+          <p:cNvPr id="177" name="Picture 30" descr=""/>
           <p:cNvPicPr/>
           <p:nvPr/>
         </p:nvPicPr>
@@ -6323,7 +6358,7 @@
         <p:spPr>
           <a:xfrm>
             <a:off x="10556280" y="0"/>
-            <a:ext cx="1634760" cy="1087560"/>
+            <a:ext cx="1634040" cy="1086840"/>
           </a:xfrm>
           <a:prstGeom prst="rect">
             <a:avLst/>
@@ -6384,14 +6419,14 @@
       </p:grpSpPr>
       <p:sp>
         <p:nvSpPr>
-          <p:cNvPr id="180" name="CustomShape 1"/>
-          <p:cNvSpPr/>
+          <p:cNvPr id="178" name="TextShape 1"/>
+          <p:cNvSpPr txBox="1"/>
           <p:nvPr/>
         </p:nvSpPr>
         <p:spPr>
           <a:xfrm>
-            <a:off x="838080" y="6356520"/>
-            <a:ext cx="2742480" cy="364320"/>
+            <a:off x="3566160" y="365760"/>
+            <a:ext cx="4655160" cy="484200"/>
           </a:xfrm>
           <a:prstGeom prst="rect">
             <a:avLst/>
@@ -6401,45 +6436,35 @@
             <a:noFill/>
           </a:ln>
         </p:spPr>
-        <p:style>
-          <a:lnRef idx="0"/>
-          <a:fillRef idx="0"/>
-          <a:effectRef idx="0"/>
-          <a:fontRef idx="minor"/>
-        </p:style>
-        <p:txBody>
-          <a:bodyPr lIns="90000" rIns="90000" tIns="45000" bIns="45000" anchor="ctr"/>
-          <a:p>
-            <a:pPr>
-              <a:lnSpc>
-                <a:spcPct val="100000"/>
-              </a:lnSpc>
-            </a:pPr>
-            <a:fld id="{9DF5ED4F-F386-4517-8B85-CD00D2166F50}" type="datetime1">
-              <a:rPr b="0" lang="en-US" sz="1200" spc="-1" strike="noStrike">
-                <a:solidFill>
-                  <a:srgbClr val="8b8b8b"/>
-                </a:solidFill>
-                <a:latin typeface="Calibri"/>
-              </a:rPr>
-              <a:t>06/08/2020</a:t>
-            </a:fld>
-            <a:endParaRPr b="0" lang="en-US" sz="1200" spc="-1" strike="noStrike">
-              <a:latin typeface="Arial"/>
-            </a:endParaRPr>
-          </a:p>
-        </p:txBody>
-      </p:sp>
-      <p:sp>
-        <p:nvSpPr>
-          <p:cNvPr id="181" name="CustomShape 2"/>
-          <p:cNvSpPr/>
+        <p:txBody>
+          <a:bodyPr lIns="90000" rIns="90000" tIns="45000" bIns="45000"/>
+          <a:p>
+            <a:r>
+              <a:rPr b="1" lang="en-US" sz="2800" spc="-1" strike="noStrike">
+                <a:solidFill>
+                  <a:srgbClr val="1f4e79"/>
+                </a:solidFill>
+                <a:latin typeface="Times New Roman"/>
+                <a:ea typeface="DejaVu Sans"/>
+              </a:rPr>
+              <a:t>Experimental Analysis (Con.)</a:t>
+            </a:r>
+            <a:endParaRPr b="0" lang="en-US" sz="2800" spc="-1" strike="noStrike">
+              <a:latin typeface="Arial"/>
+            </a:endParaRPr>
+          </a:p>
+        </p:txBody>
+      </p:sp>
+      <p:sp>
+        <p:nvSpPr>
+          <p:cNvPr id="179" name="TextShape 2"/>
+          <p:cNvSpPr txBox="1"/>
           <p:nvPr/>
         </p:nvSpPr>
         <p:spPr>
           <a:xfrm>
-            <a:off x="8610480" y="6356520"/>
-            <a:ext cx="2742480" cy="364320"/>
+            <a:off x="365760" y="1005840"/>
+            <a:ext cx="11612880" cy="5818680"/>
           </a:xfrm>
           <a:prstGeom prst="rect">
             <a:avLst/>
@@ -6449,277 +6474,180 @@
             <a:noFill/>
           </a:ln>
         </p:spPr>
-        <p:style>
-          <a:lnRef idx="0"/>
-          <a:fillRef idx="0"/>
-          <a:effectRef idx="0"/>
-          <a:fontRef idx="minor"/>
-        </p:style>
-        <p:txBody>
-          <a:bodyPr lIns="90000" rIns="90000" tIns="45000" bIns="45000" anchor="ctr"/>
-          <a:p>
-            <a:pPr algn="r">
-              <a:lnSpc>
-                <a:spcPct val="100000"/>
-              </a:lnSpc>
-            </a:pPr>
-            <a:fld id="{F83303A4-A72D-4744-8B1D-E00FF4C50688}" type="slidenum">
-              <a:rPr b="0" lang="en-US" sz="1200" spc="-1" strike="noStrike">
-                <a:solidFill>
-                  <a:srgbClr val="8b8b8b"/>
-                </a:solidFill>
-                <a:latin typeface="Calibri"/>
-              </a:rPr>
-              <a:t>&lt;number&gt;</a:t>
-            </a:fld>
-            <a:endParaRPr b="0" lang="en-US" sz="1200" spc="-1" strike="noStrike">
-              <a:latin typeface="Arial"/>
-            </a:endParaRPr>
-          </a:p>
-        </p:txBody>
-      </p:sp>
-      <p:sp>
-        <p:nvSpPr>
-          <p:cNvPr id="182" name="CustomShape 3"/>
-          <p:cNvSpPr/>
-          <p:nvPr/>
-        </p:nvSpPr>
-        <p:spPr>
-          <a:xfrm>
-            <a:off x="512640" y="175320"/>
-            <a:ext cx="11167920" cy="6675840"/>
-          </a:xfrm>
-          <a:prstGeom prst="rect">
-            <a:avLst/>
-          </a:prstGeom>
-          <a:noFill/>
-          <a:ln>
-            <a:noFill/>
-          </a:ln>
-        </p:spPr>
-        <p:style>
-          <a:lnRef idx="0"/>
-          <a:fillRef idx="0"/>
-          <a:effectRef idx="0"/>
-          <a:fontRef idx="minor"/>
-        </p:style>
         <p:txBody>
           <a:bodyPr lIns="90000" rIns="90000" tIns="45000" bIns="45000"/>
           <a:p>
-            <a:pPr algn="ctr">
-              <a:lnSpc>
-                <a:spcPct val="100000"/>
-              </a:lnSpc>
-            </a:pPr>
-            <a:r>
-              <a:rPr b="1" lang="en-US" sz="2800" spc="-1" strike="noStrike">
-                <a:solidFill>
-                  <a:srgbClr val="1f4e79"/>
-                </a:solidFill>
-                <a:latin typeface="Times New Roman"/>
-                <a:ea typeface="DejaVu Sans"/>
-              </a:rPr>
-              <a:t>References</a:t>
-            </a:r>
-            <a:endParaRPr b="0" lang="en-US" sz="2800" spc="-1" strike="noStrike">
-              <a:latin typeface="Arial"/>
-            </a:endParaRPr>
-          </a:p>
-          <a:p>
-            <a:pPr>
-              <a:lnSpc>
-                <a:spcPct val="100000"/>
-              </a:lnSpc>
-            </a:pPr>
-            <a:endParaRPr b="0" lang="en-US" sz="2800" spc="-1" strike="noStrike">
-              <a:latin typeface="Arial"/>
-            </a:endParaRPr>
-          </a:p>
-          <a:p>
-            <a:pPr marL="457200" indent="-456480" algn="just">
-              <a:lnSpc>
-                <a:spcPct val="100000"/>
-              </a:lnSpc>
-              <a:buClr>
-                <a:srgbClr val="000000"/>
-              </a:buClr>
-              <a:buFont typeface="StarSymbol"/>
-              <a:buAutoNum type="arabicPeriod"/>
-            </a:pPr>
-            <a:r>
-              <a:rPr b="0" lang="en-US" sz="2000" spc="-1" strike="noStrike">
+            <a:r>
+              <a:rPr b="1" lang="en-US" sz="2400" spc="-1" strike="noStrike">
                 <a:solidFill>
                   <a:srgbClr val="000000"/>
                 </a:solidFill>
                 <a:latin typeface="Times New Roman"/>
                 <a:ea typeface="DejaVu Sans"/>
               </a:rPr>
-              <a:t>Md. Abdul Ahad 1, Dr. Mitu Chowdhury , Dr. Indrajit Kundu , Nishith Zahan Tanny, Dr. M. Wakilur Rahman “Causes of Drug Addiction among Youth in Sylhet City of Bangladesh”, Volume 22, Issue 5, Ver. 7 (May. 2017) PP 27-31 e-ISSN: 2279-0837.</a:t>
-            </a:r>
-            <a:endParaRPr b="0" lang="en-US" sz="2000" spc="-1" strike="noStrike">
-              <a:latin typeface="Arial"/>
-            </a:endParaRPr>
-          </a:p>
-          <a:p>
-            <a:pPr algn="just">
-              <a:lnSpc>
-                <a:spcPct val="100000"/>
-              </a:lnSpc>
-            </a:pPr>
-            <a:endParaRPr b="0" lang="en-US" sz="2000" spc="-1" strike="noStrike">
-              <a:latin typeface="Arial"/>
-            </a:endParaRPr>
-          </a:p>
-          <a:p>
-            <a:pPr marL="457200" indent="-456480" algn="just">
-              <a:lnSpc>
-                <a:spcPct val="100000"/>
-              </a:lnSpc>
-              <a:buClr>
-                <a:srgbClr val="000000"/>
-              </a:buClr>
-              <a:buFont typeface="StarSymbol"/>
-              <a:buAutoNum type="arabicPeriod"/>
-            </a:pPr>
-            <a:r>
-              <a:rPr b="0" lang="en-US" sz="2000" spc="-1" strike="noStrike">
+              <a:t>Dataset analysis </a:t>
+            </a:r>
+            <a:r>
+              <a:rPr b="1" lang="en-US" sz="2400" spc="-1" strike="noStrike">
                 <a:solidFill>
                   <a:srgbClr val="000000"/>
                 </a:solidFill>
                 <a:latin typeface="Times New Roman"/>
                 <a:ea typeface="DejaVu Sans"/>
               </a:rPr>
-              <a:t>Minhazur Rahman Rezvi “Influencing Factors of ‘Yaba’ Addiction among the Youth of Bangladesh and Its Effect: A Qualitative Study”, 1-7, 2019; Article no.ARJASS.47877 ,ISSN: 2456-4761.</a:t>
-            </a:r>
-            <a:endParaRPr b="0" lang="en-US" sz="2000" spc="-1" strike="noStrike">
-              <a:latin typeface="Arial"/>
-            </a:endParaRPr>
-          </a:p>
-          <a:p>
-            <a:pPr marL="457200" indent="-456480" algn="just">
-              <a:lnSpc>
-                <a:spcPct val="100000"/>
-              </a:lnSpc>
-              <a:buClr>
-                <a:srgbClr val="000000"/>
-              </a:buClr>
-              <a:buFont typeface="StarSymbol"/>
-              <a:buAutoNum type="arabicPeriod"/>
-            </a:pPr>
-            <a:endParaRPr b="0" lang="en-US" sz="2000" spc="-1" strike="noStrike">
-              <a:latin typeface="Arial"/>
-            </a:endParaRPr>
-          </a:p>
-          <a:p>
-            <a:pPr marL="457200" indent="-456480" algn="just">
-              <a:lnSpc>
-                <a:spcPct val="100000"/>
-              </a:lnSpc>
-              <a:buClr>
-                <a:srgbClr val="000000"/>
-              </a:buClr>
-              <a:buFont typeface="StarSymbol"/>
-              <a:buAutoNum type="arabicPeriod"/>
-            </a:pPr>
-            <a:r>
-              <a:rPr b="0" lang="en-US" sz="2000" spc="-1" strike="noStrike">
+              <a:t>of Students:</a:t>
+            </a:r>
+            <a:endParaRPr b="0" lang="en-US" sz="2400" spc="-1" strike="noStrike">
+              <a:latin typeface="Arial"/>
+            </a:endParaRPr>
+          </a:p>
+          <a:p>
+            <a:endParaRPr b="0" lang="en-US" sz="2400" spc="-1" strike="noStrike">
+              <a:latin typeface="Arial"/>
+            </a:endParaRPr>
+          </a:p>
+          <a:p>
+            <a:endParaRPr b="0" lang="en-US" sz="2400" spc="-1" strike="noStrike">
+              <a:latin typeface="Arial"/>
+            </a:endParaRPr>
+          </a:p>
+          <a:p>
+            <a:endParaRPr b="0" lang="en-US" sz="2400" spc="-1" strike="noStrike">
+              <a:latin typeface="Arial"/>
+            </a:endParaRPr>
+          </a:p>
+          <a:p>
+            <a:endParaRPr b="0" lang="en-US" sz="2400" spc="-1" strike="noStrike">
+              <a:latin typeface="Arial"/>
+            </a:endParaRPr>
+          </a:p>
+          <a:p>
+            <a:endParaRPr b="0" lang="en-US" sz="2400" spc="-1" strike="noStrike">
+              <a:latin typeface="Arial"/>
+            </a:endParaRPr>
+          </a:p>
+          <a:p>
+            <a:endParaRPr b="0" lang="en-US" sz="2400" spc="-1" strike="noStrike">
+              <a:latin typeface="Arial"/>
+            </a:endParaRPr>
+          </a:p>
+          <a:p>
+            <a:endParaRPr b="0" lang="en-US" sz="2400" spc="-1" strike="noStrike">
+              <a:latin typeface="Arial"/>
+            </a:endParaRPr>
+          </a:p>
+          <a:p>
+            <a:endParaRPr b="0" lang="en-US" sz="2400" spc="-1" strike="noStrike">
+              <a:latin typeface="Arial"/>
+            </a:endParaRPr>
+          </a:p>
+          <a:p>
+            <a:endParaRPr b="0" lang="en-US" sz="2400" spc="-1" strike="noStrike">
+              <a:latin typeface="Arial"/>
+            </a:endParaRPr>
+          </a:p>
+          <a:p>
+            <a:endParaRPr b="0" lang="en-US" sz="2400" spc="-1" strike="noStrike">
+              <a:latin typeface="Arial"/>
+            </a:endParaRPr>
+          </a:p>
+          <a:p>
+            <a:endParaRPr b="0" lang="en-US" sz="2400" spc="-1" strike="noStrike">
+              <a:latin typeface="Arial"/>
+            </a:endParaRPr>
+          </a:p>
+          <a:p>
+            <a:endParaRPr b="0" lang="en-US" sz="2400" spc="-1" strike="noStrike">
+              <a:latin typeface="Arial"/>
+            </a:endParaRPr>
+          </a:p>
+          <a:p>
+            <a:endParaRPr b="0" lang="en-US" sz="2400" spc="-1" strike="noStrike">
+              <a:latin typeface="Arial"/>
+            </a:endParaRPr>
+          </a:p>
+          <a:p>
+            <a:r>
+              <a:rPr b="1" lang="en-US" sz="2400" spc="-1" strike="noStrike">
                 <a:solidFill>
                   <a:srgbClr val="000000"/>
                 </a:solidFill>
                 <a:latin typeface="Times New Roman"/>
                 <a:ea typeface="DejaVu Sans"/>
               </a:rPr>
-              <a:t>Sahadat Hossain, Shakhaoat Hossain, Fahad Ahmed, Rabiul Islam, Tajuddin Sikder, Abdur Rahman “Prevalence of Tobacco Smoking and Factors Associated with the Initiation of Smoking among University Students in Dhaka, Bangladesh”, Vol. 6, No. 1 (2017) | ISSN 2166-7403.</a:t>
-            </a:r>
-            <a:endParaRPr b="0" lang="en-US" sz="2000" spc="-1" strike="noStrike">
-              <a:latin typeface="Arial"/>
-            </a:endParaRPr>
-          </a:p>
-          <a:p>
-            <a:pPr>
-              <a:lnSpc>
-                <a:spcPct val="100000"/>
-              </a:lnSpc>
-            </a:pPr>
-            <a:endParaRPr b="0" lang="en-US" sz="2000" spc="-1" strike="noStrike">
-              <a:latin typeface="Arial"/>
-            </a:endParaRPr>
-          </a:p>
-          <a:p>
-            <a:pPr>
-              <a:lnSpc>
-                <a:spcPct val="100000"/>
-              </a:lnSpc>
-            </a:pPr>
-            <a:endParaRPr b="0" lang="en-US" sz="2000" spc="-1" strike="noStrike">
-              <a:latin typeface="Arial"/>
-            </a:endParaRPr>
-          </a:p>
-          <a:p>
-            <a:pPr>
-              <a:lnSpc>
-                <a:spcPct val="100000"/>
-              </a:lnSpc>
-            </a:pPr>
-            <a:br/>
-            <a:endParaRPr b="0" lang="en-US" sz="2000" spc="-1" strike="noStrike">
-              <a:latin typeface="Arial"/>
-            </a:endParaRPr>
-          </a:p>
-        </p:txBody>
-      </p:sp>
-      <p:sp>
-        <p:nvSpPr>
-          <p:cNvPr id="183" name="CustomShape 4"/>
-          <p:cNvSpPr/>
-          <p:nvPr/>
-        </p:nvSpPr>
-        <p:spPr>
-          <a:xfrm>
-            <a:off x="4038480" y="6356520"/>
-            <a:ext cx="4114080" cy="364320"/>
-          </a:xfrm>
-          <a:prstGeom prst="rect">
-            <a:avLst/>
-          </a:prstGeom>
-          <a:noFill/>
-          <a:ln>
-            <a:noFill/>
-          </a:ln>
-        </p:spPr>
-        <p:style>
-          <a:lnRef idx="0"/>
-          <a:fillRef idx="0"/>
-          <a:effectRef idx="0"/>
-          <a:fontRef idx="minor"/>
-        </p:style>
-        <p:txBody>
-          <a:bodyPr lIns="90000" rIns="90000" tIns="45000" bIns="45000" anchor="ctr"/>
-          <a:p>
-            <a:pPr algn="ctr">
-              <a:lnSpc>
-                <a:spcPct val="100000"/>
-              </a:lnSpc>
-            </a:pPr>
-            <a:r>
-              <a:rPr b="1" lang="en-US" sz="1100" spc="-1" strike="noStrike">
+              <a:t>	</a:t>
+            </a:r>
+            <a:r>
+              <a:rPr b="1" lang="en-US" sz="2400" spc="-1" strike="noStrike">
                 <a:solidFill>
                   <a:srgbClr val="000000"/>
                 </a:solidFill>
                 <a:latin typeface="Times New Roman"/>
-              </a:rPr>
-              <a:t>Find Reason of Drug Addiction through Machine Learning Techniques.</a:t>
-            </a:r>
-            <a:r>
-              <a:rPr b="0" lang="en-US" sz="1200" spc="-1" strike="noStrike">
-                <a:solidFill>
-                  <a:srgbClr val="8b8b8b"/>
-                </a:solidFill>
-                <a:latin typeface="Calibri"/>
-              </a:rPr>
-              <a:t>.</a:t>
-            </a:r>
-            <a:endParaRPr b="0" lang="en-US" sz="1200" spc="-1" strike="noStrike">
+                <a:ea typeface="DejaVu Sans"/>
+              </a:rPr>
+              <a:t>	</a:t>
+            </a:r>
+            <a:r>
+              <a:rPr b="1" lang="en-US" sz="2400" spc="-1" strike="noStrike">
+                <a:solidFill>
+                  <a:srgbClr val="000000"/>
+                </a:solidFill>
+                <a:latin typeface="Times New Roman"/>
+                <a:ea typeface="DejaVu Sans"/>
+              </a:rPr>
+              <a:t>	</a:t>
+            </a:r>
+            <a:r>
+              <a:rPr b="1" lang="en-US" sz="2400" spc="-1" strike="noStrike">
+                <a:solidFill>
+                  <a:srgbClr val="000000"/>
+                </a:solidFill>
+                <a:latin typeface="Times New Roman"/>
+                <a:ea typeface="DejaVu Sans"/>
+              </a:rPr>
+              <a:t>	</a:t>
+            </a:r>
+            <a:r>
+              <a:rPr b="1" lang="en-US" sz="2400" spc="-1" strike="noStrike">
+                <a:solidFill>
+                  <a:srgbClr val="000000"/>
+                </a:solidFill>
+                <a:latin typeface="Times New Roman"/>
+                <a:ea typeface="DejaVu Sans"/>
+              </a:rPr>
+              <a:t>Fig: </a:t>
+            </a:r>
+            <a:r>
+              <a:rPr b="1" lang="en-US" sz="2400" spc="-1" strike="noStrike">
+                <a:solidFill>
+                  <a:srgbClr val="000000"/>
+                </a:solidFill>
+                <a:latin typeface="Times New Roman"/>
+                <a:ea typeface="DejaVu Sans"/>
+              </a:rPr>
+              <a:t>Addicted students </a:t>
+            </a:r>
+            <a:r>
+              <a:rPr b="1" lang="en-US" sz="2400" spc="-1" strike="noStrike">
+                <a:solidFill>
+                  <a:srgbClr val="000000"/>
+                </a:solidFill>
+                <a:latin typeface="Times New Roman"/>
+                <a:ea typeface="DejaVu Sans"/>
+              </a:rPr>
+              <a:t>according to age.</a:t>
+            </a:r>
+            <a:endParaRPr b="0" lang="en-US" sz="2400" spc="-1" strike="noStrike">
+              <a:latin typeface="Arial"/>
+            </a:endParaRPr>
+          </a:p>
+          <a:p>
+            <a:endParaRPr b="0" lang="en-US" sz="2400" spc="-1" strike="noStrike">
+              <a:latin typeface="Arial"/>
+            </a:endParaRPr>
+          </a:p>
+          <a:p>
+            <a:endParaRPr b="0" lang="en-US" sz="2400" spc="-1" strike="noStrike">
               <a:latin typeface="Arial"/>
             </a:endParaRPr>
           </a:p>
@@ -6727,7 +6655,7 @@
       </p:sp>
       <p:pic>
         <p:nvPicPr>
-          <p:cNvPr id="184" name="Picture 5" descr=""/>
+          <p:cNvPr id="180" name="" descr=""/>
           <p:cNvPicPr/>
           <p:nvPr/>
         </p:nvPicPr>
@@ -6737,8 +6665,8 @@
         </p:blipFill>
         <p:spPr>
           <a:xfrm>
-            <a:off x="10556280" y="0"/>
-            <a:ext cx="1634760" cy="1087560"/>
+            <a:off x="2834640" y="1646640"/>
+            <a:ext cx="5385600" cy="3556440"/>
           </a:xfrm>
           <a:prstGeom prst="rect">
             <a:avLst/>
@@ -6799,14 +6727,14 @@
       </p:grpSpPr>
       <p:sp>
         <p:nvSpPr>
-          <p:cNvPr id="185" name="CustomShape 1"/>
-          <p:cNvSpPr/>
+          <p:cNvPr id="181" name="TextShape 1"/>
+          <p:cNvSpPr txBox="1"/>
           <p:nvPr/>
         </p:nvSpPr>
         <p:spPr>
           <a:xfrm>
-            <a:off x="838080" y="6356520"/>
-            <a:ext cx="2742480" cy="364320"/>
+            <a:off x="3566160" y="365760"/>
+            <a:ext cx="4655160" cy="484200"/>
           </a:xfrm>
           <a:prstGeom prst="rect">
             <a:avLst/>
@@ -6816,45 +6744,35 @@
             <a:noFill/>
           </a:ln>
         </p:spPr>
-        <p:style>
-          <a:lnRef idx="0"/>
-          <a:fillRef idx="0"/>
-          <a:effectRef idx="0"/>
-          <a:fontRef idx="minor"/>
-        </p:style>
-        <p:txBody>
-          <a:bodyPr lIns="90000" rIns="90000" tIns="45000" bIns="45000" anchor="ctr"/>
-          <a:p>
-            <a:pPr>
-              <a:lnSpc>
-                <a:spcPct val="100000"/>
-              </a:lnSpc>
-            </a:pPr>
-            <a:fld id="{D424B243-D799-4D8A-88FF-B0C2D3CAAE05}" type="datetime1">
-              <a:rPr b="0" lang="en-US" sz="1200" spc="-1" strike="noStrike">
-                <a:solidFill>
-                  <a:srgbClr val="8b8b8b"/>
-                </a:solidFill>
-                <a:latin typeface="Calibri"/>
-              </a:rPr>
-              <a:t>06/08/2020</a:t>
-            </a:fld>
-            <a:endParaRPr b="0" lang="en-US" sz="1200" spc="-1" strike="noStrike">
-              <a:latin typeface="Arial"/>
-            </a:endParaRPr>
-          </a:p>
-        </p:txBody>
-      </p:sp>
-      <p:sp>
-        <p:nvSpPr>
-          <p:cNvPr id="186" name="CustomShape 2"/>
-          <p:cNvSpPr/>
+        <p:txBody>
+          <a:bodyPr lIns="90000" rIns="90000" tIns="45000" bIns="45000"/>
+          <a:p>
+            <a:r>
+              <a:rPr b="1" lang="en-US" sz="2800" spc="-1" strike="noStrike">
+                <a:solidFill>
+                  <a:srgbClr val="1f4e79"/>
+                </a:solidFill>
+                <a:latin typeface="Times New Roman"/>
+                <a:ea typeface="DejaVu Sans"/>
+              </a:rPr>
+              <a:t>Experimental Analysis (Con.)</a:t>
+            </a:r>
+            <a:endParaRPr b="0" lang="en-US" sz="2800" spc="-1" strike="noStrike">
+              <a:latin typeface="Arial"/>
+            </a:endParaRPr>
+          </a:p>
+        </p:txBody>
+      </p:sp>
+      <p:sp>
+        <p:nvSpPr>
+          <p:cNvPr id="182" name="TextShape 2"/>
+          <p:cNvSpPr txBox="1"/>
           <p:nvPr/>
         </p:nvSpPr>
         <p:spPr>
           <a:xfrm>
-            <a:off x="8610480" y="6356520"/>
-            <a:ext cx="2742480" cy="364320"/>
+            <a:off x="365760" y="1005840"/>
+            <a:ext cx="11612880" cy="5818680"/>
           </a:xfrm>
           <a:prstGeom prst="rect">
             <a:avLst/>
@@ -6864,87 +6782,170 @@
             <a:noFill/>
           </a:ln>
         </p:spPr>
-        <p:style>
-          <a:lnRef idx="0"/>
-          <a:fillRef idx="0"/>
-          <a:effectRef idx="0"/>
-          <a:fontRef idx="minor"/>
-        </p:style>
-        <p:txBody>
-          <a:bodyPr lIns="90000" rIns="90000" tIns="45000" bIns="45000" anchor="ctr"/>
-          <a:p>
-            <a:pPr algn="r">
-              <a:lnSpc>
-                <a:spcPct val="100000"/>
-              </a:lnSpc>
-            </a:pPr>
-            <a:fld id="{3B787719-978C-4EE2-9082-538C4FD2ED77}" type="slidenum">
-              <a:rPr b="0" lang="en-US" sz="1200" spc="-1" strike="noStrike">
-                <a:solidFill>
-                  <a:srgbClr val="8b8b8b"/>
-                </a:solidFill>
-                <a:latin typeface="Calibri"/>
-              </a:rPr>
-              <a:t>&lt;number&gt;</a:t>
-            </a:fld>
-            <a:endParaRPr b="0" lang="en-US" sz="1200" spc="-1" strike="noStrike">
-              <a:latin typeface="Arial"/>
-            </a:endParaRPr>
-          </a:p>
-        </p:txBody>
-      </p:sp>
-      <p:sp>
-        <p:nvSpPr>
-          <p:cNvPr id="187" name="CustomShape 3"/>
-          <p:cNvSpPr/>
-          <p:nvPr/>
-        </p:nvSpPr>
-        <p:spPr>
-          <a:xfrm>
-            <a:off x="4038480" y="6356520"/>
-            <a:ext cx="4114080" cy="364320"/>
-          </a:xfrm>
-          <a:prstGeom prst="rect">
-            <a:avLst/>
-          </a:prstGeom>
-          <a:noFill/>
-          <a:ln>
-            <a:noFill/>
-          </a:ln>
-        </p:spPr>
-        <p:style>
-          <a:lnRef idx="0"/>
-          <a:fillRef idx="0"/>
-          <a:effectRef idx="0"/>
-          <a:fontRef idx="minor"/>
-        </p:style>
-        <p:txBody>
-          <a:bodyPr lIns="90000" rIns="90000" tIns="45000" bIns="45000" anchor="ctr"/>
-          <a:p>
-            <a:pPr algn="ctr">
-              <a:lnSpc>
-                <a:spcPct val="100000"/>
-              </a:lnSpc>
-            </a:pPr>
-            <a:r>
-              <a:rPr b="1" lang="en-US" sz="1100" spc="-1" strike="noStrike">
+        <p:txBody>
+          <a:bodyPr lIns="90000" rIns="90000" tIns="45000" bIns="45000"/>
+          <a:p>
+            <a:r>
+              <a:rPr b="1" lang="en-US" sz="2400" spc="-1" strike="noStrike">
                 <a:solidFill>
                   <a:srgbClr val="000000"/>
                 </a:solidFill>
                 <a:latin typeface="Times New Roman"/>
-              </a:rPr>
-              <a:t>Find Reason of Drug Addiction through Machine Learning Techniques.</a:t>
-            </a:r>
-            <a:r>
-              <a:rPr b="0" lang="en-US" sz="1200" spc="-1" strike="noStrike">
-                <a:solidFill>
-                  <a:srgbClr val="8b8b8b"/>
-                </a:solidFill>
-                <a:latin typeface="Calibri"/>
-              </a:rPr>
-              <a:t>.</a:t>
-            </a:r>
-            <a:endParaRPr b="0" lang="en-US" sz="1200" spc="-1" strike="noStrike">
+                <a:ea typeface="DejaVu Sans"/>
+              </a:rPr>
+              <a:t>Dataset analysis of Students:</a:t>
+            </a:r>
+            <a:endParaRPr b="0" lang="en-US" sz="2400" spc="-1" strike="noStrike">
+              <a:latin typeface="Arial"/>
+            </a:endParaRPr>
+          </a:p>
+          <a:p>
+            <a:endParaRPr b="0" lang="en-US" sz="2400" spc="-1" strike="noStrike">
+              <a:latin typeface="Arial"/>
+            </a:endParaRPr>
+          </a:p>
+          <a:p>
+            <a:endParaRPr b="0" lang="en-US" sz="2400" spc="-1" strike="noStrike">
+              <a:latin typeface="Arial"/>
+            </a:endParaRPr>
+          </a:p>
+          <a:p>
+            <a:endParaRPr b="0" lang="en-US" sz="2400" spc="-1" strike="noStrike">
+              <a:latin typeface="Arial"/>
+            </a:endParaRPr>
+          </a:p>
+          <a:p>
+            <a:endParaRPr b="0" lang="en-US" sz="2400" spc="-1" strike="noStrike">
+              <a:latin typeface="Arial"/>
+            </a:endParaRPr>
+          </a:p>
+          <a:p>
+            <a:endParaRPr b="0" lang="en-US" sz="2400" spc="-1" strike="noStrike">
+              <a:latin typeface="Arial"/>
+            </a:endParaRPr>
+          </a:p>
+          <a:p>
+            <a:endParaRPr b="0" lang="en-US" sz="2400" spc="-1" strike="noStrike">
+              <a:latin typeface="Arial"/>
+            </a:endParaRPr>
+          </a:p>
+          <a:p>
+            <a:endParaRPr b="0" lang="en-US" sz="2400" spc="-1" strike="noStrike">
+              <a:latin typeface="Arial"/>
+            </a:endParaRPr>
+          </a:p>
+          <a:p>
+            <a:endParaRPr b="0" lang="en-US" sz="2400" spc="-1" strike="noStrike">
+              <a:latin typeface="Arial"/>
+            </a:endParaRPr>
+          </a:p>
+          <a:p>
+            <a:endParaRPr b="0" lang="en-US" sz="2400" spc="-1" strike="noStrike">
+              <a:latin typeface="Arial"/>
+            </a:endParaRPr>
+          </a:p>
+          <a:p>
+            <a:endParaRPr b="0" lang="en-US" sz="2400" spc="-1" strike="noStrike">
+              <a:latin typeface="Arial"/>
+            </a:endParaRPr>
+          </a:p>
+          <a:p>
+            <a:endParaRPr b="0" lang="en-US" sz="2400" spc="-1" strike="noStrike">
+              <a:latin typeface="Arial"/>
+            </a:endParaRPr>
+          </a:p>
+          <a:p>
+            <a:endParaRPr b="0" lang="en-US" sz="2400" spc="-1" strike="noStrike">
+              <a:latin typeface="Arial"/>
+            </a:endParaRPr>
+          </a:p>
+          <a:p>
+            <a:endParaRPr b="0" lang="en-US" sz="2400" spc="-1" strike="noStrike">
+              <a:latin typeface="Arial"/>
+            </a:endParaRPr>
+          </a:p>
+          <a:p>
+            <a:r>
+              <a:rPr b="1" lang="en-US" sz="2400" spc="-1" strike="noStrike">
+                <a:solidFill>
+                  <a:srgbClr val="000000"/>
+                </a:solidFill>
+                <a:latin typeface="Times New Roman"/>
+                <a:ea typeface="DejaVu Sans"/>
+              </a:rPr>
+              <a:t>	</a:t>
+            </a:r>
+            <a:r>
+              <a:rPr b="1" lang="en-US" sz="2400" spc="-1" strike="noStrike">
+                <a:solidFill>
+                  <a:srgbClr val="000000"/>
+                </a:solidFill>
+                <a:latin typeface="Times New Roman"/>
+                <a:ea typeface="DejaVu Sans"/>
+              </a:rPr>
+              <a:t>	</a:t>
+            </a:r>
+            <a:r>
+              <a:rPr b="1" lang="en-US" sz="2400" spc="-1" strike="noStrike">
+                <a:solidFill>
+                  <a:srgbClr val="000000"/>
+                </a:solidFill>
+                <a:latin typeface="Times New Roman"/>
+                <a:ea typeface="DejaVu Sans"/>
+              </a:rPr>
+              <a:t>	</a:t>
+            </a:r>
+            <a:r>
+              <a:rPr b="1" lang="en-US" sz="2400" spc="-1" strike="noStrike">
+                <a:solidFill>
+                  <a:srgbClr val="000000"/>
+                </a:solidFill>
+                <a:latin typeface="Times New Roman"/>
+                <a:ea typeface="DejaVu Sans"/>
+              </a:rPr>
+              <a:t>	</a:t>
+            </a:r>
+            <a:r>
+              <a:rPr b="1" lang="en-US" sz="2400" spc="-1" strike="noStrike">
+                <a:solidFill>
+                  <a:srgbClr val="000000"/>
+                </a:solidFill>
+                <a:latin typeface="Times New Roman"/>
+                <a:ea typeface="DejaVu Sans"/>
+              </a:rPr>
+              <a:t>	</a:t>
+            </a:r>
+            <a:r>
+              <a:rPr b="1" lang="en-US" sz="2400" spc="-1" strike="noStrike">
+                <a:solidFill>
+                  <a:srgbClr val="000000"/>
+                </a:solidFill>
+                <a:latin typeface="Times New Roman"/>
+                <a:ea typeface="DejaVu Sans"/>
+              </a:rPr>
+              <a:t>	</a:t>
+            </a:r>
+            <a:r>
+              <a:rPr b="1" lang="en-US" sz="2400" spc="-1" strike="noStrike">
+                <a:solidFill>
+                  <a:srgbClr val="000000"/>
+                </a:solidFill>
+                <a:latin typeface="Times New Roman"/>
+                <a:ea typeface="DejaVu Sans"/>
+              </a:rPr>
+              <a:t>Fig: Most common reasons for students.</a:t>
+            </a:r>
+            <a:endParaRPr b="0" lang="en-US" sz="2400" spc="-1" strike="noStrike">
+              <a:latin typeface="Arial"/>
+            </a:endParaRPr>
+          </a:p>
+          <a:p>
+            <a:endParaRPr b="0" lang="en-US" sz="2400" spc="-1" strike="noStrike">
+              <a:latin typeface="Arial"/>
+            </a:endParaRPr>
+          </a:p>
+          <a:p>
+            <a:endParaRPr b="0" lang="en-US" sz="2400" spc="-1" strike="noStrike">
               <a:latin typeface="Arial"/>
             </a:endParaRPr>
           </a:p>
@@ -6952,7 +6953,7 @@
       </p:sp>
       <p:pic>
         <p:nvPicPr>
-          <p:cNvPr id="188" name="Picture 5" descr=""/>
+          <p:cNvPr id="183" name="" descr=""/>
           <p:cNvPicPr/>
           <p:nvPr/>
         </p:nvPicPr>
@@ -6962,31 +6963,8 @@
         </p:blipFill>
         <p:spPr>
           <a:xfrm>
-            <a:off x="10556280" y="0"/>
-            <a:ext cx="1634760" cy="1087560"/>
-          </a:xfrm>
-          <a:prstGeom prst="rect">
-            <a:avLst/>
-          </a:prstGeom>
-          <a:ln>
-            <a:noFill/>
-          </a:ln>
-        </p:spPr>
-      </p:pic>
-      <p:pic>
-        <p:nvPicPr>
-          <p:cNvPr id="189" name="Picture 4" descr=""/>
-          <p:cNvPicPr/>
-          <p:nvPr/>
-        </p:nvPicPr>
-        <p:blipFill>
-          <a:blip r:embed="rId2"/>
-          <a:stretch/>
-        </p:blipFill>
-        <p:spPr>
-          <a:xfrm>
-            <a:off x="2654280" y="916560"/>
-            <a:ext cx="6711480" cy="4899600"/>
+            <a:off x="2468880" y="1554480"/>
+            <a:ext cx="6276960" cy="3979080"/>
           </a:xfrm>
           <a:prstGeom prst="rect">
             <a:avLst/>
@@ -7047,14 +7025,14 @@
       </p:grpSpPr>
       <p:sp>
         <p:nvSpPr>
-          <p:cNvPr id="190" name="CustomShape 1"/>
-          <p:cNvSpPr/>
+          <p:cNvPr id="184" name="TextShape 1"/>
+          <p:cNvSpPr txBox="1"/>
           <p:nvPr/>
         </p:nvSpPr>
         <p:spPr>
           <a:xfrm>
-            <a:off x="838080" y="6356520"/>
-            <a:ext cx="2742480" cy="364320"/>
+            <a:off x="3566160" y="365760"/>
+            <a:ext cx="4655160" cy="484200"/>
           </a:xfrm>
           <a:prstGeom prst="rect">
             <a:avLst/>
@@ -7064,45 +7042,35 @@
             <a:noFill/>
           </a:ln>
         </p:spPr>
-        <p:style>
-          <a:lnRef idx="0"/>
-          <a:fillRef idx="0"/>
-          <a:effectRef idx="0"/>
-          <a:fontRef idx="minor"/>
-        </p:style>
-        <p:txBody>
-          <a:bodyPr lIns="90000" rIns="90000" tIns="45000" bIns="45000" anchor="ctr"/>
-          <a:p>
-            <a:pPr>
-              <a:lnSpc>
-                <a:spcPct val="100000"/>
-              </a:lnSpc>
-            </a:pPr>
-            <a:fld id="{E3E43E56-CA6D-47AC-BB7F-2A23CCBB872A}" type="datetime1">
-              <a:rPr b="0" lang="en-US" sz="1200" spc="-1" strike="noStrike">
-                <a:solidFill>
-                  <a:srgbClr val="8b8b8b"/>
-                </a:solidFill>
-                <a:latin typeface="Calibri"/>
-              </a:rPr>
-              <a:t>06/08/2020</a:t>
-            </a:fld>
-            <a:endParaRPr b="0" lang="en-US" sz="1200" spc="-1" strike="noStrike">
-              <a:latin typeface="Arial"/>
-            </a:endParaRPr>
-          </a:p>
-        </p:txBody>
-      </p:sp>
-      <p:sp>
-        <p:nvSpPr>
-          <p:cNvPr id="191" name="CustomShape 2"/>
-          <p:cNvSpPr/>
+        <p:txBody>
+          <a:bodyPr lIns="90000" rIns="90000" tIns="45000" bIns="45000"/>
+          <a:p>
+            <a:r>
+              <a:rPr b="1" lang="en-US" sz="2800" spc="-1" strike="noStrike">
+                <a:solidFill>
+                  <a:srgbClr val="1f4e79"/>
+                </a:solidFill>
+                <a:latin typeface="Times New Roman"/>
+                <a:ea typeface="DejaVu Sans"/>
+              </a:rPr>
+              <a:t>Experimental Analysis (Con.)</a:t>
+            </a:r>
+            <a:endParaRPr b="0" lang="en-US" sz="2800" spc="-1" strike="noStrike">
+              <a:latin typeface="Arial"/>
+            </a:endParaRPr>
+          </a:p>
+        </p:txBody>
+      </p:sp>
+      <p:sp>
+        <p:nvSpPr>
+          <p:cNvPr id="185" name="TextShape 2"/>
+          <p:cNvSpPr txBox="1"/>
           <p:nvPr/>
         </p:nvSpPr>
         <p:spPr>
           <a:xfrm>
-            <a:off x="8610480" y="6356520"/>
-            <a:ext cx="2742480" cy="364320"/>
+            <a:off x="365760" y="1005840"/>
+            <a:ext cx="11612880" cy="5818680"/>
           </a:xfrm>
           <a:prstGeom prst="rect">
             <a:avLst/>
@@ -7112,176 +7080,170 @@
             <a:noFill/>
           </a:ln>
         </p:spPr>
-        <p:style>
-          <a:lnRef idx="0"/>
-          <a:fillRef idx="0"/>
-          <a:effectRef idx="0"/>
-          <a:fontRef idx="minor"/>
-        </p:style>
-        <p:txBody>
-          <a:bodyPr lIns="90000" rIns="90000" tIns="45000" bIns="45000" anchor="ctr"/>
-          <a:p>
-            <a:pPr algn="r">
-              <a:lnSpc>
-                <a:spcPct val="100000"/>
-              </a:lnSpc>
-            </a:pPr>
-            <a:fld id="{6B75B547-A9AB-44DC-9A6D-79205797D58C}" type="slidenum">
-              <a:rPr b="0" lang="en-US" sz="1200" spc="-1" strike="noStrike">
-                <a:solidFill>
-                  <a:srgbClr val="8b8b8b"/>
-                </a:solidFill>
-                <a:latin typeface="Calibri"/>
-              </a:rPr>
-              <a:t>&lt;number&gt;</a:t>
-            </a:fld>
-            <a:endParaRPr b="0" lang="en-US" sz="1200" spc="-1" strike="noStrike">
-              <a:latin typeface="Arial"/>
-            </a:endParaRPr>
-          </a:p>
-        </p:txBody>
-      </p:sp>
-      <p:sp>
-        <p:nvSpPr>
-          <p:cNvPr id="192" name="CustomShape 3"/>
-          <p:cNvSpPr/>
-          <p:nvPr/>
-        </p:nvSpPr>
-        <p:spPr>
-          <a:xfrm>
-            <a:off x="417960" y="822960"/>
-            <a:ext cx="10501920" cy="3381840"/>
-          </a:xfrm>
-          <a:prstGeom prst="rect">
-            <a:avLst/>
-          </a:prstGeom>
-          <a:noFill/>
-          <a:ln>
-            <a:noFill/>
-          </a:ln>
-        </p:spPr>
-        <p:style>
-          <a:lnRef idx="0"/>
-          <a:fillRef idx="0"/>
-          <a:effectRef idx="0"/>
-          <a:fontRef idx="minor"/>
-        </p:style>
         <p:txBody>
           <a:bodyPr lIns="90000" rIns="90000" tIns="45000" bIns="45000"/>
           <a:p>
-            <a:pPr>
-              <a:lnSpc>
-                <a:spcPct val="100000"/>
-              </a:lnSpc>
-            </a:pPr>
-            <a:r>
-              <a:rPr b="0" lang="en-US" sz="7200" spc="-1" strike="noStrike">
+            <a:r>
+              <a:rPr b="1" lang="en-US" sz="2400" spc="-1" strike="noStrike">
                 <a:solidFill>
                   <a:srgbClr val="000000"/>
                 </a:solidFill>
                 <a:latin typeface="Times New Roman"/>
                 <a:ea typeface="DejaVu Sans"/>
               </a:rPr>
-              <a:t> </a:t>
-            </a:r>
-            <a:endParaRPr b="0" lang="en-US" sz="7200" spc="-1" strike="noStrike">
-              <a:latin typeface="Arial"/>
-            </a:endParaRPr>
-          </a:p>
-          <a:p>
-            <a:pPr>
-              <a:lnSpc>
-                <a:spcPct val="100000"/>
-              </a:lnSpc>
-            </a:pPr>
-            <a:endParaRPr b="0" lang="en-US" sz="7200" spc="-1" strike="noStrike">
-              <a:latin typeface="Arial"/>
-            </a:endParaRPr>
-          </a:p>
-          <a:p>
-            <a:pPr>
-              <a:lnSpc>
-                <a:spcPct val="100000"/>
-              </a:lnSpc>
-            </a:pPr>
-            <a:r>
-              <a:rPr b="0" lang="en-US" sz="7200" spc="-1" strike="noStrike">
+              <a:t>Dataset analysis of Businessman :</a:t>
+            </a:r>
+            <a:endParaRPr b="0" lang="en-US" sz="2400" spc="-1" strike="noStrike">
+              <a:latin typeface="Arial"/>
+            </a:endParaRPr>
+          </a:p>
+          <a:p>
+            <a:endParaRPr b="0" lang="en-US" sz="2400" spc="-1" strike="noStrike">
+              <a:latin typeface="Arial"/>
+            </a:endParaRPr>
+          </a:p>
+          <a:p>
+            <a:endParaRPr b="0" lang="en-US" sz="2400" spc="-1" strike="noStrike">
+              <a:latin typeface="Arial"/>
+            </a:endParaRPr>
+          </a:p>
+          <a:p>
+            <a:endParaRPr b="0" lang="en-US" sz="2400" spc="-1" strike="noStrike">
+              <a:latin typeface="Arial"/>
+            </a:endParaRPr>
+          </a:p>
+          <a:p>
+            <a:endParaRPr b="0" lang="en-US" sz="2400" spc="-1" strike="noStrike">
+              <a:latin typeface="Arial"/>
+            </a:endParaRPr>
+          </a:p>
+          <a:p>
+            <a:endParaRPr b="0" lang="en-US" sz="2400" spc="-1" strike="noStrike">
+              <a:latin typeface="Arial"/>
+            </a:endParaRPr>
+          </a:p>
+          <a:p>
+            <a:endParaRPr b="0" lang="en-US" sz="2400" spc="-1" strike="noStrike">
+              <a:latin typeface="Arial"/>
+            </a:endParaRPr>
+          </a:p>
+          <a:p>
+            <a:endParaRPr b="0" lang="en-US" sz="2400" spc="-1" strike="noStrike">
+              <a:latin typeface="Arial"/>
+            </a:endParaRPr>
+          </a:p>
+          <a:p>
+            <a:endParaRPr b="0" lang="en-US" sz="2400" spc="-1" strike="noStrike">
+              <a:latin typeface="Arial"/>
+            </a:endParaRPr>
+          </a:p>
+          <a:p>
+            <a:endParaRPr b="0" lang="en-US" sz="2400" spc="-1" strike="noStrike">
+              <a:latin typeface="Arial"/>
+            </a:endParaRPr>
+          </a:p>
+          <a:p>
+            <a:endParaRPr b="0" lang="en-US" sz="2400" spc="-1" strike="noStrike">
+              <a:latin typeface="Arial"/>
+            </a:endParaRPr>
+          </a:p>
+          <a:p>
+            <a:endParaRPr b="0" lang="en-US" sz="2400" spc="-1" strike="noStrike">
+              <a:latin typeface="Arial"/>
+            </a:endParaRPr>
+          </a:p>
+          <a:p>
+            <a:endParaRPr b="0" lang="en-US" sz="2400" spc="-1" strike="noStrike">
+              <a:latin typeface="Arial"/>
+            </a:endParaRPr>
+          </a:p>
+          <a:p>
+            <a:endParaRPr b="0" lang="en-US" sz="2400" spc="-1" strike="noStrike">
+              <a:latin typeface="Arial"/>
+            </a:endParaRPr>
+          </a:p>
+          <a:p>
+            <a:r>
+              <a:rPr b="1" lang="en-US" sz="2400" spc="-1" strike="noStrike">
                 <a:solidFill>
                   <a:srgbClr val="000000"/>
                 </a:solidFill>
                 <a:latin typeface="Times New Roman"/>
                 <a:ea typeface="DejaVu Sans"/>
               </a:rPr>
-              <a:t>        </a:t>
-            </a:r>
-            <a:r>
-              <a:rPr b="1" i="1" lang="en-US" sz="7200" spc="-1" strike="noStrike">
-                <a:solidFill>
-                  <a:srgbClr val="1f4e79"/>
-                </a:solidFill>
-                <a:latin typeface="Times New Roman"/>
-                <a:ea typeface="DejaVu Sans"/>
-              </a:rPr>
-              <a:t>Thank you , everyone!</a:t>
-            </a:r>
-            <a:endParaRPr b="0" lang="en-US" sz="7200" spc="-1" strike="noStrike">
-              <a:latin typeface="Arial"/>
-            </a:endParaRPr>
-          </a:p>
-        </p:txBody>
-      </p:sp>
-      <p:sp>
-        <p:nvSpPr>
-          <p:cNvPr id="193" name="CustomShape 4"/>
-          <p:cNvSpPr/>
-          <p:nvPr/>
-        </p:nvSpPr>
-        <p:spPr>
-          <a:xfrm>
-            <a:off x="4038480" y="6356520"/>
-            <a:ext cx="4114080" cy="364320"/>
-          </a:xfrm>
-          <a:prstGeom prst="rect">
-            <a:avLst/>
-          </a:prstGeom>
-          <a:noFill/>
-          <a:ln>
-            <a:noFill/>
-          </a:ln>
-        </p:spPr>
-        <p:style>
-          <a:lnRef idx="0"/>
-          <a:fillRef idx="0"/>
-          <a:effectRef idx="0"/>
-          <a:fontRef idx="minor"/>
-        </p:style>
-        <p:txBody>
-          <a:bodyPr lIns="90000" rIns="90000" tIns="45000" bIns="45000" anchor="ctr"/>
-          <a:p>
-            <a:pPr algn="ctr">
-              <a:lnSpc>
-                <a:spcPct val="100000"/>
-              </a:lnSpc>
-            </a:pPr>
-            <a:r>
-              <a:rPr b="1" lang="en-US" sz="1100" spc="-1" strike="noStrike">
+              <a:t>	</a:t>
+            </a:r>
+            <a:r>
+              <a:rPr b="1" lang="en-US" sz="2400" spc="-1" strike="noStrike">
                 <a:solidFill>
                   <a:srgbClr val="000000"/>
                 </a:solidFill>
                 <a:latin typeface="Times New Roman"/>
-              </a:rPr>
-              <a:t>Find Reason of Drug Addiction through Machine Learning Techniques.</a:t>
-            </a:r>
-            <a:r>
-              <a:rPr b="0" lang="en-US" sz="1200" spc="-1" strike="noStrike">
-                <a:solidFill>
-                  <a:srgbClr val="8b8b8b"/>
-                </a:solidFill>
-                <a:latin typeface="Calibri"/>
-              </a:rPr>
-              <a:t>.</a:t>
-            </a:r>
-            <a:endParaRPr b="0" lang="en-US" sz="1200" spc="-1" strike="noStrike">
+                <a:ea typeface="DejaVu Sans"/>
+              </a:rPr>
+              <a:t>	</a:t>
+            </a:r>
+            <a:r>
+              <a:rPr b="1" lang="en-US" sz="2400" spc="-1" strike="noStrike">
+                <a:solidFill>
+                  <a:srgbClr val="000000"/>
+                </a:solidFill>
+                <a:latin typeface="Times New Roman"/>
+                <a:ea typeface="DejaVu Sans"/>
+              </a:rPr>
+              <a:t>	</a:t>
+            </a:r>
+            <a:r>
+              <a:rPr b="1" lang="en-US" sz="2400" spc="-1" strike="noStrike">
+                <a:solidFill>
+                  <a:srgbClr val="000000"/>
+                </a:solidFill>
+                <a:latin typeface="Times New Roman"/>
+                <a:ea typeface="DejaVu Sans"/>
+              </a:rPr>
+              <a:t>	</a:t>
+            </a:r>
+            <a:r>
+              <a:rPr b="1" lang="en-US" sz="2400" spc="-1" strike="noStrike">
+                <a:solidFill>
+                  <a:srgbClr val="000000"/>
+                </a:solidFill>
+                <a:latin typeface="Times New Roman"/>
+                <a:ea typeface="DejaVu Sans"/>
+              </a:rPr>
+              <a:t>	</a:t>
+            </a:r>
+            <a:r>
+              <a:rPr b="1" lang="en-US" sz="2400" spc="-1" strike="noStrike">
+                <a:solidFill>
+                  <a:srgbClr val="000000"/>
+                </a:solidFill>
+                <a:latin typeface="Times New Roman"/>
+                <a:ea typeface="DejaVu Sans"/>
+              </a:rPr>
+              <a:t>	</a:t>
+            </a:r>
+            <a:r>
+              <a:rPr b="1" lang="en-US" sz="2400" spc="-1" strike="noStrike">
+                <a:solidFill>
+                  <a:srgbClr val="000000"/>
+                </a:solidFill>
+                <a:latin typeface="Times New Roman"/>
+                <a:ea typeface="DejaVu Sans"/>
+              </a:rPr>
+              <a:t>Fig: Addicted businessman according to age.</a:t>
+            </a:r>
+            <a:endParaRPr b="0" lang="en-US" sz="2400" spc="-1" strike="noStrike">
+              <a:latin typeface="Arial"/>
+            </a:endParaRPr>
+          </a:p>
+          <a:p>
+            <a:endParaRPr b="0" lang="en-US" sz="2400" spc="-1" strike="noStrike">
+              <a:latin typeface="Arial"/>
+            </a:endParaRPr>
+          </a:p>
+          <a:p>
+            <a:endParaRPr b="0" lang="en-US" sz="2400" spc="-1" strike="noStrike">
               <a:latin typeface="Arial"/>
             </a:endParaRPr>
           </a:p>
@@ -7289,7 +7251,7 @@
       </p:sp>
       <p:pic>
         <p:nvPicPr>
-          <p:cNvPr id="194" name="Picture 5" descr=""/>
+          <p:cNvPr id="186" name="" descr=""/>
           <p:cNvPicPr/>
           <p:nvPr/>
         </p:nvPicPr>
@@ -7299,8 +7261,8 @@
         </p:blipFill>
         <p:spPr>
           <a:xfrm>
-            <a:off x="10556280" y="0"/>
-            <a:ext cx="1634760" cy="1087560"/>
+            <a:off x="3392640" y="1655640"/>
+            <a:ext cx="5385600" cy="3556440"/>
           </a:xfrm>
           <a:prstGeom prst="rect">
             <a:avLst/>
@@ -7319,6 +7281,1876 @@
           <p:childTnLst>
             <p:seq>
               <p:cTn id="26" dur="indefinite" nodeType="mainSeq"/>
+              <p:prevCondLst>
+                <p:cond delay="0" evt="onPrev">
+                  <p:tgtEl>
+                    <p:sldTgt/>
+                  </p:tgtEl>
+                </p:cond>
+              </p:prevCondLst>
+              <p:nextCondLst>
+                <p:cond delay="0" evt="onNext">
+                  <p:tgtEl>
+                    <p:sldTgt/>
+                  </p:tgtEl>
+                </p:cond>
+              </p:nextCondLst>
+            </p:seq>
+          </p:childTnLst>
+        </p:cTn>
+      </p:par>
+    </p:tnLst>
+  </p:timing>
+</p:sld>
+</file>
+
+<file path=ppt/slides/slide14.xml><?xml version="1.0" encoding="utf-8"?>
+<p:sld xmlns:a="http://schemas.openxmlformats.org/drawingml/2006/main" xmlns:p="http://schemas.openxmlformats.org/presentationml/2006/main" xmlns:r="http://schemas.openxmlformats.org/officeDocument/2006/relationships" xmlns:p14="http://schemas.microsoft.com/office/powerpoint/2010/main" xmlns:p15="http://schemas.microsoft.com/office/powerpoint/2012/main" xmlns:mc="http://schemas.openxmlformats.org/markup-compatibility/2006">
+  <p:cSld>
+    <p:spTree>
+      <p:nvGrpSpPr>
+        <p:cNvPr id="1" name=""/>
+        <p:cNvGrpSpPr/>
+        <p:nvPr/>
+      </p:nvGrpSpPr>
+      <p:grpSpPr>
+        <a:xfrm>
+          <a:off x="0" y="0"/>
+          <a:ext cx="0" cy="0"/>
+          <a:chOff x="0" y="0"/>
+          <a:chExt cx="0" cy="0"/>
+        </a:xfrm>
+      </p:grpSpPr>
+      <p:sp>
+        <p:nvSpPr>
+          <p:cNvPr id="187" name="TextShape 1"/>
+          <p:cNvSpPr txBox="1"/>
+          <p:nvPr/>
+        </p:nvSpPr>
+        <p:spPr>
+          <a:xfrm>
+            <a:off x="3566160" y="365760"/>
+            <a:ext cx="4655160" cy="484200"/>
+          </a:xfrm>
+          <a:prstGeom prst="rect">
+            <a:avLst/>
+          </a:prstGeom>
+          <a:noFill/>
+          <a:ln>
+            <a:noFill/>
+          </a:ln>
+        </p:spPr>
+        <p:txBody>
+          <a:bodyPr lIns="90000" rIns="90000" tIns="45000" bIns="45000"/>
+          <a:p>
+            <a:r>
+              <a:rPr b="1" lang="en-US" sz="2800" spc="-1" strike="noStrike">
+                <a:solidFill>
+                  <a:srgbClr val="1f4e79"/>
+                </a:solidFill>
+                <a:latin typeface="Times New Roman"/>
+                <a:ea typeface="DejaVu Sans"/>
+              </a:rPr>
+              <a:t>Experimental Analysis (Con.)</a:t>
+            </a:r>
+            <a:endParaRPr b="0" lang="en-US" sz="2800" spc="-1" strike="noStrike">
+              <a:latin typeface="Arial"/>
+            </a:endParaRPr>
+          </a:p>
+        </p:txBody>
+      </p:sp>
+      <p:sp>
+        <p:nvSpPr>
+          <p:cNvPr id="188" name="TextShape 2"/>
+          <p:cNvSpPr txBox="1"/>
+          <p:nvPr/>
+        </p:nvSpPr>
+        <p:spPr>
+          <a:xfrm>
+            <a:off x="365760" y="1005840"/>
+            <a:ext cx="11612880" cy="5818680"/>
+          </a:xfrm>
+          <a:prstGeom prst="rect">
+            <a:avLst/>
+          </a:prstGeom>
+          <a:noFill/>
+          <a:ln>
+            <a:noFill/>
+          </a:ln>
+        </p:spPr>
+        <p:txBody>
+          <a:bodyPr lIns="90000" rIns="90000" tIns="45000" bIns="45000"/>
+          <a:p>
+            <a:r>
+              <a:rPr b="1" lang="en-US" sz="2400" spc="-1" strike="noStrike">
+                <a:solidFill>
+                  <a:srgbClr val="000000"/>
+                </a:solidFill>
+                <a:latin typeface="Times New Roman"/>
+                <a:ea typeface="DejaVu Sans"/>
+              </a:rPr>
+              <a:t>Dataset analysis of Businessman :</a:t>
+            </a:r>
+            <a:endParaRPr b="0" lang="en-US" sz="2400" spc="-1" strike="noStrike">
+              <a:latin typeface="Arial"/>
+            </a:endParaRPr>
+          </a:p>
+          <a:p>
+            <a:endParaRPr b="0" lang="en-US" sz="2400" spc="-1" strike="noStrike">
+              <a:latin typeface="Arial"/>
+            </a:endParaRPr>
+          </a:p>
+          <a:p>
+            <a:endParaRPr b="0" lang="en-US" sz="2400" spc="-1" strike="noStrike">
+              <a:latin typeface="Arial"/>
+            </a:endParaRPr>
+          </a:p>
+          <a:p>
+            <a:endParaRPr b="0" lang="en-US" sz="2400" spc="-1" strike="noStrike">
+              <a:latin typeface="Arial"/>
+            </a:endParaRPr>
+          </a:p>
+          <a:p>
+            <a:endParaRPr b="0" lang="en-US" sz="2400" spc="-1" strike="noStrike">
+              <a:latin typeface="Arial"/>
+            </a:endParaRPr>
+          </a:p>
+          <a:p>
+            <a:endParaRPr b="0" lang="en-US" sz="2400" spc="-1" strike="noStrike">
+              <a:latin typeface="Arial"/>
+            </a:endParaRPr>
+          </a:p>
+          <a:p>
+            <a:endParaRPr b="0" lang="en-US" sz="2400" spc="-1" strike="noStrike">
+              <a:latin typeface="Arial"/>
+            </a:endParaRPr>
+          </a:p>
+          <a:p>
+            <a:endParaRPr b="0" lang="en-US" sz="2400" spc="-1" strike="noStrike">
+              <a:latin typeface="Arial"/>
+            </a:endParaRPr>
+          </a:p>
+          <a:p>
+            <a:endParaRPr b="0" lang="en-US" sz="2400" spc="-1" strike="noStrike">
+              <a:latin typeface="Arial"/>
+            </a:endParaRPr>
+          </a:p>
+          <a:p>
+            <a:endParaRPr b="0" lang="en-US" sz="2400" spc="-1" strike="noStrike">
+              <a:latin typeface="Arial"/>
+            </a:endParaRPr>
+          </a:p>
+          <a:p>
+            <a:endParaRPr b="0" lang="en-US" sz="2400" spc="-1" strike="noStrike">
+              <a:latin typeface="Arial"/>
+            </a:endParaRPr>
+          </a:p>
+          <a:p>
+            <a:endParaRPr b="0" lang="en-US" sz="2400" spc="-1" strike="noStrike">
+              <a:latin typeface="Arial"/>
+            </a:endParaRPr>
+          </a:p>
+          <a:p>
+            <a:endParaRPr b="0" lang="en-US" sz="2400" spc="-1" strike="noStrike">
+              <a:latin typeface="Arial"/>
+            </a:endParaRPr>
+          </a:p>
+          <a:p>
+            <a:endParaRPr b="0" lang="en-US" sz="2400" spc="-1" strike="noStrike">
+              <a:latin typeface="Arial"/>
+            </a:endParaRPr>
+          </a:p>
+          <a:p>
+            <a:r>
+              <a:rPr b="1" lang="en-US" sz="2400" spc="-1" strike="noStrike">
+                <a:solidFill>
+                  <a:srgbClr val="000000"/>
+                </a:solidFill>
+                <a:latin typeface="Times New Roman"/>
+                <a:ea typeface="DejaVu Sans"/>
+              </a:rPr>
+              <a:t>	</a:t>
+            </a:r>
+            <a:r>
+              <a:rPr b="1" lang="en-US" sz="2400" spc="-1" strike="noStrike">
+                <a:solidFill>
+                  <a:srgbClr val="000000"/>
+                </a:solidFill>
+                <a:latin typeface="Times New Roman"/>
+                <a:ea typeface="DejaVu Sans"/>
+              </a:rPr>
+              <a:t>	</a:t>
+            </a:r>
+            <a:r>
+              <a:rPr b="1" lang="en-US" sz="2400" spc="-1" strike="noStrike">
+                <a:solidFill>
+                  <a:srgbClr val="000000"/>
+                </a:solidFill>
+                <a:latin typeface="Times New Roman"/>
+                <a:ea typeface="DejaVu Sans"/>
+              </a:rPr>
+              <a:t>	</a:t>
+            </a:r>
+            <a:r>
+              <a:rPr b="1" lang="en-US" sz="2400" spc="-1" strike="noStrike">
+                <a:solidFill>
+                  <a:srgbClr val="000000"/>
+                </a:solidFill>
+                <a:latin typeface="Times New Roman"/>
+                <a:ea typeface="DejaVu Sans"/>
+              </a:rPr>
+              <a:t>	</a:t>
+            </a:r>
+            <a:r>
+              <a:rPr b="1" lang="en-US" sz="2400" spc="-1" strike="noStrike">
+                <a:solidFill>
+                  <a:srgbClr val="000000"/>
+                </a:solidFill>
+                <a:latin typeface="Times New Roman"/>
+                <a:ea typeface="DejaVu Sans"/>
+              </a:rPr>
+              <a:t>	</a:t>
+            </a:r>
+            <a:r>
+              <a:rPr b="1" lang="en-US" sz="2400" spc="-1" strike="noStrike">
+                <a:solidFill>
+                  <a:srgbClr val="000000"/>
+                </a:solidFill>
+                <a:latin typeface="Times New Roman"/>
+                <a:ea typeface="DejaVu Sans"/>
+              </a:rPr>
+              <a:t>	</a:t>
+            </a:r>
+            <a:r>
+              <a:rPr b="1" lang="en-US" sz="2400" spc="-1" strike="noStrike">
+                <a:solidFill>
+                  <a:srgbClr val="000000"/>
+                </a:solidFill>
+                <a:latin typeface="Times New Roman"/>
+                <a:ea typeface="DejaVu Sans"/>
+              </a:rPr>
+              <a:t>Fig: Most common reasons for businessman.</a:t>
+            </a:r>
+            <a:endParaRPr b="0" lang="en-US" sz="2400" spc="-1" strike="noStrike">
+              <a:latin typeface="Arial"/>
+            </a:endParaRPr>
+          </a:p>
+          <a:p>
+            <a:endParaRPr b="0" lang="en-US" sz="2400" spc="-1" strike="noStrike">
+              <a:latin typeface="Arial"/>
+            </a:endParaRPr>
+          </a:p>
+          <a:p>
+            <a:endParaRPr b="0" lang="en-US" sz="2400" spc="-1" strike="noStrike">
+              <a:latin typeface="Arial"/>
+            </a:endParaRPr>
+          </a:p>
+        </p:txBody>
+      </p:sp>
+      <p:pic>
+        <p:nvPicPr>
+          <p:cNvPr id="189" name="" descr=""/>
+          <p:cNvPicPr/>
+          <p:nvPr/>
+        </p:nvPicPr>
+        <p:blipFill>
+          <a:blip r:embed="rId1"/>
+          <a:stretch/>
+        </p:blipFill>
+        <p:spPr>
+          <a:xfrm>
+            <a:off x="2940840" y="1554480"/>
+            <a:ext cx="6111720" cy="3954960"/>
+          </a:xfrm>
+          <a:prstGeom prst="rect">
+            <a:avLst/>
+          </a:prstGeom>
+          <a:ln>
+            <a:noFill/>
+          </a:ln>
+        </p:spPr>
+      </p:pic>
+    </p:spTree>
+  </p:cSld>
+  <p:timing>
+    <p:tnLst>
+      <p:par>
+        <p:cTn id="27" dur="indefinite" restart="never" nodeType="tmRoot">
+          <p:childTnLst>
+            <p:seq>
+              <p:cTn id="28" dur="indefinite" nodeType="mainSeq"/>
+              <p:prevCondLst>
+                <p:cond delay="0" evt="onPrev">
+                  <p:tgtEl>
+                    <p:sldTgt/>
+                  </p:tgtEl>
+                </p:cond>
+              </p:prevCondLst>
+              <p:nextCondLst>
+                <p:cond delay="0" evt="onNext">
+                  <p:tgtEl>
+                    <p:sldTgt/>
+                  </p:tgtEl>
+                </p:cond>
+              </p:nextCondLst>
+            </p:seq>
+          </p:childTnLst>
+        </p:cTn>
+      </p:par>
+    </p:tnLst>
+  </p:timing>
+</p:sld>
+</file>
+
+<file path=ppt/slides/slide15.xml><?xml version="1.0" encoding="utf-8"?>
+<p:sld xmlns:a="http://schemas.openxmlformats.org/drawingml/2006/main" xmlns:p="http://schemas.openxmlformats.org/presentationml/2006/main" xmlns:r="http://schemas.openxmlformats.org/officeDocument/2006/relationships" xmlns:p14="http://schemas.microsoft.com/office/powerpoint/2010/main" xmlns:p15="http://schemas.microsoft.com/office/powerpoint/2012/main" xmlns:mc="http://schemas.openxmlformats.org/markup-compatibility/2006">
+  <p:cSld>
+    <p:spTree>
+      <p:nvGrpSpPr>
+        <p:cNvPr id="1" name=""/>
+        <p:cNvGrpSpPr/>
+        <p:nvPr/>
+      </p:nvGrpSpPr>
+      <p:grpSpPr>
+        <a:xfrm>
+          <a:off x="0" y="0"/>
+          <a:ext cx="0" cy="0"/>
+          <a:chOff x="0" y="0"/>
+          <a:chExt cx="0" cy="0"/>
+        </a:xfrm>
+      </p:grpSpPr>
+      <p:sp>
+        <p:nvSpPr>
+          <p:cNvPr id="190" name="TextShape 1"/>
+          <p:cNvSpPr txBox="1"/>
+          <p:nvPr/>
+        </p:nvSpPr>
+        <p:spPr>
+          <a:xfrm>
+            <a:off x="3566160" y="365760"/>
+            <a:ext cx="4655160" cy="484200"/>
+          </a:xfrm>
+          <a:prstGeom prst="rect">
+            <a:avLst/>
+          </a:prstGeom>
+          <a:noFill/>
+          <a:ln>
+            <a:noFill/>
+          </a:ln>
+        </p:spPr>
+        <p:txBody>
+          <a:bodyPr lIns="90000" rIns="90000" tIns="45000" bIns="45000"/>
+          <a:p>
+            <a:r>
+              <a:rPr b="1" lang="en-US" sz="2800" spc="-1" strike="noStrike">
+                <a:solidFill>
+                  <a:srgbClr val="1f4e79"/>
+                </a:solidFill>
+                <a:latin typeface="Times New Roman"/>
+                <a:ea typeface="DejaVu Sans"/>
+              </a:rPr>
+              <a:t>Experimental Analysis </a:t>
+            </a:r>
+            <a:r>
+              <a:rPr b="1" lang="en-US" sz="2800" spc="-1" strike="noStrike">
+                <a:solidFill>
+                  <a:srgbClr val="1f4e79"/>
+                </a:solidFill>
+                <a:latin typeface="Times New Roman"/>
+                <a:ea typeface="DejaVu Sans"/>
+              </a:rPr>
+              <a:t>(Con.)</a:t>
+            </a:r>
+            <a:endParaRPr b="0" lang="en-US" sz="2800" spc="-1" strike="noStrike">
+              <a:latin typeface="Arial"/>
+            </a:endParaRPr>
+          </a:p>
+        </p:txBody>
+      </p:sp>
+      <p:sp>
+        <p:nvSpPr>
+          <p:cNvPr id="191" name="TextShape 2"/>
+          <p:cNvSpPr txBox="1"/>
+          <p:nvPr/>
+        </p:nvSpPr>
+        <p:spPr>
+          <a:xfrm>
+            <a:off x="365760" y="1005840"/>
+            <a:ext cx="11612880" cy="5669280"/>
+          </a:xfrm>
+          <a:prstGeom prst="rect">
+            <a:avLst/>
+          </a:prstGeom>
+          <a:noFill/>
+          <a:ln>
+            <a:noFill/>
+          </a:ln>
+        </p:spPr>
+        <p:txBody>
+          <a:bodyPr lIns="90000" rIns="90000" tIns="45000" bIns="45000"/>
+          <a:p>
+            <a:r>
+              <a:rPr b="1" lang="en-US" sz="2400" spc="-1" strike="noStrike">
+                <a:solidFill>
+                  <a:srgbClr val="000000"/>
+                </a:solidFill>
+                <a:latin typeface="Times New Roman"/>
+                <a:ea typeface="DejaVu Sans"/>
+              </a:rPr>
+              <a:t>Dataset analysis of </a:t>
+            </a:r>
+            <a:r>
+              <a:rPr b="1" lang="en-US" sz="2400" spc="-1" strike="noStrike">
+                <a:solidFill>
+                  <a:srgbClr val="000000"/>
+                </a:solidFill>
+                <a:latin typeface="Times New Roman"/>
+                <a:ea typeface="DejaVu Sans"/>
+              </a:rPr>
+              <a:t>Drivers:</a:t>
+            </a:r>
+            <a:endParaRPr b="0" lang="en-US" sz="2400" spc="-1" strike="noStrike">
+              <a:latin typeface="Arial"/>
+            </a:endParaRPr>
+          </a:p>
+          <a:p>
+            <a:endParaRPr b="0" lang="en-US" sz="2400" spc="-1" strike="noStrike">
+              <a:latin typeface="Arial"/>
+            </a:endParaRPr>
+          </a:p>
+          <a:p>
+            <a:endParaRPr b="0" lang="en-US" sz="2400" spc="-1" strike="noStrike">
+              <a:latin typeface="Arial"/>
+            </a:endParaRPr>
+          </a:p>
+          <a:p>
+            <a:endParaRPr b="0" lang="en-US" sz="2400" spc="-1" strike="noStrike">
+              <a:latin typeface="Arial"/>
+            </a:endParaRPr>
+          </a:p>
+          <a:p>
+            <a:endParaRPr b="0" lang="en-US" sz="2400" spc="-1" strike="noStrike">
+              <a:latin typeface="Arial"/>
+            </a:endParaRPr>
+          </a:p>
+          <a:p>
+            <a:endParaRPr b="0" lang="en-US" sz="2400" spc="-1" strike="noStrike">
+              <a:latin typeface="Arial"/>
+            </a:endParaRPr>
+          </a:p>
+          <a:p>
+            <a:endParaRPr b="0" lang="en-US" sz="2400" spc="-1" strike="noStrike">
+              <a:latin typeface="Arial"/>
+            </a:endParaRPr>
+          </a:p>
+          <a:p>
+            <a:endParaRPr b="0" lang="en-US" sz="2400" spc="-1" strike="noStrike">
+              <a:latin typeface="Arial"/>
+            </a:endParaRPr>
+          </a:p>
+          <a:p>
+            <a:endParaRPr b="0" lang="en-US" sz="2400" spc="-1" strike="noStrike">
+              <a:latin typeface="Arial"/>
+            </a:endParaRPr>
+          </a:p>
+          <a:p>
+            <a:endParaRPr b="0" lang="en-US" sz="2400" spc="-1" strike="noStrike">
+              <a:latin typeface="Arial"/>
+            </a:endParaRPr>
+          </a:p>
+          <a:p>
+            <a:endParaRPr b="0" lang="en-US" sz="2400" spc="-1" strike="noStrike">
+              <a:latin typeface="Arial"/>
+            </a:endParaRPr>
+          </a:p>
+          <a:p>
+            <a:endParaRPr b="0" lang="en-US" sz="2400" spc="-1" strike="noStrike">
+              <a:latin typeface="Arial"/>
+            </a:endParaRPr>
+          </a:p>
+          <a:p>
+            <a:endParaRPr b="0" lang="en-US" sz="2400" spc="-1" strike="noStrike">
+              <a:latin typeface="Arial"/>
+            </a:endParaRPr>
+          </a:p>
+          <a:p>
+            <a:r>
+              <a:rPr b="1" lang="en-US" sz="2400" spc="-1" strike="noStrike">
+                <a:solidFill>
+                  <a:srgbClr val="000000"/>
+                </a:solidFill>
+                <a:latin typeface="Times New Roman"/>
+                <a:ea typeface="DejaVu Sans"/>
+              </a:rPr>
+              <a:t>	</a:t>
+            </a:r>
+            <a:r>
+              <a:rPr b="1" lang="en-US" sz="2400" spc="-1" strike="noStrike">
+                <a:solidFill>
+                  <a:srgbClr val="000000"/>
+                </a:solidFill>
+                <a:latin typeface="Times New Roman"/>
+                <a:ea typeface="DejaVu Sans"/>
+              </a:rPr>
+              <a:t>	</a:t>
+            </a:r>
+            <a:r>
+              <a:rPr b="1" lang="en-US" sz="2400" spc="-1" strike="noStrike">
+                <a:solidFill>
+                  <a:srgbClr val="000000"/>
+                </a:solidFill>
+                <a:latin typeface="Times New Roman"/>
+                <a:ea typeface="DejaVu Sans"/>
+              </a:rPr>
+              <a:t>	</a:t>
+            </a:r>
+            <a:r>
+              <a:rPr b="1" lang="en-US" sz="2400" spc="-1" strike="noStrike">
+                <a:solidFill>
+                  <a:srgbClr val="000000"/>
+                </a:solidFill>
+                <a:latin typeface="Times New Roman"/>
+                <a:ea typeface="DejaVu Sans"/>
+              </a:rPr>
+              <a:t>	</a:t>
+            </a:r>
+            <a:r>
+              <a:rPr b="1" lang="en-US" sz="2400" spc="-1" strike="noStrike">
+                <a:solidFill>
+                  <a:srgbClr val="000000"/>
+                </a:solidFill>
+                <a:latin typeface="Times New Roman"/>
+                <a:ea typeface="DejaVu Sans"/>
+              </a:rPr>
+              <a:t>	</a:t>
+            </a:r>
+            <a:r>
+              <a:rPr b="1" lang="en-US" sz="2400" spc="-1" strike="noStrike">
+                <a:solidFill>
+                  <a:srgbClr val="000000"/>
+                </a:solidFill>
+                <a:latin typeface="Times New Roman"/>
+                <a:ea typeface="DejaVu Sans"/>
+              </a:rPr>
+              <a:t>	</a:t>
+            </a:r>
+            <a:r>
+              <a:rPr b="1" lang="en-US" sz="2400" spc="-1" strike="noStrike">
+                <a:solidFill>
+                  <a:srgbClr val="000000"/>
+                </a:solidFill>
+                <a:latin typeface="Times New Roman"/>
+                <a:ea typeface="DejaVu Sans"/>
+              </a:rPr>
+              <a:t>Fig: </a:t>
+            </a:r>
+            <a:r>
+              <a:rPr b="1" lang="en-US" sz="2400" spc="-1" strike="noStrike">
+                <a:solidFill>
+                  <a:srgbClr val="000000"/>
+                </a:solidFill>
+                <a:latin typeface="Times New Roman"/>
+                <a:ea typeface="DejaVu Sans"/>
+              </a:rPr>
+              <a:t>Addicted </a:t>
+            </a:r>
+            <a:r>
+              <a:rPr b="1" lang="en-US" sz="2400" spc="-1" strike="noStrike">
+                <a:solidFill>
+                  <a:srgbClr val="000000"/>
+                </a:solidFill>
+                <a:latin typeface="Times New Roman"/>
+                <a:ea typeface="DejaVu Sans"/>
+              </a:rPr>
+              <a:t>businessman </a:t>
+            </a:r>
+            <a:r>
+              <a:rPr b="1" lang="en-US" sz="2400" spc="-1" strike="noStrike">
+                <a:solidFill>
+                  <a:srgbClr val="000000"/>
+                </a:solidFill>
+                <a:latin typeface="Times New Roman"/>
+                <a:ea typeface="DejaVu Sans"/>
+              </a:rPr>
+              <a:t>according to age.</a:t>
+            </a:r>
+            <a:endParaRPr b="0" lang="en-US" sz="2400" spc="-1" strike="noStrike">
+              <a:latin typeface="Arial"/>
+            </a:endParaRPr>
+          </a:p>
+          <a:p>
+            <a:endParaRPr b="0" lang="en-US" sz="2400" spc="-1" strike="noStrike">
+              <a:latin typeface="Arial"/>
+            </a:endParaRPr>
+          </a:p>
+          <a:p>
+            <a:endParaRPr b="0" lang="en-US" sz="2400" spc="-1" strike="noStrike">
+              <a:latin typeface="Arial"/>
+            </a:endParaRPr>
+          </a:p>
+        </p:txBody>
+      </p:sp>
+      <p:pic>
+        <p:nvPicPr>
+          <p:cNvPr id="192" name="" descr=""/>
+          <p:cNvPicPr/>
+          <p:nvPr/>
+        </p:nvPicPr>
+        <p:blipFill>
+          <a:blip r:embed="rId1"/>
+          <a:stretch/>
+        </p:blipFill>
+        <p:spPr>
+          <a:xfrm>
+            <a:off x="3396960" y="1646640"/>
+            <a:ext cx="5385600" cy="3556440"/>
+          </a:xfrm>
+          <a:prstGeom prst="rect">
+            <a:avLst/>
+          </a:prstGeom>
+          <a:ln>
+            <a:noFill/>
+          </a:ln>
+        </p:spPr>
+      </p:pic>
+    </p:spTree>
+  </p:cSld>
+  <p:timing>
+    <p:tnLst>
+      <p:par>
+        <p:cTn id="29" dur="indefinite" restart="never" nodeType="tmRoot">
+          <p:childTnLst>
+            <p:seq>
+              <p:cTn id="30" dur="indefinite" nodeType="mainSeq"/>
+              <p:prevCondLst>
+                <p:cond delay="0" evt="onPrev">
+                  <p:tgtEl>
+                    <p:sldTgt/>
+                  </p:tgtEl>
+                </p:cond>
+              </p:prevCondLst>
+              <p:nextCondLst>
+                <p:cond delay="0" evt="onNext">
+                  <p:tgtEl>
+                    <p:sldTgt/>
+                  </p:tgtEl>
+                </p:cond>
+              </p:nextCondLst>
+            </p:seq>
+          </p:childTnLst>
+        </p:cTn>
+      </p:par>
+    </p:tnLst>
+  </p:timing>
+</p:sld>
+</file>
+
+<file path=ppt/slides/slide16.xml><?xml version="1.0" encoding="utf-8"?>
+<p:sld xmlns:a="http://schemas.openxmlformats.org/drawingml/2006/main" xmlns:p="http://schemas.openxmlformats.org/presentationml/2006/main" xmlns:r="http://schemas.openxmlformats.org/officeDocument/2006/relationships" xmlns:p14="http://schemas.microsoft.com/office/powerpoint/2010/main" xmlns:p15="http://schemas.microsoft.com/office/powerpoint/2012/main" xmlns:mc="http://schemas.openxmlformats.org/markup-compatibility/2006">
+  <p:cSld>
+    <p:spTree>
+      <p:nvGrpSpPr>
+        <p:cNvPr id="1" name=""/>
+        <p:cNvGrpSpPr/>
+        <p:nvPr/>
+      </p:nvGrpSpPr>
+      <p:grpSpPr>
+        <a:xfrm>
+          <a:off x="0" y="0"/>
+          <a:ext cx="0" cy="0"/>
+          <a:chOff x="0" y="0"/>
+          <a:chExt cx="0" cy="0"/>
+        </a:xfrm>
+      </p:grpSpPr>
+      <p:sp>
+        <p:nvSpPr>
+          <p:cNvPr id="193" name="TextShape 1"/>
+          <p:cNvSpPr txBox="1"/>
+          <p:nvPr/>
+        </p:nvSpPr>
+        <p:spPr>
+          <a:xfrm>
+            <a:off x="3566160" y="365760"/>
+            <a:ext cx="4655160" cy="484200"/>
+          </a:xfrm>
+          <a:prstGeom prst="rect">
+            <a:avLst/>
+          </a:prstGeom>
+          <a:noFill/>
+          <a:ln>
+            <a:noFill/>
+          </a:ln>
+        </p:spPr>
+        <p:txBody>
+          <a:bodyPr lIns="90000" rIns="90000" tIns="45000" bIns="45000"/>
+          <a:p>
+            <a:r>
+              <a:rPr b="1" lang="en-US" sz="2800" spc="-1" strike="noStrike">
+                <a:solidFill>
+                  <a:srgbClr val="1f4e79"/>
+                </a:solidFill>
+                <a:latin typeface="Times New Roman"/>
+                <a:ea typeface="DejaVu Sans"/>
+              </a:rPr>
+              <a:t>Experimental Analysis (Con.)</a:t>
+            </a:r>
+            <a:endParaRPr b="0" lang="en-US" sz="2800" spc="-1" strike="noStrike">
+              <a:latin typeface="Arial"/>
+            </a:endParaRPr>
+          </a:p>
+        </p:txBody>
+      </p:sp>
+      <p:sp>
+        <p:nvSpPr>
+          <p:cNvPr id="194" name="TextShape 2"/>
+          <p:cNvSpPr txBox="1"/>
+          <p:nvPr/>
+        </p:nvSpPr>
+        <p:spPr>
+          <a:xfrm>
+            <a:off x="365760" y="1005840"/>
+            <a:ext cx="11612880" cy="5669280"/>
+          </a:xfrm>
+          <a:prstGeom prst="rect">
+            <a:avLst/>
+          </a:prstGeom>
+          <a:noFill/>
+          <a:ln>
+            <a:noFill/>
+          </a:ln>
+        </p:spPr>
+        <p:txBody>
+          <a:bodyPr lIns="90000" rIns="90000" tIns="45000" bIns="45000"/>
+          <a:p>
+            <a:r>
+              <a:rPr b="1" lang="en-US" sz="2400" spc="-1" strike="noStrike">
+                <a:solidFill>
+                  <a:srgbClr val="000000"/>
+                </a:solidFill>
+                <a:latin typeface="Times New Roman"/>
+                <a:ea typeface="DejaVu Sans"/>
+              </a:rPr>
+              <a:t>Dataset analysis of Drivers:</a:t>
+            </a:r>
+            <a:endParaRPr b="0" lang="en-US" sz="2400" spc="-1" strike="noStrike">
+              <a:latin typeface="Arial"/>
+            </a:endParaRPr>
+          </a:p>
+          <a:p>
+            <a:endParaRPr b="0" lang="en-US" sz="2400" spc="-1" strike="noStrike">
+              <a:latin typeface="Arial"/>
+            </a:endParaRPr>
+          </a:p>
+          <a:p>
+            <a:endParaRPr b="0" lang="en-US" sz="2400" spc="-1" strike="noStrike">
+              <a:latin typeface="Arial"/>
+            </a:endParaRPr>
+          </a:p>
+          <a:p>
+            <a:endParaRPr b="0" lang="en-US" sz="2400" spc="-1" strike="noStrike">
+              <a:latin typeface="Arial"/>
+            </a:endParaRPr>
+          </a:p>
+          <a:p>
+            <a:endParaRPr b="0" lang="en-US" sz="2400" spc="-1" strike="noStrike">
+              <a:latin typeface="Arial"/>
+            </a:endParaRPr>
+          </a:p>
+          <a:p>
+            <a:endParaRPr b="0" lang="en-US" sz="2400" spc="-1" strike="noStrike">
+              <a:latin typeface="Arial"/>
+            </a:endParaRPr>
+          </a:p>
+          <a:p>
+            <a:endParaRPr b="0" lang="en-US" sz="2400" spc="-1" strike="noStrike">
+              <a:latin typeface="Arial"/>
+            </a:endParaRPr>
+          </a:p>
+          <a:p>
+            <a:endParaRPr b="0" lang="en-US" sz="2400" spc="-1" strike="noStrike">
+              <a:latin typeface="Arial"/>
+            </a:endParaRPr>
+          </a:p>
+          <a:p>
+            <a:endParaRPr b="0" lang="en-US" sz="2400" spc="-1" strike="noStrike">
+              <a:latin typeface="Arial"/>
+            </a:endParaRPr>
+          </a:p>
+          <a:p>
+            <a:endParaRPr b="0" lang="en-US" sz="2400" spc="-1" strike="noStrike">
+              <a:latin typeface="Arial"/>
+            </a:endParaRPr>
+          </a:p>
+          <a:p>
+            <a:endParaRPr b="0" lang="en-US" sz="2400" spc="-1" strike="noStrike">
+              <a:latin typeface="Arial"/>
+            </a:endParaRPr>
+          </a:p>
+          <a:p>
+            <a:endParaRPr b="0" lang="en-US" sz="2400" spc="-1" strike="noStrike">
+              <a:latin typeface="Arial"/>
+            </a:endParaRPr>
+          </a:p>
+          <a:p>
+            <a:endParaRPr b="0" lang="en-US" sz="2400" spc="-1" strike="noStrike">
+              <a:latin typeface="Arial"/>
+            </a:endParaRPr>
+          </a:p>
+          <a:p>
+            <a:r>
+              <a:rPr b="1" lang="en-US" sz="2400" spc="-1" strike="noStrike">
+                <a:solidFill>
+                  <a:srgbClr val="000000"/>
+                </a:solidFill>
+                <a:latin typeface="Times New Roman"/>
+                <a:ea typeface="DejaVu Sans"/>
+              </a:rPr>
+              <a:t>	</a:t>
+            </a:r>
+            <a:r>
+              <a:rPr b="1" lang="en-US" sz="2400" spc="-1" strike="noStrike">
+                <a:solidFill>
+                  <a:srgbClr val="000000"/>
+                </a:solidFill>
+                <a:latin typeface="Times New Roman"/>
+                <a:ea typeface="DejaVu Sans"/>
+              </a:rPr>
+              <a:t>	</a:t>
+            </a:r>
+            <a:r>
+              <a:rPr b="1" lang="en-US" sz="2400" spc="-1" strike="noStrike">
+                <a:solidFill>
+                  <a:srgbClr val="000000"/>
+                </a:solidFill>
+                <a:latin typeface="Times New Roman"/>
+                <a:ea typeface="DejaVu Sans"/>
+              </a:rPr>
+              <a:t>	</a:t>
+            </a:r>
+            <a:r>
+              <a:rPr b="1" lang="en-US" sz="2400" spc="-1" strike="noStrike">
+                <a:solidFill>
+                  <a:srgbClr val="000000"/>
+                </a:solidFill>
+                <a:latin typeface="Times New Roman"/>
+                <a:ea typeface="DejaVu Sans"/>
+              </a:rPr>
+              <a:t>	</a:t>
+            </a:r>
+            <a:r>
+              <a:rPr b="1" lang="en-US" sz="2400" spc="-1" strike="noStrike">
+                <a:solidFill>
+                  <a:srgbClr val="000000"/>
+                </a:solidFill>
+                <a:latin typeface="Times New Roman"/>
+                <a:ea typeface="DejaVu Sans"/>
+              </a:rPr>
+              <a:t>	</a:t>
+            </a:r>
+            <a:r>
+              <a:rPr b="1" lang="en-US" sz="2400" spc="-1" strike="noStrike">
+                <a:solidFill>
+                  <a:srgbClr val="000000"/>
+                </a:solidFill>
+                <a:latin typeface="Times New Roman"/>
+                <a:ea typeface="DejaVu Sans"/>
+              </a:rPr>
+              <a:t>	</a:t>
+            </a:r>
+            <a:r>
+              <a:rPr b="1" lang="en-US" sz="2400" spc="-1" strike="noStrike">
+                <a:solidFill>
+                  <a:srgbClr val="000000"/>
+                </a:solidFill>
+                <a:latin typeface="Times New Roman"/>
+                <a:ea typeface="DejaVu Sans"/>
+              </a:rPr>
+              <a:t>Fig: Most common reasons for Drivers</a:t>
+            </a:r>
+            <a:r>
+              <a:rPr b="1" lang="en-US" sz="2400" spc="-1" strike="noStrike">
+                <a:solidFill>
+                  <a:srgbClr val="000000"/>
+                </a:solidFill>
+                <a:latin typeface="Times New Roman"/>
+                <a:ea typeface="DejaVu Sans"/>
+              </a:rPr>
+              <a:t>.</a:t>
+            </a:r>
+            <a:endParaRPr b="0" lang="en-US" sz="2400" spc="-1" strike="noStrike">
+              <a:latin typeface="Arial"/>
+            </a:endParaRPr>
+          </a:p>
+          <a:p>
+            <a:endParaRPr b="0" lang="en-US" sz="2400" spc="-1" strike="noStrike">
+              <a:latin typeface="Arial"/>
+            </a:endParaRPr>
+          </a:p>
+          <a:p>
+            <a:endParaRPr b="0" lang="en-US" sz="2400" spc="-1" strike="noStrike">
+              <a:latin typeface="Arial"/>
+            </a:endParaRPr>
+          </a:p>
+        </p:txBody>
+      </p:sp>
+      <p:pic>
+        <p:nvPicPr>
+          <p:cNvPr id="195" name="" descr=""/>
+          <p:cNvPicPr/>
+          <p:nvPr/>
+        </p:nvPicPr>
+        <p:blipFill>
+          <a:blip r:embed="rId1"/>
+          <a:stretch/>
+        </p:blipFill>
+        <p:spPr>
+          <a:xfrm>
+            <a:off x="3017520" y="1622880"/>
+            <a:ext cx="6111720" cy="3589200"/>
+          </a:xfrm>
+          <a:prstGeom prst="rect">
+            <a:avLst/>
+          </a:prstGeom>
+          <a:ln>
+            <a:noFill/>
+          </a:ln>
+        </p:spPr>
+      </p:pic>
+    </p:spTree>
+  </p:cSld>
+  <p:timing>
+    <p:tnLst>
+      <p:par>
+        <p:cTn id="31" dur="indefinite" restart="never" nodeType="tmRoot">
+          <p:childTnLst>
+            <p:seq>
+              <p:cTn id="32" dur="indefinite" nodeType="mainSeq"/>
+              <p:prevCondLst>
+                <p:cond delay="0" evt="onPrev">
+                  <p:tgtEl>
+                    <p:sldTgt/>
+                  </p:tgtEl>
+                </p:cond>
+              </p:prevCondLst>
+              <p:nextCondLst>
+                <p:cond delay="0" evt="onNext">
+                  <p:tgtEl>
+                    <p:sldTgt/>
+                  </p:tgtEl>
+                </p:cond>
+              </p:nextCondLst>
+            </p:seq>
+          </p:childTnLst>
+        </p:cTn>
+      </p:par>
+    </p:tnLst>
+  </p:timing>
+</p:sld>
+</file>
+
+<file path=ppt/slides/slide17.xml><?xml version="1.0" encoding="utf-8"?>
+<p:sld xmlns:a="http://schemas.openxmlformats.org/drawingml/2006/main" xmlns:p="http://schemas.openxmlformats.org/presentationml/2006/main" xmlns:r="http://schemas.openxmlformats.org/officeDocument/2006/relationships" xmlns:p14="http://schemas.microsoft.com/office/powerpoint/2010/main" xmlns:p15="http://schemas.microsoft.com/office/powerpoint/2012/main" xmlns:mc="http://schemas.openxmlformats.org/markup-compatibility/2006">
+  <p:cSld>
+    <p:spTree>
+      <p:nvGrpSpPr>
+        <p:cNvPr id="1" name=""/>
+        <p:cNvGrpSpPr/>
+        <p:nvPr/>
+      </p:nvGrpSpPr>
+      <p:grpSpPr>
+        <a:xfrm>
+          <a:off x="0" y="0"/>
+          <a:ext cx="0" cy="0"/>
+          <a:chOff x="0" y="0"/>
+          <a:chExt cx="0" cy="0"/>
+        </a:xfrm>
+      </p:grpSpPr>
+      <p:sp>
+        <p:nvSpPr>
+          <p:cNvPr id="196" name="TextShape 1"/>
+          <p:cNvSpPr txBox="1"/>
+          <p:nvPr/>
+        </p:nvSpPr>
+        <p:spPr>
+          <a:xfrm>
+            <a:off x="3566160" y="365760"/>
+            <a:ext cx="4655160" cy="484200"/>
+          </a:xfrm>
+          <a:prstGeom prst="rect">
+            <a:avLst/>
+          </a:prstGeom>
+          <a:noFill/>
+          <a:ln>
+            <a:noFill/>
+          </a:ln>
+        </p:spPr>
+        <p:txBody>
+          <a:bodyPr lIns="90000" rIns="90000" tIns="45000" bIns="45000"/>
+          <a:p>
+            <a:r>
+              <a:rPr b="1" lang="en-US" sz="2800" spc="-1" strike="noStrike">
+                <a:solidFill>
+                  <a:srgbClr val="1f4e79"/>
+                </a:solidFill>
+                <a:latin typeface="Times New Roman"/>
+                <a:ea typeface="DejaVu Sans"/>
+              </a:rPr>
+              <a:t>Experimental Analysis (Con.)</a:t>
+            </a:r>
+            <a:endParaRPr b="0" lang="en-US" sz="2800" spc="-1" strike="noStrike">
+              <a:latin typeface="Arial"/>
+            </a:endParaRPr>
+          </a:p>
+        </p:txBody>
+      </p:sp>
+      <p:sp>
+        <p:nvSpPr>
+          <p:cNvPr id="197" name="TextShape 2"/>
+          <p:cNvSpPr txBox="1"/>
+          <p:nvPr/>
+        </p:nvSpPr>
+        <p:spPr>
+          <a:xfrm>
+            <a:off x="365760" y="1005840"/>
+            <a:ext cx="11612880" cy="5669280"/>
+          </a:xfrm>
+          <a:prstGeom prst="rect">
+            <a:avLst/>
+          </a:prstGeom>
+          <a:noFill/>
+          <a:ln>
+            <a:noFill/>
+          </a:ln>
+        </p:spPr>
+        <p:txBody>
+          <a:bodyPr lIns="90000" rIns="90000" tIns="45000" bIns="45000"/>
+          <a:p>
+            <a:r>
+              <a:rPr b="1" lang="en-US" sz="2400" spc="-1" strike="noStrike">
+                <a:solidFill>
+                  <a:srgbClr val="000000"/>
+                </a:solidFill>
+                <a:latin typeface="Times New Roman"/>
+                <a:ea typeface="DejaVu Sans"/>
+              </a:rPr>
+              <a:t>Dataset analysis of Drivers:</a:t>
+            </a:r>
+            <a:endParaRPr b="0" lang="en-US" sz="2400" spc="-1" strike="noStrike">
+              <a:latin typeface="Arial"/>
+            </a:endParaRPr>
+          </a:p>
+          <a:p>
+            <a:endParaRPr b="0" lang="en-US" sz="2400" spc="-1" strike="noStrike">
+              <a:latin typeface="Arial"/>
+            </a:endParaRPr>
+          </a:p>
+          <a:p>
+            <a:endParaRPr b="0" lang="en-US" sz="2400" spc="-1" strike="noStrike">
+              <a:latin typeface="Arial"/>
+            </a:endParaRPr>
+          </a:p>
+          <a:p>
+            <a:endParaRPr b="0" lang="en-US" sz="2400" spc="-1" strike="noStrike">
+              <a:latin typeface="Arial"/>
+            </a:endParaRPr>
+          </a:p>
+          <a:p>
+            <a:endParaRPr b="0" lang="en-US" sz="2400" spc="-1" strike="noStrike">
+              <a:latin typeface="Arial"/>
+            </a:endParaRPr>
+          </a:p>
+          <a:p>
+            <a:endParaRPr b="0" lang="en-US" sz="2400" spc="-1" strike="noStrike">
+              <a:latin typeface="Arial"/>
+            </a:endParaRPr>
+          </a:p>
+          <a:p>
+            <a:endParaRPr b="0" lang="en-US" sz="2400" spc="-1" strike="noStrike">
+              <a:latin typeface="Arial"/>
+            </a:endParaRPr>
+          </a:p>
+          <a:p>
+            <a:endParaRPr b="0" lang="en-US" sz="2400" spc="-1" strike="noStrike">
+              <a:latin typeface="Arial"/>
+            </a:endParaRPr>
+          </a:p>
+          <a:p>
+            <a:endParaRPr b="0" lang="en-US" sz="2400" spc="-1" strike="noStrike">
+              <a:latin typeface="Arial"/>
+            </a:endParaRPr>
+          </a:p>
+          <a:p>
+            <a:endParaRPr b="0" lang="en-US" sz="2400" spc="-1" strike="noStrike">
+              <a:latin typeface="Arial"/>
+            </a:endParaRPr>
+          </a:p>
+          <a:p>
+            <a:endParaRPr b="0" lang="en-US" sz="2400" spc="-1" strike="noStrike">
+              <a:latin typeface="Arial"/>
+            </a:endParaRPr>
+          </a:p>
+          <a:p>
+            <a:endParaRPr b="0" lang="en-US" sz="2400" spc="-1" strike="noStrike">
+              <a:latin typeface="Arial"/>
+            </a:endParaRPr>
+          </a:p>
+          <a:p>
+            <a:endParaRPr b="0" lang="en-US" sz="2400" spc="-1" strike="noStrike">
+              <a:latin typeface="Arial"/>
+            </a:endParaRPr>
+          </a:p>
+          <a:p>
+            <a:r>
+              <a:rPr b="1" lang="en-US" sz="2400" spc="-1" strike="noStrike">
+                <a:solidFill>
+                  <a:srgbClr val="000000"/>
+                </a:solidFill>
+                <a:latin typeface="Times New Roman"/>
+                <a:ea typeface="DejaVu Sans"/>
+              </a:rPr>
+              <a:t>	</a:t>
+            </a:r>
+            <a:r>
+              <a:rPr b="1" lang="en-US" sz="2400" spc="-1" strike="noStrike">
+                <a:solidFill>
+                  <a:srgbClr val="000000"/>
+                </a:solidFill>
+                <a:latin typeface="Times New Roman"/>
+                <a:ea typeface="DejaVu Sans"/>
+              </a:rPr>
+              <a:t>	</a:t>
+            </a:r>
+            <a:r>
+              <a:rPr b="1" lang="en-US" sz="2400" spc="-1" strike="noStrike">
+                <a:solidFill>
+                  <a:srgbClr val="000000"/>
+                </a:solidFill>
+                <a:latin typeface="Times New Roman"/>
+                <a:ea typeface="DejaVu Sans"/>
+              </a:rPr>
+              <a:t>	</a:t>
+            </a:r>
+            <a:r>
+              <a:rPr b="1" lang="en-US" sz="2400" spc="-1" strike="noStrike">
+                <a:solidFill>
+                  <a:srgbClr val="000000"/>
+                </a:solidFill>
+                <a:latin typeface="Times New Roman"/>
+                <a:ea typeface="DejaVu Sans"/>
+              </a:rPr>
+              <a:t>	</a:t>
+            </a:r>
+            <a:r>
+              <a:rPr b="1" lang="en-US" sz="2400" spc="-1" strike="noStrike">
+                <a:solidFill>
+                  <a:srgbClr val="000000"/>
+                </a:solidFill>
+                <a:latin typeface="Times New Roman"/>
+                <a:ea typeface="DejaVu Sans"/>
+              </a:rPr>
+              <a:t>	</a:t>
+            </a:r>
+            <a:r>
+              <a:rPr b="1" lang="en-US" sz="2400" spc="-1" strike="noStrike">
+                <a:solidFill>
+                  <a:srgbClr val="000000"/>
+                </a:solidFill>
+                <a:latin typeface="Times New Roman"/>
+                <a:ea typeface="DejaVu Sans"/>
+              </a:rPr>
+              <a:t>	</a:t>
+            </a:r>
+            <a:r>
+              <a:rPr b="1" lang="en-US" sz="2400" spc="-1" strike="noStrike">
+                <a:solidFill>
+                  <a:srgbClr val="000000"/>
+                </a:solidFill>
+                <a:latin typeface="Times New Roman"/>
+                <a:ea typeface="DejaVu Sans"/>
+              </a:rPr>
+              <a:t>Fig: Addicted job holder according to age.</a:t>
+            </a:r>
+            <a:endParaRPr b="0" lang="en-US" sz="2400" spc="-1" strike="noStrike">
+              <a:latin typeface="Arial"/>
+            </a:endParaRPr>
+          </a:p>
+          <a:p>
+            <a:endParaRPr b="0" lang="en-US" sz="2400" spc="-1" strike="noStrike">
+              <a:latin typeface="Arial"/>
+            </a:endParaRPr>
+          </a:p>
+          <a:p>
+            <a:endParaRPr b="0" lang="en-US" sz="2400" spc="-1" strike="noStrike">
+              <a:latin typeface="Arial"/>
+            </a:endParaRPr>
+          </a:p>
+        </p:txBody>
+      </p:sp>
+      <p:pic>
+        <p:nvPicPr>
+          <p:cNvPr id="198" name="" descr=""/>
+          <p:cNvPicPr/>
+          <p:nvPr/>
+        </p:nvPicPr>
+        <p:blipFill>
+          <a:blip r:embed="rId1"/>
+          <a:stretch/>
+        </p:blipFill>
+        <p:spPr>
+          <a:xfrm>
+            <a:off x="3396960" y="1646640"/>
+            <a:ext cx="5385600" cy="3556440"/>
+          </a:xfrm>
+          <a:prstGeom prst="rect">
+            <a:avLst/>
+          </a:prstGeom>
+          <a:ln>
+            <a:noFill/>
+          </a:ln>
+        </p:spPr>
+      </p:pic>
+    </p:spTree>
+  </p:cSld>
+  <p:timing>
+    <p:tnLst>
+      <p:par>
+        <p:cTn id="33" dur="indefinite" restart="never" nodeType="tmRoot">
+          <p:childTnLst>
+            <p:seq>
+              <p:cTn id="34" dur="indefinite" nodeType="mainSeq"/>
+              <p:prevCondLst>
+                <p:cond delay="0" evt="onPrev">
+                  <p:tgtEl>
+                    <p:sldTgt/>
+                  </p:tgtEl>
+                </p:cond>
+              </p:prevCondLst>
+              <p:nextCondLst>
+                <p:cond delay="0" evt="onNext">
+                  <p:tgtEl>
+                    <p:sldTgt/>
+                  </p:tgtEl>
+                </p:cond>
+              </p:nextCondLst>
+            </p:seq>
+          </p:childTnLst>
+        </p:cTn>
+      </p:par>
+    </p:tnLst>
+  </p:timing>
+</p:sld>
+</file>
+
+<file path=ppt/slides/slide18.xml><?xml version="1.0" encoding="utf-8"?>
+<p:sld xmlns:a="http://schemas.openxmlformats.org/drawingml/2006/main" xmlns:p="http://schemas.openxmlformats.org/presentationml/2006/main" xmlns:r="http://schemas.openxmlformats.org/officeDocument/2006/relationships" xmlns:p14="http://schemas.microsoft.com/office/powerpoint/2010/main" xmlns:p15="http://schemas.microsoft.com/office/powerpoint/2012/main" xmlns:mc="http://schemas.openxmlformats.org/markup-compatibility/2006">
+  <p:cSld>
+    <p:spTree>
+      <p:nvGrpSpPr>
+        <p:cNvPr id="1" name=""/>
+        <p:cNvGrpSpPr/>
+        <p:nvPr/>
+      </p:nvGrpSpPr>
+      <p:grpSpPr>
+        <a:xfrm>
+          <a:off x="0" y="0"/>
+          <a:ext cx="0" cy="0"/>
+          <a:chOff x="0" y="0"/>
+          <a:chExt cx="0" cy="0"/>
+        </a:xfrm>
+      </p:grpSpPr>
+      <p:sp>
+        <p:nvSpPr>
+          <p:cNvPr id="199" name="TextShape 1"/>
+          <p:cNvSpPr txBox="1"/>
+          <p:nvPr/>
+        </p:nvSpPr>
+        <p:spPr>
+          <a:xfrm>
+            <a:off x="3566160" y="365760"/>
+            <a:ext cx="4655160" cy="484200"/>
+          </a:xfrm>
+          <a:prstGeom prst="rect">
+            <a:avLst/>
+          </a:prstGeom>
+          <a:noFill/>
+          <a:ln>
+            <a:noFill/>
+          </a:ln>
+        </p:spPr>
+        <p:txBody>
+          <a:bodyPr lIns="90000" rIns="90000" tIns="45000" bIns="45000"/>
+          <a:p>
+            <a:r>
+              <a:rPr b="1" lang="en-US" sz="2800" spc="-1" strike="noStrike">
+                <a:solidFill>
+                  <a:srgbClr val="1f4e79"/>
+                </a:solidFill>
+                <a:latin typeface="Times New Roman"/>
+                <a:ea typeface="DejaVu Sans"/>
+              </a:rPr>
+              <a:t>Experimental Analysis (Con.)</a:t>
+            </a:r>
+            <a:endParaRPr b="0" lang="en-US" sz="2800" spc="-1" strike="noStrike">
+              <a:latin typeface="Arial"/>
+            </a:endParaRPr>
+          </a:p>
+        </p:txBody>
+      </p:sp>
+      <p:sp>
+        <p:nvSpPr>
+          <p:cNvPr id="200" name="TextShape 2"/>
+          <p:cNvSpPr txBox="1"/>
+          <p:nvPr/>
+        </p:nvSpPr>
+        <p:spPr>
+          <a:xfrm>
+            <a:off x="365760" y="1005840"/>
+            <a:ext cx="11612880" cy="5669280"/>
+          </a:xfrm>
+          <a:prstGeom prst="rect">
+            <a:avLst/>
+          </a:prstGeom>
+          <a:noFill/>
+          <a:ln>
+            <a:noFill/>
+          </a:ln>
+        </p:spPr>
+        <p:txBody>
+          <a:bodyPr lIns="90000" rIns="90000" tIns="45000" bIns="45000"/>
+          <a:p>
+            <a:r>
+              <a:rPr b="1" lang="en-US" sz="2400" spc="-1" strike="noStrike">
+                <a:solidFill>
+                  <a:srgbClr val="000000"/>
+                </a:solidFill>
+                <a:latin typeface="Times New Roman"/>
+                <a:ea typeface="DejaVu Sans"/>
+              </a:rPr>
+              <a:t>Dataset analysis of Drivers:</a:t>
+            </a:r>
+            <a:endParaRPr b="0" lang="en-US" sz="2400" spc="-1" strike="noStrike">
+              <a:latin typeface="Arial"/>
+            </a:endParaRPr>
+          </a:p>
+          <a:p>
+            <a:endParaRPr b="0" lang="en-US" sz="2400" spc="-1" strike="noStrike">
+              <a:latin typeface="Arial"/>
+            </a:endParaRPr>
+          </a:p>
+          <a:p>
+            <a:endParaRPr b="0" lang="en-US" sz="2400" spc="-1" strike="noStrike">
+              <a:latin typeface="Arial"/>
+            </a:endParaRPr>
+          </a:p>
+          <a:p>
+            <a:endParaRPr b="0" lang="en-US" sz="2400" spc="-1" strike="noStrike">
+              <a:latin typeface="Arial"/>
+            </a:endParaRPr>
+          </a:p>
+          <a:p>
+            <a:endParaRPr b="0" lang="en-US" sz="2400" spc="-1" strike="noStrike">
+              <a:latin typeface="Arial"/>
+            </a:endParaRPr>
+          </a:p>
+          <a:p>
+            <a:endParaRPr b="0" lang="en-US" sz="2400" spc="-1" strike="noStrike">
+              <a:latin typeface="Arial"/>
+            </a:endParaRPr>
+          </a:p>
+          <a:p>
+            <a:endParaRPr b="0" lang="en-US" sz="2400" spc="-1" strike="noStrike">
+              <a:latin typeface="Arial"/>
+            </a:endParaRPr>
+          </a:p>
+          <a:p>
+            <a:endParaRPr b="0" lang="en-US" sz="2400" spc="-1" strike="noStrike">
+              <a:latin typeface="Arial"/>
+            </a:endParaRPr>
+          </a:p>
+          <a:p>
+            <a:endParaRPr b="0" lang="en-US" sz="2400" spc="-1" strike="noStrike">
+              <a:latin typeface="Arial"/>
+            </a:endParaRPr>
+          </a:p>
+          <a:p>
+            <a:endParaRPr b="0" lang="en-US" sz="2400" spc="-1" strike="noStrike">
+              <a:latin typeface="Arial"/>
+            </a:endParaRPr>
+          </a:p>
+          <a:p>
+            <a:endParaRPr b="0" lang="en-US" sz="2400" spc="-1" strike="noStrike">
+              <a:latin typeface="Arial"/>
+            </a:endParaRPr>
+          </a:p>
+          <a:p>
+            <a:endParaRPr b="0" lang="en-US" sz="2400" spc="-1" strike="noStrike">
+              <a:latin typeface="Arial"/>
+            </a:endParaRPr>
+          </a:p>
+          <a:p>
+            <a:endParaRPr b="0" lang="en-US" sz="2400" spc="-1" strike="noStrike">
+              <a:latin typeface="Arial"/>
+            </a:endParaRPr>
+          </a:p>
+          <a:p>
+            <a:r>
+              <a:rPr b="1" lang="en-US" sz="2400" spc="-1" strike="noStrike">
+                <a:solidFill>
+                  <a:srgbClr val="000000"/>
+                </a:solidFill>
+                <a:latin typeface="Times New Roman"/>
+                <a:ea typeface="DejaVu Sans"/>
+              </a:rPr>
+              <a:t>	</a:t>
+            </a:r>
+            <a:r>
+              <a:rPr b="1" lang="en-US" sz="2400" spc="-1" strike="noStrike">
+                <a:solidFill>
+                  <a:srgbClr val="000000"/>
+                </a:solidFill>
+                <a:latin typeface="Times New Roman"/>
+                <a:ea typeface="DejaVu Sans"/>
+              </a:rPr>
+              <a:t>	</a:t>
+            </a:r>
+            <a:r>
+              <a:rPr b="1" lang="en-US" sz="2400" spc="-1" strike="noStrike">
+                <a:solidFill>
+                  <a:srgbClr val="000000"/>
+                </a:solidFill>
+                <a:latin typeface="Times New Roman"/>
+                <a:ea typeface="DejaVu Sans"/>
+              </a:rPr>
+              <a:t>	</a:t>
+            </a:r>
+            <a:r>
+              <a:rPr b="1" lang="en-US" sz="2400" spc="-1" strike="noStrike">
+                <a:solidFill>
+                  <a:srgbClr val="000000"/>
+                </a:solidFill>
+                <a:latin typeface="Times New Roman"/>
+                <a:ea typeface="DejaVu Sans"/>
+              </a:rPr>
+              <a:t>	</a:t>
+            </a:r>
+            <a:r>
+              <a:rPr b="1" lang="en-US" sz="2400" spc="-1" strike="noStrike">
+                <a:solidFill>
+                  <a:srgbClr val="000000"/>
+                </a:solidFill>
+                <a:latin typeface="Times New Roman"/>
+                <a:ea typeface="DejaVu Sans"/>
+              </a:rPr>
+              <a:t>	</a:t>
+            </a:r>
+            <a:r>
+              <a:rPr b="1" lang="en-US" sz="2400" spc="-1" strike="noStrike">
+                <a:solidFill>
+                  <a:srgbClr val="000000"/>
+                </a:solidFill>
+                <a:latin typeface="Times New Roman"/>
+                <a:ea typeface="DejaVu Sans"/>
+              </a:rPr>
+              <a:t>	</a:t>
+            </a:r>
+            <a:r>
+              <a:rPr b="1" lang="en-US" sz="2400" spc="-1" strike="noStrike">
+                <a:solidFill>
+                  <a:srgbClr val="000000"/>
+                </a:solidFill>
+                <a:latin typeface="Times New Roman"/>
+                <a:ea typeface="DejaVu Sans"/>
+              </a:rPr>
+              <a:t>Fig: Most common reasons for job holder.</a:t>
+            </a:r>
+            <a:endParaRPr b="0" lang="en-US" sz="2400" spc="-1" strike="noStrike">
+              <a:latin typeface="Arial"/>
+            </a:endParaRPr>
+          </a:p>
+          <a:p>
+            <a:endParaRPr b="0" lang="en-US" sz="2400" spc="-1" strike="noStrike">
+              <a:latin typeface="Arial"/>
+            </a:endParaRPr>
+          </a:p>
+          <a:p>
+            <a:endParaRPr b="0" lang="en-US" sz="2400" spc="-1" strike="noStrike">
+              <a:latin typeface="Arial"/>
+            </a:endParaRPr>
+          </a:p>
+        </p:txBody>
+      </p:sp>
+      <p:pic>
+        <p:nvPicPr>
+          <p:cNvPr id="201" name="" descr=""/>
+          <p:cNvPicPr/>
+          <p:nvPr/>
+        </p:nvPicPr>
+        <p:blipFill>
+          <a:blip r:embed="rId1"/>
+          <a:stretch/>
+        </p:blipFill>
+        <p:spPr>
+          <a:xfrm>
+            <a:off x="2647440" y="1554480"/>
+            <a:ext cx="6496560" cy="3657600"/>
+          </a:xfrm>
+          <a:prstGeom prst="rect">
+            <a:avLst/>
+          </a:prstGeom>
+          <a:ln>
+            <a:noFill/>
+          </a:ln>
+        </p:spPr>
+      </p:pic>
+    </p:spTree>
+  </p:cSld>
+  <p:timing>
+    <p:tnLst>
+      <p:par>
+        <p:cTn id="35" dur="indefinite" restart="never" nodeType="tmRoot">
+          <p:childTnLst>
+            <p:seq>
+              <p:cTn id="36" dur="indefinite" nodeType="mainSeq"/>
+              <p:prevCondLst>
+                <p:cond delay="0" evt="onPrev">
+                  <p:tgtEl>
+                    <p:sldTgt/>
+                  </p:tgtEl>
+                </p:cond>
+              </p:prevCondLst>
+              <p:nextCondLst>
+                <p:cond delay="0" evt="onNext">
+                  <p:tgtEl>
+                    <p:sldTgt/>
+                  </p:tgtEl>
+                </p:cond>
+              </p:nextCondLst>
+            </p:seq>
+          </p:childTnLst>
+        </p:cTn>
+      </p:par>
+    </p:tnLst>
+  </p:timing>
+</p:sld>
+</file>
+
+<file path=ppt/slides/slide19.xml><?xml version="1.0" encoding="utf-8"?>
+<p:sld xmlns:a="http://schemas.openxmlformats.org/drawingml/2006/main" xmlns:p="http://schemas.openxmlformats.org/presentationml/2006/main" xmlns:r="http://schemas.openxmlformats.org/officeDocument/2006/relationships" xmlns:p14="http://schemas.microsoft.com/office/powerpoint/2010/main" xmlns:p15="http://schemas.microsoft.com/office/powerpoint/2012/main" xmlns:mc="http://schemas.openxmlformats.org/markup-compatibility/2006">
+  <p:cSld>
+    <p:spTree>
+      <p:nvGrpSpPr>
+        <p:cNvPr id="1" name=""/>
+        <p:cNvGrpSpPr/>
+        <p:nvPr/>
+      </p:nvGrpSpPr>
+      <p:grpSpPr>
+        <a:xfrm>
+          <a:off x="0" y="0"/>
+          <a:ext cx="0" cy="0"/>
+          <a:chOff x="0" y="0"/>
+          <a:chExt cx="0" cy="0"/>
+        </a:xfrm>
+      </p:grpSpPr>
+      <p:sp>
+        <p:nvSpPr>
+          <p:cNvPr id="202" name="CustomShape 1"/>
+          <p:cNvSpPr/>
+          <p:nvPr/>
+        </p:nvSpPr>
+        <p:spPr>
+          <a:xfrm>
+            <a:off x="838080" y="6356520"/>
+            <a:ext cx="2741760" cy="363600"/>
+          </a:xfrm>
+          <a:prstGeom prst="rect">
+            <a:avLst/>
+          </a:prstGeom>
+          <a:noFill/>
+          <a:ln>
+            <a:noFill/>
+          </a:ln>
+        </p:spPr>
+        <p:style>
+          <a:lnRef idx="0"/>
+          <a:fillRef idx="0"/>
+          <a:effectRef idx="0"/>
+          <a:fontRef idx="minor"/>
+        </p:style>
+        <p:txBody>
+          <a:bodyPr lIns="90000" rIns="90000" tIns="45000" bIns="45000" anchor="ctr"/>
+          <a:p>
+            <a:pPr>
+              <a:lnSpc>
+                <a:spcPct val="100000"/>
+              </a:lnSpc>
+            </a:pPr>
+            <a:fld id="{C40E2803-B704-4150-84A2-46F345B50996}" type="datetime1">
+              <a:rPr b="0" lang="en-US" sz="1200" spc="-1" strike="noStrike">
+                <a:solidFill>
+                  <a:srgbClr val="8b8b8b"/>
+                </a:solidFill>
+                <a:latin typeface="Calibri"/>
+                <a:ea typeface="DejaVu Sans"/>
+              </a:rPr>
+              <a:t>07/09/2020</a:t>
+            </a:fld>
+            <a:endParaRPr b="0" lang="en-US" sz="1200" spc="-1" strike="noStrike">
+              <a:latin typeface="Arial"/>
+            </a:endParaRPr>
+          </a:p>
+        </p:txBody>
+      </p:sp>
+      <p:sp>
+        <p:nvSpPr>
+          <p:cNvPr id="203" name="CustomShape 2"/>
+          <p:cNvSpPr/>
+          <p:nvPr/>
+        </p:nvSpPr>
+        <p:spPr>
+          <a:xfrm>
+            <a:off x="7611480" y="6284880"/>
+            <a:ext cx="2943360" cy="692280"/>
+          </a:xfrm>
+          <a:prstGeom prst="rect">
+            <a:avLst/>
+          </a:prstGeom>
+          <a:noFill/>
+          <a:ln>
+            <a:noFill/>
+          </a:ln>
+        </p:spPr>
+        <p:style>
+          <a:lnRef idx="0"/>
+          <a:fillRef idx="0"/>
+          <a:effectRef idx="0"/>
+          <a:fontRef idx="minor"/>
+        </p:style>
+        <p:txBody>
+          <a:bodyPr lIns="90000" rIns="90000" tIns="45000" bIns="45000" anchor="ctr"/>
+          <a:p>
+            <a:pPr algn="r">
+              <a:lnSpc>
+                <a:spcPct val="100000"/>
+              </a:lnSpc>
+            </a:pPr>
+            <a:fld id="{6D81178A-A98F-4562-9F32-D29B37D9C76C}" type="slidenum">
+              <a:rPr b="0" lang="en-US" sz="1200" spc="-1" strike="noStrike">
+                <a:solidFill>
+                  <a:srgbClr val="8b8b8b"/>
+                </a:solidFill>
+                <a:latin typeface="Calibri"/>
+                <a:ea typeface="DejaVu Sans"/>
+              </a:rPr>
+              <a:t>&lt;number&gt;</a:t>
+            </a:fld>
+            <a:endParaRPr b="0" lang="en-US" sz="1200" spc="-1" strike="noStrike">
+              <a:latin typeface="Arial"/>
+            </a:endParaRPr>
+          </a:p>
+        </p:txBody>
+      </p:sp>
+      <p:sp>
+        <p:nvSpPr>
+          <p:cNvPr id="204" name="CustomShape 3"/>
+          <p:cNvSpPr/>
+          <p:nvPr/>
+        </p:nvSpPr>
+        <p:spPr>
+          <a:xfrm>
+            <a:off x="0" y="0"/>
+            <a:ext cx="12190680" cy="455760"/>
+          </a:xfrm>
+          <a:prstGeom prst="rect">
+            <a:avLst/>
+          </a:prstGeom>
+          <a:noFill/>
+          <a:ln>
+            <a:noFill/>
+          </a:ln>
+        </p:spPr>
+        <p:style>
+          <a:lnRef idx="0"/>
+          <a:fillRef idx="0"/>
+          <a:effectRef idx="0"/>
+          <a:fontRef idx="minor"/>
+        </p:style>
+      </p:sp>
+      <p:sp>
+        <p:nvSpPr>
+          <p:cNvPr id="205" name="CustomShape 4"/>
+          <p:cNvSpPr/>
+          <p:nvPr/>
+        </p:nvSpPr>
+        <p:spPr>
+          <a:xfrm>
+            <a:off x="657000" y="202680"/>
+            <a:ext cx="9979560" cy="4478400"/>
+          </a:xfrm>
+          <a:prstGeom prst="rect">
+            <a:avLst/>
+          </a:prstGeom>
+          <a:noFill/>
+          <a:ln>
+            <a:noFill/>
+          </a:ln>
+        </p:spPr>
+        <p:style>
+          <a:lnRef idx="0"/>
+          <a:fillRef idx="0"/>
+          <a:effectRef idx="0"/>
+          <a:fontRef idx="minor"/>
+        </p:style>
+        <p:txBody>
+          <a:bodyPr lIns="90000" rIns="90000" tIns="45000" bIns="45000"/>
+          <a:p>
+            <a:pPr algn="ctr">
+              <a:lnSpc>
+                <a:spcPct val="100000"/>
+              </a:lnSpc>
+            </a:pPr>
+            <a:r>
+              <a:rPr b="1" lang="en-US" sz="2000" spc="-1" strike="noStrike">
+                <a:solidFill>
+                  <a:srgbClr val="1f4e79"/>
+                </a:solidFill>
+                <a:latin typeface="Times New Roman"/>
+                <a:ea typeface="DejaVu Sans"/>
+              </a:rPr>
+              <a:t> </a:t>
+            </a:r>
+            <a:r>
+              <a:rPr b="1" lang="en-US" sz="2800" spc="-1" strike="noStrike">
+                <a:solidFill>
+                  <a:srgbClr val="1f4e79"/>
+                </a:solidFill>
+                <a:latin typeface="Times New Roman"/>
+                <a:ea typeface="DejaVu Sans"/>
+              </a:rPr>
+              <a:t>Discussion</a:t>
+            </a:r>
+            <a:endParaRPr b="0" lang="en-US" sz="2800" spc="-1" strike="noStrike">
+              <a:latin typeface="Arial"/>
+            </a:endParaRPr>
+          </a:p>
+          <a:p>
+            <a:pPr algn="just"/>
+            <a:r>
+              <a:rPr b="0" lang="en-US" sz="2400" spc="-1" strike="noStrike">
+                <a:solidFill>
+                  <a:srgbClr val="000000"/>
+                </a:solidFill>
+                <a:latin typeface="Times New Roman"/>
+                <a:ea typeface="DejaVu Sans"/>
+              </a:rPr>
+              <a:t>Drug addiction is one of the most common problems in Bangladesh and this problem increasing day by day. Although many researchers and governments are trying to find out how to diminish the increasing rate of drug addiction. Which reason is the main culprit behind it?  So we tried here to find out those reasons for that reason people being addicted. To analyses cause of drug addiction we collected row data and we preprocess data. After that, we used some supervised machine learning algorithms to find out the accuracy. We have applied Logistic Regression, Decision Trees, KNN, SVM, and Random Forest algorithms. We have got the highest 97 % accuracy with the SVM algorithm.</a:t>
+            </a:r>
+            <a:endParaRPr b="0" lang="en-US" sz="2400" spc="-1" strike="noStrike">
+              <a:latin typeface="Arial"/>
+            </a:endParaRPr>
+          </a:p>
+          <a:p>
+            <a:pPr>
+              <a:lnSpc>
+                <a:spcPct val="100000"/>
+              </a:lnSpc>
+            </a:pPr>
+            <a:endParaRPr b="0" lang="en-US" sz="2400" spc="-1" strike="noStrike">
+              <a:latin typeface="Arial"/>
+            </a:endParaRPr>
+          </a:p>
+        </p:txBody>
+      </p:sp>
+      <p:sp>
+        <p:nvSpPr>
+          <p:cNvPr id="206" name="CustomShape 5"/>
+          <p:cNvSpPr/>
+          <p:nvPr/>
+        </p:nvSpPr>
+        <p:spPr>
+          <a:xfrm>
+            <a:off x="4038480" y="6356520"/>
+            <a:ext cx="4113360" cy="363600"/>
+          </a:xfrm>
+          <a:prstGeom prst="rect">
+            <a:avLst/>
+          </a:prstGeom>
+          <a:noFill/>
+          <a:ln>
+            <a:noFill/>
+          </a:ln>
+        </p:spPr>
+        <p:style>
+          <a:lnRef idx="0"/>
+          <a:fillRef idx="0"/>
+          <a:effectRef idx="0"/>
+          <a:fontRef idx="minor"/>
+        </p:style>
+        <p:txBody>
+          <a:bodyPr lIns="90000" rIns="90000" tIns="45000" bIns="45000" anchor="ctr"/>
+          <a:p>
+            <a:pPr algn="ctr">
+              <a:lnSpc>
+                <a:spcPct val="100000"/>
+              </a:lnSpc>
+            </a:pPr>
+            <a:r>
+              <a:rPr b="1" lang="en-US" sz="1100" spc="-1" strike="noStrike">
+                <a:solidFill>
+                  <a:srgbClr val="000000"/>
+                </a:solidFill>
+                <a:latin typeface="Times New Roman"/>
+                <a:ea typeface="DejaVu Sans"/>
+              </a:rPr>
+              <a:t>Find Reason of Drug Addiction through Machine Learning Techniques.</a:t>
+            </a:r>
+            <a:r>
+              <a:rPr b="0" lang="en-US" sz="1200" spc="-1" strike="noStrike">
+                <a:solidFill>
+                  <a:srgbClr val="8b8b8b"/>
+                </a:solidFill>
+                <a:latin typeface="Calibri"/>
+                <a:ea typeface="DejaVu Sans"/>
+              </a:rPr>
+              <a:t>.</a:t>
+            </a:r>
+            <a:endParaRPr b="0" lang="en-US" sz="1200" spc="-1" strike="noStrike">
+              <a:latin typeface="Arial"/>
+            </a:endParaRPr>
+          </a:p>
+        </p:txBody>
+      </p:sp>
+      <p:pic>
+        <p:nvPicPr>
+          <p:cNvPr id="207" name="Picture 30" descr=""/>
+          <p:cNvPicPr/>
+          <p:nvPr/>
+        </p:nvPicPr>
+        <p:blipFill>
+          <a:blip r:embed="rId1"/>
+          <a:stretch/>
+        </p:blipFill>
+        <p:spPr>
+          <a:xfrm>
+            <a:off x="10556280" y="0"/>
+            <a:ext cx="1634040" cy="1086840"/>
+          </a:xfrm>
+          <a:prstGeom prst="rect">
+            <a:avLst/>
+          </a:prstGeom>
+          <a:ln>
+            <a:noFill/>
+          </a:ln>
+        </p:spPr>
+      </p:pic>
+    </p:spTree>
+  </p:cSld>
+  <p:timing>
+    <p:tnLst>
+      <p:par>
+        <p:cTn id="37" dur="indefinite" restart="never" nodeType="tmRoot">
+          <p:childTnLst>
+            <p:seq>
+              <p:cTn id="38" dur="indefinite" nodeType="mainSeq"/>
               <p:prevCondLst>
                 <p:cond delay="0" evt="onPrev">
                   <p:tgtEl>
@@ -7368,7 +9200,7 @@
         <p:spPr>
           <a:xfrm>
             <a:off x="838080" y="6356520"/>
-            <a:ext cx="2742480" cy="364320"/>
+            <a:ext cx="2741760" cy="363600"/>
           </a:xfrm>
           <a:prstGeom prst="rect">
             <a:avLst/>
@@ -7392,14 +9224,15 @@
                 <a:spcPct val="100000"/>
               </a:lnSpc>
             </a:pPr>
-            <a:fld id="{84E5FF94-3335-4F58-8C5D-95F5E9EECC38}" type="datetime1">
+            <a:fld id="{CDACFBEE-99B8-458C-A6BE-A0FD12DC0D07}" type="datetime1">
               <a:rPr b="0" lang="en-US" sz="1200" spc="-1" strike="noStrike">
                 <a:solidFill>
                   <a:srgbClr val="8b8b8b"/>
                 </a:solidFill>
                 <a:latin typeface="Calibri"/>
-              </a:rPr>
-              <a:t>06/08/2020</a:t>
+                <a:ea typeface="DejaVu Sans"/>
+              </a:rPr>
+              <a:t>07/09/2020</a:t>
             </a:fld>
             <a:endParaRPr b="0" lang="en-US" sz="1200" spc="-1" strike="noStrike">
               <a:latin typeface="Arial"/>
@@ -7416,7 +9249,7 @@
         <p:spPr>
           <a:xfrm>
             <a:off x="8610480" y="6356520"/>
-            <a:ext cx="2742480" cy="364320"/>
+            <a:ext cx="2741760" cy="363600"/>
           </a:xfrm>
           <a:prstGeom prst="rect">
             <a:avLst/>
@@ -7440,14 +9273,15 @@
                 <a:spcPct val="100000"/>
               </a:lnSpc>
             </a:pPr>
-            <a:fld id="{B2D8E770-1AD8-4FFA-8FF4-2638A56D3E15}" type="slidenum">
+            <a:fld id="{53A3E170-3D2B-41A3-84DE-4B62B79A58D4}" type="slidenum">
               <a:rPr b="0" lang="en-US" sz="1200" spc="-1" strike="noStrike">
                 <a:solidFill>
                   <a:srgbClr val="8b8b8b"/>
                 </a:solidFill>
                 <a:latin typeface="Calibri"/>
-              </a:rPr>
-              <a:t>1</a:t>
+                <a:ea typeface="DejaVu Sans"/>
+              </a:rPr>
+              <a:t>&lt;number&gt;</a:t>
             </a:fld>
             <a:endParaRPr b="0" lang="en-US" sz="1200" spc="-1" strike="noStrike">
               <a:latin typeface="Arial"/>
@@ -7464,7 +9298,7 @@
         <p:spPr>
           <a:xfrm>
             <a:off x="578160" y="235080"/>
-            <a:ext cx="10126440" cy="7130520"/>
+            <a:ext cx="10125720" cy="7129800"/>
           </a:xfrm>
           <a:prstGeom prst="rect">
             <a:avLst/>
@@ -7855,7 +9689,7 @@
         <p:spPr>
           <a:xfrm>
             <a:off x="4038480" y="6356520"/>
-            <a:ext cx="4114080" cy="364320"/>
+            <a:ext cx="4113360" cy="363600"/>
           </a:xfrm>
           <a:prstGeom prst="rect">
             <a:avLst/>
@@ -7888,6 +9722,7 @@
                   <a:srgbClr val="000000"/>
                 </a:solidFill>
                 <a:latin typeface="Times New Roman"/>
+                <a:ea typeface="DejaVu Sans"/>
               </a:rPr>
               <a:t>Find Reason of Drug Addiction through Machine Learning Techniques.</a:t>
             </a:r>
@@ -7907,6 +9742,7 @@
                   <a:srgbClr val="8b8b8b"/>
                 </a:solidFill>
                 <a:latin typeface="Calibri"/>
+                <a:ea typeface="DejaVu Sans"/>
               </a:rPr>
               <a:t>.</a:t>
             </a:r>
@@ -7929,7 +9765,7 @@
         <p:spPr>
           <a:xfrm>
             <a:off x="10556280" y="0"/>
-            <a:ext cx="1634760" cy="1087560"/>
+            <a:ext cx="1634040" cy="1086840"/>
           </a:xfrm>
           <a:prstGeom prst="rect">
             <a:avLst/>
@@ -7948,6 +9784,1849 @@
           <p:childTnLst>
             <p:seq>
               <p:cTn id="4" dur="indefinite" nodeType="mainSeq"/>
+              <p:prevCondLst>
+                <p:cond delay="0" evt="onPrev">
+                  <p:tgtEl>
+                    <p:sldTgt/>
+                  </p:tgtEl>
+                </p:cond>
+              </p:prevCondLst>
+              <p:nextCondLst>
+                <p:cond delay="0" evt="onNext">
+                  <p:tgtEl>
+                    <p:sldTgt/>
+                  </p:tgtEl>
+                </p:cond>
+              </p:nextCondLst>
+            </p:seq>
+          </p:childTnLst>
+        </p:cTn>
+      </p:par>
+    </p:tnLst>
+  </p:timing>
+</p:sld>
+</file>
+
+<file path=ppt/slides/slide20.xml><?xml version="1.0" encoding="utf-8"?>
+<p:sld xmlns:a="http://schemas.openxmlformats.org/drawingml/2006/main" xmlns:p="http://schemas.openxmlformats.org/presentationml/2006/main" xmlns:r="http://schemas.openxmlformats.org/officeDocument/2006/relationships" xmlns:p14="http://schemas.microsoft.com/office/powerpoint/2010/main" xmlns:p15="http://schemas.microsoft.com/office/powerpoint/2012/main" xmlns:mc="http://schemas.openxmlformats.org/markup-compatibility/2006">
+  <p:cSld>
+    <p:spTree>
+      <p:nvGrpSpPr>
+        <p:cNvPr id="1" name=""/>
+        <p:cNvGrpSpPr/>
+        <p:nvPr/>
+      </p:nvGrpSpPr>
+      <p:grpSpPr>
+        <a:xfrm>
+          <a:off x="0" y="0"/>
+          <a:ext cx="0" cy="0"/>
+          <a:chOff x="0" y="0"/>
+          <a:chExt cx="0" cy="0"/>
+        </a:xfrm>
+      </p:grpSpPr>
+      <p:sp>
+        <p:nvSpPr>
+          <p:cNvPr id="208" name="CustomShape 1"/>
+          <p:cNvSpPr/>
+          <p:nvPr/>
+        </p:nvSpPr>
+        <p:spPr>
+          <a:xfrm>
+            <a:off x="838080" y="6356520"/>
+            <a:ext cx="2741760" cy="363600"/>
+          </a:xfrm>
+          <a:prstGeom prst="rect">
+            <a:avLst/>
+          </a:prstGeom>
+          <a:noFill/>
+          <a:ln>
+            <a:noFill/>
+          </a:ln>
+        </p:spPr>
+        <p:style>
+          <a:lnRef idx="0"/>
+          <a:fillRef idx="0"/>
+          <a:effectRef idx="0"/>
+          <a:fontRef idx="minor"/>
+        </p:style>
+        <p:txBody>
+          <a:bodyPr lIns="90000" rIns="90000" tIns="45000" bIns="45000" anchor="ctr"/>
+          <a:p>
+            <a:pPr>
+              <a:lnSpc>
+                <a:spcPct val="100000"/>
+              </a:lnSpc>
+            </a:pPr>
+            <a:fld id="{18DB0A61-9198-41EB-B02F-AE181CDB9AF1}" type="datetime1">
+              <a:rPr b="0" lang="en-US" sz="1200" spc="-1" strike="noStrike">
+                <a:solidFill>
+                  <a:srgbClr val="8b8b8b"/>
+                </a:solidFill>
+                <a:latin typeface="Calibri"/>
+                <a:ea typeface="DejaVu Sans"/>
+              </a:rPr>
+              <a:t>07/09/2020</a:t>
+            </a:fld>
+            <a:endParaRPr b="0" lang="en-US" sz="1200" spc="-1" strike="noStrike">
+              <a:latin typeface="Arial"/>
+            </a:endParaRPr>
+          </a:p>
+        </p:txBody>
+      </p:sp>
+      <p:sp>
+        <p:nvSpPr>
+          <p:cNvPr id="209" name="CustomShape 2"/>
+          <p:cNvSpPr/>
+          <p:nvPr/>
+        </p:nvSpPr>
+        <p:spPr>
+          <a:xfrm>
+            <a:off x="8610480" y="6356520"/>
+            <a:ext cx="2741760" cy="363600"/>
+          </a:xfrm>
+          <a:prstGeom prst="rect">
+            <a:avLst/>
+          </a:prstGeom>
+          <a:noFill/>
+          <a:ln>
+            <a:noFill/>
+          </a:ln>
+        </p:spPr>
+        <p:style>
+          <a:lnRef idx="0"/>
+          <a:fillRef idx="0"/>
+          <a:effectRef idx="0"/>
+          <a:fontRef idx="minor"/>
+        </p:style>
+        <p:txBody>
+          <a:bodyPr lIns="90000" rIns="90000" tIns="45000" bIns="45000" anchor="ctr"/>
+          <a:p>
+            <a:pPr algn="r">
+              <a:lnSpc>
+                <a:spcPct val="100000"/>
+              </a:lnSpc>
+            </a:pPr>
+            <a:fld id="{B0CC0E84-BECA-4A23-A7DC-E625B8637ACC}" type="slidenum">
+              <a:rPr b="0" lang="en-US" sz="1200" spc="-1" strike="noStrike">
+                <a:solidFill>
+                  <a:srgbClr val="8b8b8b"/>
+                </a:solidFill>
+                <a:latin typeface="Calibri"/>
+                <a:ea typeface="DejaVu Sans"/>
+              </a:rPr>
+              <a:t>&lt;number&gt;</a:t>
+            </a:fld>
+            <a:endParaRPr b="0" lang="en-US" sz="1200" spc="-1" strike="noStrike">
+              <a:latin typeface="Arial"/>
+            </a:endParaRPr>
+          </a:p>
+        </p:txBody>
+      </p:sp>
+      <p:sp>
+        <p:nvSpPr>
+          <p:cNvPr id="210" name="CustomShape 3"/>
+          <p:cNvSpPr/>
+          <p:nvPr/>
+        </p:nvSpPr>
+        <p:spPr>
+          <a:xfrm>
+            <a:off x="417960" y="226440"/>
+            <a:ext cx="11012760" cy="5209920"/>
+          </a:xfrm>
+          <a:prstGeom prst="rect">
+            <a:avLst/>
+          </a:prstGeom>
+          <a:noFill/>
+          <a:ln>
+            <a:noFill/>
+          </a:ln>
+        </p:spPr>
+        <p:style>
+          <a:lnRef idx="0"/>
+          <a:fillRef idx="0"/>
+          <a:effectRef idx="0"/>
+          <a:fontRef idx="minor"/>
+        </p:style>
+        <p:txBody>
+          <a:bodyPr lIns="90000" rIns="90000" tIns="45000" bIns="45000"/>
+          <a:p>
+            <a:pPr>
+              <a:lnSpc>
+                <a:spcPct val="100000"/>
+              </a:lnSpc>
+            </a:pPr>
+            <a:r>
+              <a:rPr b="1" lang="en-US" sz="2800" spc="-1" strike="noStrike">
+                <a:solidFill>
+                  <a:srgbClr val="1f4e79"/>
+                </a:solidFill>
+                <a:latin typeface="Times New Roman"/>
+                <a:ea typeface="DejaVu Sans"/>
+              </a:rPr>
+              <a:t>                                                 </a:t>
+            </a:r>
+            <a:r>
+              <a:rPr b="1" lang="en-US" sz="2800" spc="-1" strike="noStrike">
+                <a:solidFill>
+                  <a:srgbClr val="1f4e79"/>
+                </a:solidFill>
+                <a:latin typeface="Times New Roman"/>
+                <a:ea typeface="DejaVu Sans"/>
+              </a:rPr>
+              <a:t>Future Works</a:t>
+            </a:r>
+            <a:endParaRPr b="0" lang="en-US" sz="2800" spc="-1" strike="noStrike">
+              <a:latin typeface="Arial"/>
+            </a:endParaRPr>
+          </a:p>
+          <a:p>
+            <a:pPr>
+              <a:lnSpc>
+                <a:spcPct val="100000"/>
+              </a:lnSpc>
+            </a:pPr>
+            <a:endParaRPr b="0" lang="en-US" sz="2800" spc="-1" strike="noStrike">
+              <a:latin typeface="Arial"/>
+            </a:endParaRPr>
+          </a:p>
+          <a:p>
+            <a:pPr marL="343080" indent="-341640" algn="just">
+              <a:lnSpc>
+                <a:spcPct val="100000"/>
+              </a:lnSpc>
+              <a:buClr>
+                <a:srgbClr val="000000"/>
+              </a:buClr>
+              <a:buFont typeface="Wingdings" charset="2"/>
+              <a:buChar char=""/>
+            </a:pPr>
+            <a:r>
+              <a:rPr b="0" lang="en-US" sz="2400" spc="-1" strike="noStrike">
+                <a:solidFill>
+                  <a:srgbClr val="000000"/>
+                </a:solidFill>
+                <a:latin typeface="Times New Roman"/>
+                <a:ea typeface="DejaVu Sans"/>
+              </a:rPr>
+              <a:t>In the future, we will try to apply Deep Learning Approaches to find out the best accuracy.</a:t>
+            </a:r>
+            <a:endParaRPr b="0" lang="en-US" sz="2400" spc="-1" strike="noStrike">
+              <a:latin typeface="Arial"/>
+            </a:endParaRPr>
+          </a:p>
+          <a:p>
+            <a:pPr marL="343080" indent="-341640" algn="just">
+              <a:lnSpc>
+                <a:spcPct val="100000"/>
+              </a:lnSpc>
+              <a:buClr>
+                <a:srgbClr val="000000"/>
+              </a:buClr>
+              <a:buFont typeface="Wingdings" charset="2"/>
+              <a:buChar char=""/>
+            </a:pPr>
+            <a:r>
+              <a:rPr b="0" lang="en-US" sz="2400" spc="-1" strike="noStrike">
+                <a:solidFill>
+                  <a:srgbClr val="000000"/>
+                </a:solidFill>
+                <a:latin typeface="Times New Roman"/>
+                <a:ea typeface="DejaVu Sans"/>
+              </a:rPr>
+              <a:t>We will try to extend our dataset.</a:t>
+            </a:r>
+            <a:endParaRPr b="0" lang="en-US" sz="2400" spc="-1" strike="noStrike">
+              <a:latin typeface="Arial"/>
+            </a:endParaRPr>
+          </a:p>
+          <a:p>
+            <a:pPr algn="just">
+              <a:lnSpc>
+                <a:spcPct val="100000"/>
+              </a:lnSpc>
+            </a:pPr>
+            <a:endParaRPr b="0" lang="en-US" sz="2400" spc="-1" strike="noStrike">
+              <a:latin typeface="Arial"/>
+            </a:endParaRPr>
+          </a:p>
+          <a:p>
+            <a:pPr>
+              <a:lnSpc>
+                <a:spcPct val="100000"/>
+              </a:lnSpc>
+            </a:pPr>
+            <a:endParaRPr b="0" lang="en-US" sz="2400" spc="-1" strike="noStrike">
+              <a:latin typeface="Arial"/>
+            </a:endParaRPr>
+          </a:p>
+          <a:p>
+            <a:pPr>
+              <a:lnSpc>
+                <a:spcPct val="100000"/>
+              </a:lnSpc>
+            </a:pPr>
+            <a:endParaRPr b="0" lang="en-US" sz="2400" spc="-1" strike="noStrike">
+              <a:latin typeface="Arial"/>
+            </a:endParaRPr>
+          </a:p>
+          <a:p>
+            <a:pPr>
+              <a:lnSpc>
+                <a:spcPct val="100000"/>
+              </a:lnSpc>
+            </a:pPr>
+            <a:endParaRPr b="0" lang="en-US" sz="2400" spc="-1" strike="noStrike">
+              <a:latin typeface="Arial"/>
+            </a:endParaRPr>
+          </a:p>
+          <a:p>
+            <a:pPr>
+              <a:lnSpc>
+                <a:spcPct val="100000"/>
+              </a:lnSpc>
+            </a:pPr>
+            <a:endParaRPr b="0" lang="en-US" sz="2400" spc="-1" strike="noStrike">
+              <a:latin typeface="Arial"/>
+            </a:endParaRPr>
+          </a:p>
+          <a:p>
+            <a:pPr>
+              <a:lnSpc>
+                <a:spcPct val="100000"/>
+              </a:lnSpc>
+            </a:pPr>
+            <a:endParaRPr b="0" lang="en-US" sz="2400" spc="-1" strike="noStrike">
+              <a:latin typeface="Arial"/>
+            </a:endParaRPr>
+          </a:p>
+          <a:p>
+            <a:pPr>
+              <a:lnSpc>
+                <a:spcPct val="100000"/>
+              </a:lnSpc>
+            </a:pPr>
+            <a:endParaRPr b="0" lang="en-US" sz="2400" spc="-1" strike="noStrike">
+              <a:latin typeface="Arial"/>
+            </a:endParaRPr>
+          </a:p>
+          <a:p>
+            <a:pPr>
+              <a:lnSpc>
+                <a:spcPct val="100000"/>
+              </a:lnSpc>
+            </a:pPr>
+            <a:endParaRPr b="0" lang="en-US" sz="2400" spc="-1" strike="noStrike">
+              <a:latin typeface="Arial"/>
+            </a:endParaRPr>
+          </a:p>
+          <a:p>
+            <a:pPr>
+              <a:lnSpc>
+                <a:spcPct val="100000"/>
+              </a:lnSpc>
+            </a:pPr>
+            <a:r>
+              <a:rPr b="0" lang="en-US" sz="2000" spc="-1" strike="noStrike">
+                <a:solidFill>
+                  <a:srgbClr val="000000"/>
+                </a:solidFill>
+                <a:latin typeface="Times New Roman"/>
+                <a:ea typeface="DejaVu Sans"/>
+              </a:rPr>
+              <a:t>                                                                     </a:t>
+            </a:r>
+            <a:r>
+              <a:rPr b="0" lang="en-US" sz="1000" spc="-1" strike="noStrike">
+                <a:solidFill>
+                  <a:srgbClr val="000000"/>
+                </a:solidFill>
+                <a:latin typeface="Times New Roman"/>
+                <a:ea typeface="DejaVu Sans"/>
+              </a:rPr>
+              <a:t>Picture courtesy: Algo-Vision, weizmann-usa.org</a:t>
+            </a:r>
+            <a:endParaRPr b="0" lang="en-US" sz="1000" spc="-1" strike="noStrike">
+              <a:latin typeface="Arial"/>
+            </a:endParaRPr>
+          </a:p>
+        </p:txBody>
+      </p:sp>
+      <p:sp>
+        <p:nvSpPr>
+          <p:cNvPr id="211" name="CustomShape 4"/>
+          <p:cNvSpPr/>
+          <p:nvPr/>
+        </p:nvSpPr>
+        <p:spPr>
+          <a:xfrm>
+            <a:off x="4038480" y="6356520"/>
+            <a:ext cx="4113360" cy="363600"/>
+          </a:xfrm>
+          <a:prstGeom prst="rect">
+            <a:avLst/>
+          </a:prstGeom>
+          <a:noFill/>
+          <a:ln>
+            <a:noFill/>
+          </a:ln>
+        </p:spPr>
+        <p:style>
+          <a:lnRef idx="0"/>
+          <a:fillRef idx="0"/>
+          <a:effectRef idx="0"/>
+          <a:fontRef idx="minor"/>
+        </p:style>
+        <p:txBody>
+          <a:bodyPr lIns="90000" rIns="90000" tIns="45000" bIns="45000" anchor="ctr"/>
+          <a:p>
+            <a:pPr algn="ctr">
+              <a:lnSpc>
+                <a:spcPct val="100000"/>
+              </a:lnSpc>
+            </a:pPr>
+            <a:r>
+              <a:rPr b="1" lang="en-US" sz="1100" spc="-1" strike="noStrike">
+                <a:solidFill>
+                  <a:srgbClr val="000000"/>
+                </a:solidFill>
+                <a:latin typeface="Times New Roman"/>
+                <a:ea typeface="DejaVu Sans"/>
+              </a:rPr>
+              <a:t>Find Reason of Drug Addiction through Machine Learning Techniques.</a:t>
+            </a:r>
+            <a:endParaRPr b="0" lang="en-US" sz="1100" spc="-1" strike="noStrike">
+              <a:latin typeface="Arial"/>
+            </a:endParaRPr>
+          </a:p>
+        </p:txBody>
+      </p:sp>
+      <p:pic>
+        <p:nvPicPr>
+          <p:cNvPr id="212" name="Picture 6" descr=""/>
+          <p:cNvPicPr/>
+          <p:nvPr/>
+        </p:nvPicPr>
+        <p:blipFill>
+          <a:blip r:embed="rId1"/>
+          <a:stretch/>
+        </p:blipFill>
+        <p:spPr>
+          <a:xfrm>
+            <a:off x="10556280" y="0"/>
+            <a:ext cx="1634040" cy="1086840"/>
+          </a:xfrm>
+          <a:prstGeom prst="rect">
+            <a:avLst/>
+          </a:prstGeom>
+          <a:ln>
+            <a:noFill/>
+          </a:ln>
+        </p:spPr>
+      </p:pic>
+      <p:pic>
+        <p:nvPicPr>
+          <p:cNvPr id="213" name="Picture 4" descr=""/>
+          <p:cNvPicPr/>
+          <p:nvPr/>
+        </p:nvPicPr>
+        <p:blipFill>
+          <a:blip r:embed="rId2"/>
+          <a:stretch/>
+        </p:blipFill>
+        <p:spPr>
+          <a:xfrm>
+            <a:off x="4165560" y="3223080"/>
+            <a:ext cx="4125960" cy="2319480"/>
+          </a:xfrm>
+          <a:prstGeom prst="rect">
+            <a:avLst/>
+          </a:prstGeom>
+          <a:ln>
+            <a:noFill/>
+          </a:ln>
+        </p:spPr>
+      </p:pic>
+    </p:spTree>
+  </p:cSld>
+  <p:timing>
+    <p:tnLst>
+      <p:par>
+        <p:cTn id="39" dur="indefinite" restart="never" nodeType="tmRoot">
+          <p:childTnLst>
+            <p:seq>
+              <p:cTn id="40" dur="indefinite" nodeType="mainSeq"/>
+              <p:prevCondLst>
+                <p:cond delay="0" evt="onPrev">
+                  <p:tgtEl>
+                    <p:sldTgt/>
+                  </p:tgtEl>
+                </p:cond>
+              </p:prevCondLst>
+              <p:nextCondLst>
+                <p:cond delay="0" evt="onNext">
+                  <p:tgtEl>
+                    <p:sldTgt/>
+                  </p:tgtEl>
+                </p:cond>
+              </p:nextCondLst>
+            </p:seq>
+          </p:childTnLst>
+        </p:cTn>
+      </p:par>
+    </p:tnLst>
+  </p:timing>
+</p:sld>
+</file>
+
+<file path=ppt/slides/slide21.xml><?xml version="1.0" encoding="utf-8"?>
+<p:sld xmlns:a="http://schemas.openxmlformats.org/drawingml/2006/main" xmlns:p="http://schemas.openxmlformats.org/presentationml/2006/main" xmlns:r="http://schemas.openxmlformats.org/officeDocument/2006/relationships" xmlns:p14="http://schemas.microsoft.com/office/powerpoint/2010/main" xmlns:p15="http://schemas.microsoft.com/office/powerpoint/2012/main" xmlns:mc="http://schemas.openxmlformats.org/markup-compatibility/2006">
+  <p:cSld>
+    <p:spTree>
+      <p:nvGrpSpPr>
+        <p:cNvPr id="1" name=""/>
+        <p:cNvGrpSpPr/>
+        <p:nvPr/>
+      </p:nvGrpSpPr>
+      <p:grpSpPr>
+        <a:xfrm>
+          <a:off x="0" y="0"/>
+          <a:ext cx="0" cy="0"/>
+          <a:chOff x="0" y="0"/>
+          <a:chExt cx="0" cy="0"/>
+        </a:xfrm>
+      </p:grpSpPr>
+      <p:sp>
+        <p:nvSpPr>
+          <p:cNvPr id="214" name="CustomShape 1"/>
+          <p:cNvSpPr/>
+          <p:nvPr/>
+        </p:nvSpPr>
+        <p:spPr>
+          <a:xfrm>
+            <a:off x="838080" y="6356520"/>
+            <a:ext cx="2741760" cy="363600"/>
+          </a:xfrm>
+          <a:prstGeom prst="rect">
+            <a:avLst/>
+          </a:prstGeom>
+          <a:noFill/>
+          <a:ln>
+            <a:noFill/>
+          </a:ln>
+        </p:spPr>
+        <p:style>
+          <a:lnRef idx="0"/>
+          <a:fillRef idx="0"/>
+          <a:effectRef idx="0"/>
+          <a:fontRef idx="minor"/>
+        </p:style>
+        <p:txBody>
+          <a:bodyPr lIns="90000" rIns="90000" tIns="45000" bIns="45000" anchor="ctr"/>
+          <a:p>
+            <a:pPr>
+              <a:lnSpc>
+                <a:spcPct val="100000"/>
+              </a:lnSpc>
+            </a:pPr>
+            <a:fld id="{24015271-1EED-41FD-93E2-2EE3760387A2}" type="datetime1">
+              <a:rPr b="0" lang="en-US" sz="1200" spc="-1" strike="noStrike">
+                <a:solidFill>
+                  <a:srgbClr val="8b8b8b"/>
+                </a:solidFill>
+                <a:latin typeface="Calibri"/>
+                <a:ea typeface="DejaVu Sans"/>
+              </a:rPr>
+              <a:t>07/09/2020</a:t>
+            </a:fld>
+            <a:endParaRPr b="0" lang="en-US" sz="1200" spc="-1" strike="noStrike">
+              <a:latin typeface="Arial"/>
+            </a:endParaRPr>
+          </a:p>
+        </p:txBody>
+      </p:sp>
+      <p:sp>
+        <p:nvSpPr>
+          <p:cNvPr id="215" name="CustomShape 2"/>
+          <p:cNvSpPr/>
+          <p:nvPr/>
+        </p:nvSpPr>
+        <p:spPr>
+          <a:xfrm>
+            <a:off x="8610480" y="6356520"/>
+            <a:ext cx="2741760" cy="363600"/>
+          </a:xfrm>
+          <a:prstGeom prst="rect">
+            <a:avLst/>
+          </a:prstGeom>
+          <a:noFill/>
+          <a:ln>
+            <a:noFill/>
+          </a:ln>
+        </p:spPr>
+        <p:style>
+          <a:lnRef idx="0"/>
+          <a:fillRef idx="0"/>
+          <a:effectRef idx="0"/>
+          <a:fontRef idx="minor"/>
+        </p:style>
+        <p:txBody>
+          <a:bodyPr lIns="90000" rIns="90000" tIns="45000" bIns="45000" anchor="ctr"/>
+          <a:p>
+            <a:pPr algn="r">
+              <a:lnSpc>
+                <a:spcPct val="100000"/>
+              </a:lnSpc>
+            </a:pPr>
+            <a:fld id="{68B8184B-7882-4A2B-B69E-0E9648966BF6}" type="slidenum">
+              <a:rPr b="0" lang="en-US" sz="1200" spc="-1" strike="noStrike">
+                <a:solidFill>
+                  <a:srgbClr val="8b8b8b"/>
+                </a:solidFill>
+                <a:latin typeface="Calibri"/>
+                <a:ea typeface="DejaVu Sans"/>
+              </a:rPr>
+              <a:t>&lt;number&gt;</a:t>
+            </a:fld>
+            <a:endParaRPr b="0" lang="en-US" sz="1200" spc="-1" strike="noStrike">
+              <a:latin typeface="Arial"/>
+            </a:endParaRPr>
+          </a:p>
+        </p:txBody>
+      </p:sp>
+      <p:sp>
+        <p:nvSpPr>
+          <p:cNvPr id="216" name="CustomShape 3"/>
+          <p:cNvSpPr/>
+          <p:nvPr/>
+        </p:nvSpPr>
+        <p:spPr>
+          <a:xfrm>
+            <a:off x="537120" y="254520"/>
+            <a:ext cx="11115000" cy="3075480"/>
+          </a:xfrm>
+          <a:prstGeom prst="rect">
+            <a:avLst/>
+          </a:prstGeom>
+          <a:noFill/>
+          <a:ln>
+            <a:noFill/>
+          </a:ln>
+        </p:spPr>
+        <p:style>
+          <a:lnRef idx="0"/>
+          <a:fillRef idx="0"/>
+          <a:effectRef idx="0"/>
+          <a:fontRef idx="minor"/>
+        </p:style>
+        <p:txBody>
+          <a:bodyPr lIns="90000" rIns="90000" tIns="45000" bIns="45000"/>
+          <a:p>
+            <a:pPr>
+              <a:lnSpc>
+                <a:spcPct val="100000"/>
+              </a:lnSpc>
+            </a:pPr>
+            <a:r>
+              <a:rPr b="1" lang="en-US" sz="2400" spc="-1" strike="noStrike">
+                <a:solidFill>
+                  <a:srgbClr val="1f4e79"/>
+                </a:solidFill>
+                <a:latin typeface="Times New Roman"/>
+                <a:ea typeface="DejaVu Sans"/>
+              </a:rPr>
+              <a:t>                                                           </a:t>
+            </a:r>
+            <a:r>
+              <a:rPr b="1" lang="en-US" sz="2800" spc="-1" strike="noStrike">
+                <a:solidFill>
+                  <a:srgbClr val="1f4e79"/>
+                </a:solidFill>
+                <a:latin typeface="Times New Roman"/>
+                <a:ea typeface="DejaVu Sans"/>
+              </a:rPr>
+              <a:t>Conclusion</a:t>
+            </a:r>
+            <a:endParaRPr b="0" lang="en-US" sz="2800" spc="-1" strike="noStrike">
+              <a:latin typeface="Arial"/>
+            </a:endParaRPr>
+          </a:p>
+          <a:p>
+            <a:pPr>
+              <a:lnSpc>
+                <a:spcPct val="100000"/>
+              </a:lnSpc>
+            </a:pPr>
+            <a:endParaRPr b="0" lang="en-US" sz="2800" spc="-1" strike="noStrike">
+              <a:latin typeface="Arial"/>
+            </a:endParaRPr>
+          </a:p>
+          <a:p>
+            <a:pPr marL="343080" indent="-341640" algn="just">
+              <a:lnSpc>
+                <a:spcPct val="100000"/>
+              </a:lnSpc>
+              <a:buClr>
+                <a:srgbClr val="000000"/>
+              </a:buClr>
+              <a:buFont typeface="Wingdings" charset="2"/>
+              <a:buChar char=""/>
+            </a:pPr>
+            <a:r>
+              <a:rPr b="0" lang="en-US" sz="2400" spc="-1" strike="noStrike">
+                <a:solidFill>
+                  <a:srgbClr val="000000"/>
+                </a:solidFill>
+                <a:latin typeface="Times New Roman"/>
+                <a:ea typeface="DejaVu Sans"/>
+              </a:rPr>
+              <a:t>In this paper we will try to find out who is the main culprit for being a drug addicted person . </a:t>
+            </a:r>
+            <a:endParaRPr b="0" lang="en-US" sz="2400" spc="-1" strike="noStrike">
+              <a:latin typeface="Arial"/>
+            </a:endParaRPr>
+          </a:p>
+          <a:p>
+            <a:pPr marL="343080" indent="-341640" algn="just">
+              <a:lnSpc>
+                <a:spcPct val="100000"/>
+              </a:lnSpc>
+              <a:buClr>
+                <a:srgbClr val="000000"/>
+              </a:buClr>
+              <a:buFont typeface="Wingdings" charset="2"/>
+              <a:buChar char=""/>
+            </a:pPr>
+            <a:r>
+              <a:rPr b="0" lang="en-US" sz="2400" spc="-1" strike="noStrike">
+                <a:solidFill>
+                  <a:srgbClr val="000000"/>
+                </a:solidFill>
+                <a:latin typeface="Times New Roman"/>
+                <a:ea typeface="DejaVu Sans"/>
+              </a:rPr>
+              <a:t>Therefore, we will figure out some major reason for being drug addict. </a:t>
+            </a:r>
+            <a:endParaRPr b="0" lang="en-US" sz="2400" spc="-1" strike="noStrike">
+              <a:latin typeface="Arial"/>
+            </a:endParaRPr>
+          </a:p>
+          <a:p>
+            <a:pPr marL="343080" indent="-341640" algn="just">
+              <a:lnSpc>
+                <a:spcPct val="100000"/>
+              </a:lnSpc>
+              <a:buClr>
+                <a:srgbClr val="000000"/>
+              </a:buClr>
+              <a:buFont typeface="Wingdings" charset="2"/>
+              <a:buChar char=""/>
+            </a:pPr>
+            <a:r>
+              <a:rPr b="0" lang="en-US" sz="2400" spc="-1" strike="noStrike">
+                <a:solidFill>
+                  <a:srgbClr val="000000"/>
+                </a:solidFill>
+                <a:latin typeface="Times New Roman"/>
+                <a:ea typeface="DejaVu Sans"/>
+              </a:rPr>
+              <a:t>In this research, we have collected 327 data and we have found 73% people are addicted.</a:t>
+            </a:r>
+            <a:endParaRPr b="0" lang="en-US" sz="2400" spc="-1" strike="noStrike">
+              <a:latin typeface="Arial"/>
+            </a:endParaRPr>
+          </a:p>
+          <a:p>
+            <a:pPr marL="343080" indent="-341640" algn="just">
+              <a:lnSpc>
+                <a:spcPct val="100000"/>
+              </a:lnSpc>
+              <a:buClr>
+                <a:srgbClr val="000000"/>
+              </a:buClr>
+              <a:buFont typeface="Wingdings" charset="2"/>
+              <a:buChar char=""/>
+            </a:pPr>
+            <a:r>
+              <a:rPr b="0" lang="en-US" sz="2400" spc="-1" strike="noStrike">
+                <a:solidFill>
+                  <a:srgbClr val="000000"/>
+                </a:solidFill>
+                <a:latin typeface="Times New Roman"/>
+                <a:ea typeface="DejaVu Sans"/>
+              </a:rPr>
+              <a:t>The accuracy is between 82% to 97% among the all classifier.</a:t>
+            </a:r>
+            <a:endParaRPr b="0" lang="en-US" sz="2400" spc="-1" strike="noStrike">
+              <a:latin typeface="Arial"/>
+            </a:endParaRPr>
+          </a:p>
+        </p:txBody>
+      </p:sp>
+      <p:sp>
+        <p:nvSpPr>
+          <p:cNvPr id="217" name="CustomShape 4"/>
+          <p:cNvSpPr/>
+          <p:nvPr/>
+        </p:nvSpPr>
+        <p:spPr>
+          <a:xfrm>
+            <a:off x="4038480" y="6356520"/>
+            <a:ext cx="4125240" cy="383040"/>
+          </a:xfrm>
+          <a:prstGeom prst="rect">
+            <a:avLst/>
+          </a:prstGeom>
+          <a:noFill/>
+          <a:ln>
+            <a:noFill/>
+          </a:ln>
+        </p:spPr>
+        <p:style>
+          <a:lnRef idx="0"/>
+          <a:fillRef idx="0"/>
+          <a:effectRef idx="0"/>
+          <a:fontRef idx="minor"/>
+        </p:style>
+        <p:txBody>
+          <a:bodyPr lIns="90000" rIns="90000" tIns="45000" bIns="45000" anchor="ctr"/>
+          <a:p>
+            <a:pPr algn="ctr">
+              <a:lnSpc>
+                <a:spcPct val="100000"/>
+              </a:lnSpc>
+            </a:pPr>
+            <a:r>
+              <a:rPr b="1" lang="en-US" sz="1100" spc="-1" strike="noStrike">
+                <a:solidFill>
+                  <a:srgbClr val="000000"/>
+                </a:solidFill>
+                <a:latin typeface="Times New Roman"/>
+                <a:ea typeface="DejaVu Sans"/>
+              </a:rPr>
+              <a:t>Find Reason of Drug Addiction through Machine Learning Techniques.</a:t>
+            </a:r>
+            <a:endParaRPr b="0" lang="en-US" sz="1100" spc="-1" strike="noStrike">
+              <a:latin typeface="Arial"/>
+            </a:endParaRPr>
+          </a:p>
+        </p:txBody>
+      </p:sp>
+      <p:pic>
+        <p:nvPicPr>
+          <p:cNvPr id="218" name="Picture 6" descr=""/>
+          <p:cNvPicPr/>
+          <p:nvPr/>
+        </p:nvPicPr>
+        <p:blipFill>
+          <a:blip r:embed="rId1"/>
+          <a:stretch/>
+        </p:blipFill>
+        <p:spPr>
+          <a:xfrm>
+            <a:off x="10556280" y="0"/>
+            <a:ext cx="1634040" cy="1086840"/>
+          </a:xfrm>
+          <a:prstGeom prst="rect">
+            <a:avLst/>
+          </a:prstGeom>
+          <a:ln>
+            <a:noFill/>
+          </a:ln>
+        </p:spPr>
+      </p:pic>
+    </p:spTree>
+  </p:cSld>
+  <p:timing>
+    <p:tnLst>
+      <p:par>
+        <p:cTn id="41" dur="indefinite" restart="never" nodeType="tmRoot">
+          <p:childTnLst>
+            <p:seq>
+              <p:cTn id="42" dur="indefinite" nodeType="mainSeq"/>
+              <p:prevCondLst>
+                <p:cond delay="0" evt="onPrev">
+                  <p:tgtEl>
+                    <p:sldTgt/>
+                  </p:tgtEl>
+                </p:cond>
+              </p:prevCondLst>
+              <p:nextCondLst>
+                <p:cond delay="0" evt="onNext">
+                  <p:tgtEl>
+                    <p:sldTgt/>
+                  </p:tgtEl>
+                </p:cond>
+              </p:nextCondLst>
+            </p:seq>
+          </p:childTnLst>
+        </p:cTn>
+      </p:par>
+    </p:tnLst>
+  </p:timing>
+</p:sld>
+</file>
+
+<file path=ppt/slides/slide22.xml><?xml version="1.0" encoding="utf-8"?>
+<p:sld xmlns:a="http://schemas.openxmlformats.org/drawingml/2006/main" xmlns:p="http://schemas.openxmlformats.org/presentationml/2006/main" xmlns:r="http://schemas.openxmlformats.org/officeDocument/2006/relationships" xmlns:p14="http://schemas.microsoft.com/office/powerpoint/2010/main" xmlns:p15="http://schemas.microsoft.com/office/powerpoint/2012/main" xmlns:mc="http://schemas.openxmlformats.org/markup-compatibility/2006">
+  <p:cSld>
+    <p:spTree>
+      <p:nvGrpSpPr>
+        <p:cNvPr id="1" name=""/>
+        <p:cNvGrpSpPr/>
+        <p:nvPr/>
+      </p:nvGrpSpPr>
+      <p:grpSpPr>
+        <a:xfrm>
+          <a:off x="0" y="0"/>
+          <a:ext cx="0" cy="0"/>
+          <a:chOff x="0" y="0"/>
+          <a:chExt cx="0" cy="0"/>
+        </a:xfrm>
+      </p:grpSpPr>
+      <p:sp>
+        <p:nvSpPr>
+          <p:cNvPr id="219" name="CustomShape 1"/>
+          <p:cNvSpPr/>
+          <p:nvPr/>
+        </p:nvSpPr>
+        <p:spPr>
+          <a:xfrm>
+            <a:off x="838080" y="6356520"/>
+            <a:ext cx="2741760" cy="363600"/>
+          </a:xfrm>
+          <a:prstGeom prst="rect">
+            <a:avLst/>
+          </a:prstGeom>
+          <a:noFill/>
+          <a:ln>
+            <a:noFill/>
+          </a:ln>
+        </p:spPr>
+        <p:style>
+          <a:lnRef idx="0"/>
+          <a:fillRef idx="0"/>
+          <a:effectRef idx="0"/>
+          <a:fontRef idx="minor"/>
+        </p:style>
+        <p:txBody>
+          <a:bodyPr lIns="90000" rIns="90000" tIns="45000" bIns="45000" anchor="ctr"/>
+          <a:p>
+            <a:pPr>
+              <a:lnSpc>
+                <a:spcPct val="100000"/>
+              </a:lnSpc>
+            </a:pPr>
+            <a:fld id="{335560E5-7969-4253-A0FD-72DF6D5E67F0}" type="datetime1">
+              <a:rPr b="0" lang="en-US" sz="1200" spc="-1" strike="noStrike">
+                <a:solidFill>
+                  <a:srgbClr val="8b8b8b"/>
+                </a:solidFill>
+                <a:latin typeface="Calibri"/>
+                <a:ea typeface="DejaVu Sans"/>
+              </a:rPr>
+              <a:t>07/09/2020</a:t>
+            </a:fld>
+            <a:endParaRPr b="0" lang="en-US" sz="1200" spc="-1" strike="noStrike">
+              <a:latin typeface="Arial"/>
+            </a:endParaRPr>
+          </a:p>
+        </p:txBody>
+      </p:sp>
+      <p:sp>
+        <p:nvSpPr>
+          <p:cNvPr id="220" name="CustomShape 2"/>
+          <p:cNvSpPr/>
+          <p:nvPr/>
+        </p:nvSpPr>
+        <p:spPr>
+          <a:xfrm>
+            <a:off x="8610480" y="6356520"/>
+            <a:ext cx="2741760" cy="363600"/>
+          </a:xfrm>
+          <a:prstGeom prst="rect">
+            <a:avLst/>
+          </a:prstGeom>
+          <a:noFill/>
+          <a:ln>
+            <a:noFill/>
+          </a:ln>
+        </p:spPr>
+        <p:style>
+          <a:lnRef idx="0"/>
+          <a:fillRef idx="0"/>
+          <a:effectRef idx="0"/>
+          <a:fontRef idx="minor"/>
+        </p:style>
+        <p:txBody>
+          <a:bodyPr lIns="90000" rIns="90000" tIns="45000" bIns="45000" anchor="ctr"/>
+          <a:p>
+            <a:pPr algn="r">
+              <a:lnSpc>
+                <a:spcPct val="100000"/>
+              </a:lnSpc>
+            </a:pPr>
+            <a:fld id="{78DCE2B8-0F8B-485C-938D-9007EA725082}" type="slidenum">
+              <a:rPr b="0" lang="en-US" sz="1200" spc="-1" strike="noStrike">
+                <a:solidFill>
+                  <a:srgbClr val="8b8b8b"/>
+                </a:solidFill>
+                <a:latin typeface="Calibri"/>
+                <a:ea typeface="DejaVu Sans"/>
+              </a:rPr>
+              <a:t>&lt;number&gt;</a:t>
+            </a:fld>
+            <a:endParaRPr b="0" lang="en-US" sz="1200" spc="-1" strike="noStrike">
+              <a:latin typeface="Arial"/>
+            </a:endParaRPr>
+          </a:p>
+        </p:txBody>
+      </p:sp>
+      <p:sp>
+        <p:nvSpPr>
+          <p:cNvPr id="221" name="CustomShape 3"/>
+          <p:cNvSpPr/>
+          <p:nvPr/>
+        </p:nvSpPr>
+        <p:spPr>
+          <a:xfrm>
+            <a:off x="512640" y="175320"/>
+            <a:ext cx="11167200" cy="6675120"/>
+          </a:xfrm>
+          <a:prstGeom prst="rect">
+            <a:avLst/>
+          </a:prstGeom>
+          <a:noFill/>
+          <a:ln>
+            <a:noFill/>
+          </a:ln>
+        </p:spPr>
+        <p:style>
+          <a:lnRef idx="0"/>
+          <a:fillRef idx="0"/>
+          <a:effectRef idx="0"/>
+          <a:fontRef idx="minor"/>
+        </p:style>
+        <p:txBody>
+          <a:bodyPr lIns="90000" rIns="90000" tIns="45000" bIns="45000"/>
+          <a:p>
+            <a:pPr algn="ctr">
+              <a:lnSpc>
+                <a:spcPct val="100000"/>
+              </a:lnSpc>
+            </a:pPr>
+            <a:r>
+              <a:rPr b="1" lang="en-US" sz="2800" spc="-1" strike="noStrike">
+                <a:solidFill>
+                  <a:srgbClr val="1f4e79"/>
+                </a:solidFill>
+                <a:latin typeface="Times New Roman"/>
+                <a:ea typeface="DejaVu Sans"/>
+              </a:rPr>
+              <a:t>References</a:t>
+            </a:r>
+            <a:endParaRPr b="0" lang="en-US" sz="2800" spc="-1" strike="noStrike">
+              <a:latin typeface="Arial"/>
+            </a:endParaRPr>
+          </a:p>
+          <a:p>
+            <a:pPr>
+              <a:lnSpc>
+                <a:spcPct val="100000"/>
+              </a:lnSpc>
+            </a:pPr>
+            <a:endParaRPr b="0" lang="en-US" sz="2800" spc="-1" strike="noStrike">
+              <a:latin typeface="Arial"/>
+            </a:endParaRPr>
+          </a:p>
+          <a:p>
+            <a:pPr marL="457200" indent="-455760" algn="just">
+              <a:lnSpc>
+                <a:spcPct val="100000"/>
+              </a:lnSpc>
+              <a:buClr>
+                <a:srgbClr val="000000"/>
+              </a:buClr>
+              <a:buFont typeface="StarSymbol"/>
+              <a:buAutoNum type="arabicPeriod"/>
+            </a:pPr>
+            <a:r>
+              <a:rPr b="0" lang="en-US" sz="2000" spc="-1" strike="noStrike">
+                <a:solidFill>
+                  <a:srgbClr val="000000"/>
+                </a:solidFill>
+                <a:latin typeface="Times New Roman"/>
+                <a:ea typeface="DejaVu Sans"/>
+              </a:rPr>
+              <a:t>Md. Abdul Ahad 1, Dr. Mitu Chowdhury , Dr. Indrajit Kundu , Nishith Zahan Tanny, Dr. M. Wakilur Rahman “Causes of Drug Addiction among Youth in Sylhet City of Bangladesh”, Volume 22, Issue 5, Ver. 7 (May. 2017) PP 27-31 e-ISSN: 2279-0837.</a:t>
+            </a:r>
+            <a:endParaRPr b="0" lang="en-US" sz="2000" spc="-1" strike="noStrike">
+              <a:latin typeface="Arial"/>
+            </a:endParaRPr>
+          </a:p>
+          <a:p>
+            <a:pPr algn="just">
+              <a:lnSpc>
+                <a:spcPct val="100000"/>
+              </a:lnSpc>
+            </a:pPr>
+            <a:endParaRPr b="0" lang="en-US" sz="2000" spc="-1" strike="noStrike">
+              <a:latin typeface="Arial"/>
+            </a:endParaRPr>
+          </a:p>
+          <a:p>
+            <a:pPr marL="457200" indent="-455760" algn="just">
+              <a:lnSpc>
+                <a:spcPct val="100000"/>
+              </a:lnSpc>
+              <a:buClr>
+                <a:srgbClr val="000000"/>
+              </a:buClr>
+              <a:buFont typeface="StarSymbol"/>
+              <a:buAutoNum type="arabicPeriod"/>
+            </a:pPr>
+            <a:r>
+              <a:rPr b="0" lang="en-US" sz="2000" spc="-1" strike="noStrike">
+                <a:solidFill>
+                  <a:srgbClr val="000000"/>
+                </a:solidFill>
+                <a:latin typeface="Times New Roman"/>
+                <a:ea typeface="DejaVu Sans"/>
+              </a:rPr>
+              <a:t>Minhazur Rahman Rezvi “Influencing Factors of ‘Yaba’ Addiction among the Youth of Bangladesh and Its Effect: A Qualitative Study”, 1-7, 2019; Article no.ARJASS.47877 ,ISSN: 2456-4761.</a:t>
+            </a:r>
+            <a:endParaRPr b="0" lang="en-US" sz="2000" spc="-1" strike="noStrike">
+              <a:latin typeface="Arial"/>
+            </a:endParaRPr>
+          </a:p>
+          <a:p>
+            <a:pPr algn="just">
+              <a:lnSpc>
+                <a:spcPct val="100000"/>
+              </a:lnSpc>
+            </a:pPr>
+            <a:endParaRPr b="0" lang="en-US" sz="2000" spc="-1" strike="noStrike">
+              <a:latin typeface="Arial"/>
+            </a:endParaRPr>
+          </a:p>
+          <a:p>
+            <a:pPr marL="457200" indent="-455760" algn="just">
+              <a:lnSpc>
+                <a:spcPct val="100000"/>
+              </a:lnSpc>
+              <a:buClr>
+                <a:srgbClr val="000000"/>
+              </a:buClr>
+              <a:buFont typeface="StarSymbol"/>
+              <a:buAutoNum type="arabicPeriod"/>
+            </a:pPr>
+            <a:r>
+              <a:rPr b="0" lang="en-US" sz="2000" spc="-1" strike="noStrike">
+                <a:solidFill>
+                  <a:srgbClr val="000000"/>
+                </a:solidFill>
+                <a:latin typeface="Times New Roman"/>
+                <a:ea typeface="DejaVu Sans"/>
+              </a:rPr>
+              <a:t>Sahadat Hossain, Shakhaoat Hossain, Fahad Ahmed, Rabiul Islam, Tajuddin Sikder, Abdur Rahman “Prevalence of Tobacco Smoking and Factors Associated with the Initiation of Smoking among University Students in Dhaka, Bangladesh”, Vol. 6, No. 1 (2017) | ISSN 2166-7403.</a:t>
+            </a:r>
+            <a:endParaRPr b="0" lang="en-US" sz="2000" spc="-1" strike="noStrike">
+              <a:latin typeface="Arial"/>
+            </a:endParaRPr>
+          </a:p>
+          <a:p>
+            <a:pPr>
+              <a:lnSpc>
+                <a:spcPct val="100000"/>
+              </a:lnSpc>
+            </a:pPr>
+            <a:endParaRPr b="0" lang="en-US" sz="2000" spc="-1" strike="noStrike">
+              <a:latin typeface="Arial"/>
+            </a:endParaRPr>
+          </a:p>
+          <a:p>
+            <a:pPr>
+              <a:lnSpc>
+                <a:spcPct val="100000"/>
+              </a:lnSpc>
+            </a:pPr>
+            <a:endParaRPr b="0" lang="en-US" sz="2000" spc="-1" strike="noStrike">
+              <a:latin typeface="Arial"/>
+            </a:endParaRPr>
+          </a:p>
+          <a:p>
+            <a:pPr>
+              <a:lnSpc>
+                <a:spcPct val="100000"/>
+              </a:lnSpc>
+            </a:pPr>
+            <a:br/>
+            <a:endParaRPr b="0" lang="en-US" sz="2000" spc="-1" strike="noStrike">
+              <a:latin typeface="Arial"/>
+            </a:endParaRPr>
+          </a:p>
+        </p:txBody>
+      </p:sp>
+      <p:sp>
+        <p:nvSpPr>
+          <p:cNvPr id="222" name="CustomShape 4"/>
+          <p:cNvSpPr/>
+          <p:nvPr/>
+        </p:nvSpPr>
+        <p:spPr>
+          <a:xfrm>
+            <a:off x="4038480" y="6356520"/>
+            <a:ext cx="4113360" cy="363600"/>
+          </a:xfrm>
+          <a:prstGeom prst="rect">
+            <a:avLst/>
+          </a:prstGeom>
+          <a:noFill/>
+          <a:ln>
+            <a:noFill/>
+          </a:ln>
+        </p:spPr>
+        <p:style>
+          <a:lnRef idx="0"/>
+          <a:fillRef idx="0"/>
+          <a:effectRef idx="0"/>
+          <a:fontRef idx="minor"/>
+        </p:style>
+        <p:txBody>
+          <a:bodyPr lIns="90000" rIns="90000" tIns="45000" bIns="45000" anchor="ctr"/>
+          <a:p>
+            <a:pPr algn="ctr">
+              <a:lnSpc>
+                <a:spcPct val="100000"/>
+              </a:lnSpc>
+            </a:pPr>
+            <a:r>
+              <a:rPr b="1" lang="en-US" sz="1100" spc="-1" strike="noStrike">
+                <a:solidFill>
+                  <a:srgbClr val="000000"/>
+                </a:solidFill>
+                <a:latin typeface="Times New Roman"/>
+                <a:ea typeface="DejaVu Sans"/>
+              </a:rPr>
+              <a:t>Find Reason of Drug Addiction through Machine Learning Techniques.</a:t>
+            </a:r>
+            <a:r>
+              <a:rPr b="0" lang="en-US" sz="1200" spc="-1" strike="noStrike">
+                <a:solidFill>
+                  <a:srgbClr val="8b8b8b"/>
+                </a:solidFill>
+                <a:latin typeface="Calibri"/>
+                <a:ea typeface="DejaVu Sans"/>
+              </a:rPr>
+              <a:t>.</a:t>
+            </a:r>
+            <a:endParaRPr b="0" lang="en-US" sz="1200" spc="-1" strike="noStrike">
+              <a:latin typeface="Arial"/>
+            </a:endParaRPr>
+          </a:p>
+        </p:txBody>
+      </p:sp>
+      <p:pic>
+        <p:nvPicPr>
+          <p:cNvPr id="223" name="Picture 5" descr=""/>
+          <p:cNvPicPr/>
+          <p:nvPr/>
+        </p:nvPicPr>
+        <p:blipFill>
+          <a:blip r:embed="rId1"/>
+          <a:stretch/>
+        </p:blipFill>
+        <p:spPr>
+          <a:xfrm>
+            <a:off x="10556280" y="0"/>
+            <a:ext cx="1634040" cy="1086840"/>
+          </a:xfrm>
+          <a:prstGeom prst="rect">
+            <a:avLst/>
+          </a:prstGeom>
+          <a:ln>
+            <a:noFill/>
+          </a:ln>
+        </p:spPr>
+      </p:pic>
+    </p:spTree>
+  </p:cSld>
+  <p:timing>
+    <p:tnLst>
+      <p:par>
+        <p:cTn id="43" dur="indefinite" restart="never" nodeType="tmRoot">
+          <p:childTnLst>
+            <p:seq>
+              <p:cTn id="44" dur="indefinite" nodeType="mainSeq"/>
+              <p:prevCondLst>
+                <p:cond delay="0" evt="onPrev">
+                  <p:tgtEl>
+                    <p:sldTgt/>
+                  </p:tgtEl>
+                </p:cond>
+              </p:prevCondLst>
+              <p:nextCondLst>
+                <p:cond delay="0" evt="onNext">
+                  <p:tgtEl>
+                    <p:sldTgt/>
+                  </p:tgtEl>
+                </p:cond>
+              </p:nextCondLst>
+            </p:seq>
+          </p:childTnLst>
+        </p:cTn>
+      </p:par>
+    </p:tnLst>
+  </p:timing>
+</p:sld>
+</file>
+
+<file path=ppt/slides/slide23.xml><?xml version="1.0" encoding="utf-8"?>
+<p:sld xmlns:a="http://schemas.openxmlformats.org/drawingml/2006/main" xmlns:p="http://schemas.openxmlformats.org/presentationml/2006/main" xmlns:r="http://schemas.openxmlformats.org/officeDocument/2006/relationships" xmlns:p14="http://schemas.microsoft.com/office/powerpoint/2010/main" xmlns:p15="http://schemas.microsoft.com/office/powerpoint/2012/main" xmlns:mc="http://schemas.openxmlformats.org/markup-compatibility/2006">
+  <p:cSld>
+    <p:spTree>
+      <p:nvGrpSpPr>
+        <p:cNvPr id="1" name=""/>
+        <p:cNvGrpSpPr/>
+        <p:nvPr/>
+      </p:nvGrpSpPr>
+      <p:grpSpPr>
+        <a:xfrm>
+          <a:off x="0" y="0"/>
+          <a:ext cx="0" cy="0"/>
+          <a:chOff x="0" y="0"/>
+          <a:chExt cx="0" cy="0"/>
+        </a:xfrm>
+      </p:grpSpPr>
+      <p:sp>
+        <p:nvSpPr>
+          <p:cNvPr id="224" name="CustomShape 1"/>
+          <p:cNvSpPr/>
+          <p:nvPr/>
+        </p:nvSpPr>
+        <p:spPr>
+          <a:xfrm>
+            <a:off x="838080" y="6356520"/>
+            <a:ext cx="2741760" cy="363600"/>
+          </a:xfrm>
+          <a:prstGeom prst="rect">
+            <a:avLst/>
+          </a:prstGeom>
+          <a:noFill/>
+          <a:ln>
+            <a:noFill/>
+          </a:ln>
+        </p:spPr>
+        <p:style>
+          <a:lnRef idx="0"/>
+          <a:fillRef idx="0"/>
+          <a:effectRef idx="0"/>
+          <a:fontRef idx="minor"/>
+        </p:style>
+        <p:txBody>
+          <a:bodyPr lIns="90000" rIns="90000" tIns="45000" bIns="45000" anchor="ctr"/>
+          <a:p>
+            <a:pPr>
+              <a:lnSpc>
+                <a:spcPct val="100000"/>
+              </a:lnSpc>
+            </a:pPr>
+            <a:fld id="{C8240C2C-CBF5-4CC3-99EC-222F6E320865}" type="datetime1">
+              <a:rPr b="0" lang="en-US" sz="1200" spc="-1" strike="noStrike">
+                <a:solidFill>
+                  <a:srgbClr val="8b8b8b"/>
+                </a:solidFill>
+                <a:latin typeface="Calibri"/>
+                <a:ea typeface="DejaVu Sans"/>
+              </a:rPr>
+              <a:t>07/09/2020</a:t>
+            </a:fld>
+            <a:endParaRPr b="0" lang="en-US" sz="1200" spc="-1" strike="noStrike">
+              <a:latin typeface="Arial"/>
+            </a:endParaRPr>
+          </a:p>
+        </p:txBody>
+      </p:sp>
+      <p:sp>
+        <p:nvSpPr>
+          <p:cNvPr id="225" name="CustomShape 2"/>
+          <p:cNvSpPr/>
+          <p:nvPr/>
+        </p:nvSpPr>
+        <p:spPr>
+          <a:xfrm>
+            <a:off x="8610480" y="6356520"/>
+            <a:ext cx="2741760" cy="363600"/>
+          </a:xfrm>
+          <a:prstGeom prst="rect">
+            <a:avLst/>
+          </a:prstGeom>
+          <a:noFill/>
+          <a:ln>
+            <a:noFill/>
+          </a:ln>
+        </p:spPr>
+        <p:style>
+          <a:lnRef idx="0"/>
+          <a:fillRef idx="0"/>
+          <a:effectRef idx="0"/>
+          <a:fontRef idx="minor"/>
+        </p:style>
+        <p:txBody>
+          <a:bodyPr lIns="90000" rIns="90000" tIns="45000" bIns="45000" anchor="ctr"/>
+          <a:p>
+            <a:pPr algn="r">
+              <a:lnSpc>
+                <a:spcPct val="100000"/>
+              </a:lnSpc>
+            </a:pPr>
+            <a:fld id="{7A4DF85D-54F6-4C7A-9915-E9FAC706F4A3}" type="slidenum">
+              <a:rPr b="0" lang="en-US" sz="1200" spc="-1" strike="noStrike">
+                <a:solidFill>
+                  <a:srgbClr val="8b8b8b"/>
+                </a:solidFill>
+                <a:latin typeface="Calibri"/>
+                <a:ea typeface="DejaVu Sans"/>
+              </a:rPr>
+              <a:t>&lt;number&gt;</a:t>
+            </a:fld>
+            <a:endParaRPr b="0" lang="en-US" sz="1200" spc="-1" strike="noStrike">
+              <a:latin typeface="Arial"/>
+            </a:endParaRPr>
+          </a:p>
+        </p:txBody>
+      </p:sp>
+      <p:sp>
+        <p:nvSpPr>
+          <p:cNvPr id="226" name="CustomShape 3"/>
+          <p:cNvSpPr/>
+          <p:nvPr/>
+        </p:nvSpPr>
+        <p:spPr>
+          <a:xfrm>
+            <a:off x="4038480" y="6356520"/>
+            <a:ext cx="4113360" cy="363600"/>
+          </a:xfrm>
+          <a:prstGeom prst="rect">
+            <a:avLst/>
+          </a:prstGeom>
+          <a:noFill/>
+          <a:ln>
+            <a:noFill/>
+          </a:ln>
+        </p:spPr>
+        <p:style>
+          <a:lnRef idx="0"/>
+          <a:fillRef idx="0"/>
+          <a:effectRef idx="0"/>
+          <a:fontRef idx="minor"/>
+        </p:style>
+        <p:txBody>
+          <a:bodyPr lIns="90000" rIns="90000" tIns="45000" bIns="45000" anchor="ctr"/>
+          <a:p>
+            <a:pPr algn="ctr">
+              <a:lnSpc>
+                <a:spcPct val="100000"/>
+              </a:lnSpc>
+            </a:pPr>
+            <a:r>
+              <a:rPr b="1" lang="en-US" sz="1100" spc="-1" strike="noStrike">
+                <a:solidFill>
+                  <a:srgbClr val="000000"/>
+                </a:solidFill>
+                <a:latin typeface="Times New Roman"/>
+                <a:ea typeface="DejaVu Sans"/>
+              </a:rPr>
+              <a:t>Find Reason of Drug Addiction through Machine Learning Techniques.</a:t>
+            </a:r>
+            <a:r>
+              <a:rPr b="0" lang="en-US" sz="1200" spc="-1" strike="noStrike">
+                <a:solidFill>
+                  <a:srgbClr val="8b8b8b"/>
+                </a:solidFill>
+                <a:latin typeface="Calibri"/>
+                <a:ea typeface="DejaVu Sans"/>
+              </a:rPr>
+              <a:t>.</a:t>
+            </a:r>
+            <a:endParaRPr b="0" lang="en-US" sz="1200" spc="-1" strike="noStrike">
+              <a:latin typeface="Arial"/>
+            </a:endParaRPr>
+          </a:p>
+        </p:txBody>
+      </p:sp>
+      <p:pic>
+        <p:nvPicPr>
+          <p:cNvPr id="227" name="Picture 5" descr=""/>
+          <p:cNvPicPr/>
+          <p:nvPr/>
+        </p:nvPicPr>
+        <p:blipFill>
+          <a:blip r:embed="rId1"/>
+          <a:stretch/>
+        </p:blipFill>
+        <p:spPr>
+          <a:xfrm>
+            <a:off x="10556280" y="0"/>
+            <a:ext cx="1634040" cy="1086840"/>
+          </a:xfrm>
+          <a:prstGeom prst="rect">
+            <a:avLst/>
+          </a:prstGeom>
+          <a:ln>
+            <a:noFill/>
+          </a:ln>
+        </p:spPr>
+      </p:pic>
+      <p:pic>
+        <p:nvPicPr>
+          <p:cNvPr id="228" name="Picture 4" descr=""/>
+          <p:cNvPicPr/>
+          <p:nvPr/>
+        </p:nvPicPr>
+        <p:blipFill>
+          <a:blip r:embed="rId2"/>
+          <a:stretch/>
+        </p:blipFill>
+        <p:spPr>
+          <a:xfrm>
+            <a:off x="2654280" y="916560"/>
+            <a:ext cx="6710760" cy="4898880"/>
+          </a:xfrm>
+          <a:prstGeom prst="rect">
+            <a:avLst/>
+          </a:prstGeom>
+          <a:ln>
+            <a:noFill/>
+          </a:ln>
+        </p:spPr>
+      </p:pic>
+    </p:spTree>
+  </p:cSld>
+  <p:timing>
+    <p:tnLst>
+      <p:par>
+        <p:cTn id="45" dur="indefinite" restart="never" nodeType="tmRoot">
+          <p:childTnLst>
+            <p:seq>
+              <p:cTn id="46" dur="indefinite" nodeType="mainSeq"/>
+              <p:prevCondLst>
+                <p:cond delay="0" evt="onPrev">
+                  <p:tgtEl>
+                    <p:sldTgt/>
+                  </p:tgtEl>
+                </p:cond>
+              </p:prevCondLst>
+              <p:nextCondLst>
+                <p:cond delay="0" evt="onNext">
+                  <p:tgtEl>
+                    <p:sldTgt/>
+                  </p:tgtEl>
+                </p:cond>
+              </p:nextCondLst>
+            </p:seq>
+          </p:childTnLst>
+        </p:cTn>
+      </p:par>
+    </p:tnLst>
+  </p:timing>
+</p:sld>
+</file>
+
+<file path=ppt/slides/slide24.xml><?xml version="1.0" encoding="utf-8"?>
+<p:sld xmlns:a="http://schemas.openxmlformats.org/drawingml/2006/main" xmlns:p="http://schemas.openxmlformats.org/presentationml/2006/main" xmlns:r="http://schemas.openxmlformats.org/officeDocument/2006/relationships" xmlns:p14="http://schemas.microsoft.com/office/powerpoint/2010/main" xmlns:p15="http://schemas.microsoft.com/office/powerpoint/2012/main" xmlns:mc="http://schemas.openxmlformats.org/markup-compatibility/2006">
+  <p:cSld>
+    <p:spTree>
+      <p:nvGrpSpPr>
+        <p:cNvPr id="1" name=""/>
+        <p:cNvGrpSpPr/>
+        <p:nvPr/>
+      </p:nvGrpSpPr>
+      <p:grpSpPr>
+        <a:xfrm>
+          <a:off x="0" y="0"/>
+          <a:ext cx="0" cy="0"/>
+          <a:chOff x="0" y="0"/>
+          <a:chExt cx="0" cy="0"/>
+        </a:xfrm>
+      </p:grpSpPr>
+      <p:sp>
+        <p:nvSpPr>
+          <p:cNvPr id="229" name="CustomShape 1"/>
+          <p:cNvSpPr/>
+          <p:nvPr/>
+        </p:nvSpPr>
+        <p:spPr>
+          <a:xfrm>
+            <a:off x="838080" y="6356520"/>
+            <a:ext cx="2741760" cy="363600"/>
+          </a:xfrm>
+          <a:prstGeom prst="rect">
+            <a:avLst/>
+          </a:prstGeom>
+          <a:noFill/>
+          <a:ln>
+            <a:noFill/>
+          </a:ln>
+        </p:spPr>
+        <p:style>
+          <a:lnRef idx="0"/>
+          <a:fillRef idx="0"/>
+          <a:effectRef idx="0"/>
+          <a:fontRef idx="minor"/>
+        </p:style>
+        <p:txBody>
+          <a:bodyPr lIns="90000" rIns="90000" tIns="45000" bIns="45000" anchor="ctr"/>
+          <a:p>
+            <a:pPr>
+              <a:lnSpc>
+                <a:spcPct val="100000"/>
+              </a:lnSpc>
+            </a:pPr>
+            <a:fld id="{14DA10C1-C3B2-429B-8FF1-F848B2C5E6C4}" type="datetime1">
+              <a:rPr b="0" lang="en-US" sz="1200" spc="-1" strike="noStrike">
+                <a:solidFill>
+                  <a:srgbClr val="8b8b8b"/>
+                </a:solidFill>
+                <a:latin typeface="Calibri"/>
+                <a:ea typeface="DejaVu Sans"/>
+              </a:rPr>
+              <a:t>07/09/2020</a:t>
+            </a:fld>
+            <a:endParaRPr b="0" lang="en-US" sz="1200" spc="-1" strike="noStrike">
+              <a:latin typeface="Arial"/>
+            </a:endParaRPr>
+          </a:p>
+        </p:txBody>
+      </p:sp>
+      <p:sp>
+        <p:nvSpPr>
+          <p:cNvPr id="230" name="CustomShape 2"/>
+          <p:cNvSpPr/>
+          <p:nvPr/>
+        </p:nvSpPr>
+        <p:spPr>
+          <a:xfrm>
+            <a:off x="8610480" y="6356520"/>
+            <a:ext cx="2741760" cy="363600"/>
+          </a:xfrm>
+          <a:prstGeom prst="rect">
+            <a:avLst/>
+          </a:prstGeom>
+          <a:noFill/>
+          <a:ln>
+            <a:noFill/>
+          </a:ln>
+        </p:spPr>
+        <p:style>
+          <a:lnRef idx="0"/>
+          <a:fillRef idx="0"/>
+          <a:effectRef idx="0"/>
+          <a:fontRef idx="minor"/>
+        </p:style>
+        <p:txBody>
+          <a:bodyPr lIns="90000" rIns="90000" tIns="45000" bIns="45000" anchor="ctr"/>
+          <a:p>
+            <a:pPr algn="r">
+              <a:lnSpc>
+                <a:spcPct val="100000"/>
+              </a:lnSpc>
+            </a:pPr>
+            <a:fld id="{2BBBC0D3-2344-44CD-87D2-06286368568B}" type="slidenum">
+              <a:rPr b="0" lang="en-US" sz="1200" spc="-1" strike="noStrike">
+                <a:solidFill>
+                  <a:srgbClr val="8b8b8b"/>
+                </a:solidFill>
+                <a:latin typeface="Calibri"/>
+                <a:ea typeface="DejaVu Sans"/>
+              </a:rPr>
+              <a:t>&lt;number&gt;</a:t>
+            </a:fld>
+            <a:endParaRPr b="0" lang="en-US" sz="1200" spc="-1" strike="noStrike">
+              <a:latin typeface="Arial"/>
+            </a:endParaRPr>
+          </a:p>
+        </p:txBody>
+      </p:sp>
+      <p:sp>
+        <p:nvSpPr>
+          <p:cNvPr id="231" name="CustomShape 3"/>
+          <p:cNvSpPr/>
+          <p:nvPr/>
+        </p:nvSpPr>
+        <p:spPr>
+          <a:xfrm>
+            <a:off x="417960" y="822960"/>
+            <a:ext cx="10501200" cy="3381120"/>
+          </a:xfrm>
+          <a:prstGeom prst="rect">
+            <a:avLst/>
+          </a:prstGeom>
+          <a:noFill/>
+          <a:ln>
+            <a:noFill/>
+          </a:ln>
+        </p:spPr>
+        <p:style>
+          <a:lnRef idx="0"/>
+          <a:fillRef idx="0"/>
+          <a:effectRef idx="0"/>
+          <a:fontRef idx="minor"/>
+        </p:style>
+        <p:txBody>
+          <a:bodyPr lIns="90000" rIns="90000" tIns="45000" bIns="45000"/>
+          <a:p>
+            <a:pPr>
+              <a:lnSpc>
+                <a:spcPct val="100000"/>
+              </a:lnSpc>
+            </a:pPr>
+            <a:r>
+              <a:rPr b="0" lang="en-US" sz="7200" spc="-1" strike="noStrike">
+                <a:solidFill>
+                  <a:srgbClr val="000000"/>
+                </a:solidFill>
+                <a:latin typeface="Times New Roman"/>
+                <a:ea typeface="DejaVu Sans"/>
+              </a:rPr>
+              <a:t> </a:t>
+            </a:r>
+            <a:endParaRPr b="0" lang="en-US" sz="7200" spc="-1" strike="noStrike">
+              <a:latin typeface="Arial"/>
+            </a:endParaRPr>
+          </a:p>
+          <a:p>
+            <a:pPr>
+              <a:lnSpc>
+                <a:spcPct val="100000"/>
+              </a:lnSpc>
+            </a:pPr>
+            <a:endParaRPr b="0" lang="en-US" sz="7200" spc="-1" strike="noStrike">
+              <a:latin typeface="Arial"/>
+            </a:endParaRPr>
+          </a:p>
+          <a:p>
+            <a:pPr>
+              <a:lnSpc>
+                <a:spcPct val="100000"/>
+              </a:lnSpc>
+            </a:pPr>
+            <a:r>
+              <a:rPr b="0" lang="en-US" sz="7200" spc="-1" strike="noStrike">
+                <a:solidFill>
+                  <a:srgbClr val="000000"/>
+                </a:solidFill>
+                <a:latin typeface="Times New Roman"/>
+                <a:ea typeface="DejaVu Sans"/>
+              </a:rPr>
+              <a:t>        </a:t>
+            </a:r>
+            <a:r>
+              <a:rPr b="1" i="1" lang="en-US" sz="7200" spc="-1" strike="noStrike">
+                <a:solidFill>
+                  <a:srgbClr val="1f4e79"/>
+                </a:solidFill>
+                <a:latin typeface="Times New Roman"/>
+                <a:ea typeface="DejaVu Sans"/>
+              </a:rPr>
+              <a:t>Thank you , everyone!</a:t>
+            </a:r>
+            <a:endParaRPr b="0" lang="en-US" sz="7200" spc="-1" strike="noStrike">
+              <a:latin typeface="Arial"/>
+            </a:endParaRPr>
+          </a:p>
+        </p:txBody>
+      </p:sp>
+      <p:sp>
+        <p:nvSpPr>
+          <p:cNvPr id="232" name="CustomShape 4"/>
+          <p:cNvSpPr/>
+          <p:nvPr/>
+        </p:nvSpPr>
+        <p:spPr>
+          <a:xfrm>
+            <a:off x="4038480" y="6356520"/>
+            <a:ext cx="4113360" cy="363600"/>
+          </a:xfrm>
+          <a:prstGeom prst="rect">
+            <a:avLst/>
+          </a:prstGeom>
+          <a:noFill/>
+          <a:ln>
+            <a:noFill/>
+          </a:ln>
+        </p:spPr>
+        <p:style>
+          <a:lnRef idx="0"/>
+          <a:fillRef idx="0"/>
+          <a:effectRef idx="0"/>
+          <a:fontRef idx="minor"/>
+        </p:style>
+        <p:txBody>
+          <a:bodyPr lIns="90000" rIns="90000" tIns="45000" bIns="45000" anchor="ctr"/>
+          <a:p>
+            <a:pPr algn="ctr">
+              <a:lnSpc>
+                <a:spcPct val="100000"/>
+              </a:lnSpc>
+            </a:pPr>
+            <a:r>
+              <a:rPr b="1" lang="en-US" sz="1100" spc="-1" strike="noStrike">
+                <a:solidFill>
+                  <a:srgbClr val="000000"/>
+                </a:solidFill>
+                <a:latin typeface="Times New Roman"/>
+                <a:ea typeface="DejaVu Sans"/>
+              </a:rPr>
+              <a:t>Find Reason of Drug Addiction through Machine Learning Techniques.</a:t>
+            </a:r>
+            <a:r>
+              <a:rPr b="0" lang="en-US" sz="1200" spc="-1" strike="noStrike">
+                <a:solidFill>
+                  <a:srgbClr val="8b8b8b"/>
+                </a:solidFill>
+                <a:latin typeface="Calibri"/>
+                <a:ea typeface="DejaVu Sans"/>
+              </a:rPr>
+              <a:t>.</a:t>
+            </a:r>
+            <a:endParaRPr b="0" lang="en-US" sz="1200" spc="-1" strike="noStrike">
+              <a:latin typeface="Arial"/>
+            </a:endParaRPr>
+          </a:p>
+        </p:txBody>
+      </p:sp>
+      <p:pic>
+        <p:nvPicPr>
+          <p:cNvPr id="233" name="Picture 5" descr=""/>
+          <p:cNvPicPr/>
+          <p:nvPr/>
+        </p:nvPicPr>
+        <p:blipFill>
+          <a:blip r:embed="rId1"/>
+          <a:stretch/>
+        </p:blipFill>
+        <p:spPr>
+          <a:xfrm>
+            <a:off x="10556280" y="0"/>
+            <a:ext cx="1634040" cy="1086840"/>
+          </a:xfrm>
+          <a:prstGeom prst="rect">
+            <a:avLst/>
+          </a:prstGeom>
+          <a:ln>
+            <a:noFill/>
+          </a:ln>
+        </p:spPr>
+      </p:pic>
+    </p:spTree>
+  </p:cSld>
+  <p:timing>
+    <p:tnLst>
+      <p:par>
+        <p:cTn id="47" dur="indefinite" restart="never" nodeType="tmRoot">
+          <p:childTnLst>
+            <p:seq>
+              <p:cTn id="48" dur="indefinite" nodeType="mainSeq"/>
               <p:prevCondLst>
                 <p:cond delay="0" evt="onPrev">
                   <p:tgtEl>
@@ -7997,7 +11676,7 @@
         <p:spPr>
           <a:xfrm>
             <a:off x="838080" y="6356520"/>
-            <a:ext cx="2742480" cy="364320"/>
+            <a:ext cx="2741760" cy="363600"/>
           </a:xfrm>
           <a:prstGeom prst="rect">
             <a:avLst/>
@@ -8021,14 +11700,15 @@
                 <a:spcPct val="100000"/>
               </a:lnSpc>
             </a:pPr>
-            <a:fld id="{3459204B-1A57-4C9B-B984-61CD321C2BB5}" type="datetime1">
+            <a:fld id="{B61651CB-D3D5-4023-8188-C739EB9FEC98}" type="datetime1">
               <a:rPr b="0" lang="en-US" sz="1200" spc="-1" strike="noStrike">
                 <a:solidFill>
                   <a:srgbClr val="8b8b8b"/>
                 </a:solidFill>
                 <a:latin typeface="Calibri"/>
-              </a:rPr>
-              <a:t>06/08/2020</a:t>
+                <a:ea typeface="DejaVu Sans"/>
+              </a:rPr>
+              <a:t>07/09/2020</a:t>
             </a:fld>
             <a:endParaRPr b="0" lang="en-US" sz="1200" spc="-1" strike="noStrike">
               <a:latin typeface="Arial"/>
@@ -8045,7 +11725,7 @@
         <p:spPr>
           <a:xfrm>
             <a:off x="8610480" y="6356520"/>
-            <a:ext cx="2742480" cy="364320"/>
+            <a:ext cx="2741760" cy="363600"/>
           </a:xfrm>
           <a:prstGeom prst="rect">
             <a:avLst/>
@@ -8069,14 +11749,15 @@
                 <a:spcPct val="100000"/>
               </a:lnSpc>
             </a:pPr>
-            <a:fld id="{E1539BF1-F2A3-4FF8-9208-B9587F28C9D4}" type="slidenum">
+            <a:fld id="{77F5E6B8-3A9C-4F19-883C-5B63DCBAE7ED}" type="slidenum">
               <a:rPr b="0" lang="en-US" sz="1200" spc="-1" strike="noStrike">
                 <a:solidFill>
                   <a:srgbClr val="8b8b8b"/>
                 </a:solidFill>
                 <a:latin typeface="Calibri"/>
-              </a:rPr>
-              <a:t>1</a:t>
+                <a:ea typeface="DejaVu Sans"/>
+              </a:rPr>
+              <a:t>&lt;number&gt;</a:t>
             </a:fld>
             <a:endParaRPr b="0" lang="en-US" sz="1200" spc="-1" strike="noStrike">
               <a:latin typeface="Arial"/>
@@ -8093,7 +11774,7 @@
         <p:spPr>
           <a:xfrm>
             <a:off x="396720" y="161640"/>
-            <a:ext cx="9484560" cy="6186240"/>
+            <a:ext cx="9483840" cy="6185520"/>
           </a:xfrm>
           <a:prstGeom prst="rect">
             <a:avLst/>
@@ -8142,7 +11823,7 @@
             </a:endParaRPr>
           </a:p>
           <a:p>
-            <a:pPr marL="343080" indent="-342360" algn="just">
+            <a:pPr marL="343080" indent="-341640" algn="just">
               <a:lnSpc>
                 <a:spcPct val="100000"/>
               </a:lnSpc>
@@ -8187,7 +11868,7 @@
             </a:endParaRPr>
           </a:p>
           <a:p>
-            <a:pPr marL="343080" indent="-342360" algn="just">
+            <a:pPr marL="343080" indent="-341640" algn="just">
               <a:lnSpc>
                 <a:spcPct val="100000"/>
               </a:lnSpc>
@@ -8212,7 +11893,7 @@
             </a:endParaRPr>
           </a:p>
           <a:p>
-            <a:pPr marL="343080" indent="-342360" algn="just">
+            <a:pPr marL="343080" indent="-341640" algn="just">
               <a:lnSpc>
                 <a:spcPct val="100000"/>
               </a:lnSpc>
@@ -8237,7 +11918,7 @@
             </a:endParaRPr>
           </a:p>
           <a:p>
-            <a:pPr marL="343080" indent="-342360" algn="just">
+            <a:pPr marL="343080" indent="-341640" algn="just">
               <a:lnSpc>
                 <a:spcPct val="100000"/>
               </a:lnSpc>
@@ -8402,7 +12083,7 @@
         <p:spPr>
           <a:xfrm>
             <a:off x="4038480" y="6356520"/>
-            <a:ext cx="4114080" cy="364320"/>
+            <a:ext cx="4113360" cy="363600"/>
           </a:xfrm>
           <a:prstGeom prst="rect">
             <a:avLst/>
@@ -8432,6 +12113,7 @@
                   <a:srgbClr val="000000"/>
                 </a:solidFill>
                 <a:latin typeface="Times New Roman"/>
+                <a:ea typeface="DejaVu Sans"/>
               </a:rPr>
               <a:t>Find Reason of Drug Addiction through Machine Learning Techniques.</a:t>
             </a:r>
@@ -8454,7 +12136,7 @@
         <p:spPr>
           <a:xfrm>
             <a:off x="10454760" y="-128520"/>
-            <a:ext cx="1634760" cy="1087560"/>
+            <a:ext cx="1634040" cy="1086840"/>
           </a:xfrm>
           <a:prstGeom prst="rect">
             <a:avLst/>
@@ -8473,7 +12155,7 @@
         <p:spPr>
           <a:xfrm>
             <a:off x="0" y="-183600"/>
-            <a:ext cx="12191400" cy="366120"/>
+            <a:ext cx="12190680" cy="365400"/>
           </a:xfrm>
           <a:prstGeom prst="rect">
             <a:avLst/>
@@ -8526,7 +12208,7 @@
         <p:spPr>
           <a:xfrm>
             <a:off x="92160" y="-128520"/>
-            <a:ext cx="304200" cy="304200"/>
+            <a:ext cx="303480" cy="303480"/>
           </a:xfrm>
           <a:prstGeom prst="rect">
             <a:avLst/>
@@ -8552,7 +12234,7 @@
         <p:spPr>
           <a:xfrm>
             <a:off x="9162000" y="5031000"/>
-            <a:ext cx="1929600" cy="698400"/>
+            <a:ext cx="1928880" cy="697680"/>
           </a:xfrm>
           <a:prstGeom prst="rect">
             <a:avLst/>
@@ -8651,7 +12333,7 @@
         <p:spPr>
           <a:xfrm>
             <a:off x="8100720" y="2433960"/>
-            <a:ext cx="4051800" cy="2467440"/>
+            <a:ext cx="4051080" cy="2466720"/>
           </a:xfrm>
           <a:prstGeom prst="rect">
             <a:avLst/>
@@ -8719,7 +12401,7 @@
         <p:spPr>
           <a:xfrm>
             <a:off x="425160" y="205920"/>
-            <a:ext cx="10130760" cy="681840"/>
+            <a:ext cx="10130040" cy="681120"/>
           </a:xfrm>
           <a:prstGeom prst="rect">
             <a:avLst/>
@@ -8751,6 +12433,7 @@
                   <a:srgbClr val="222a35"/>
                 </a:solidFill>
                 <a:latin typeface="Times New Roman"/>
+                <a:ea typeface="DejaVu Sans"/>
               </a:rPr>
               <a:t>Research Challenges</a:t>
             </a:r>
@@ -8769,7 +12452,7 @@
         <p:spPr>
           <a:xfrm>
             <a:off x="631080" y="1184760"/>
-            <a:ext cx="10528920" cy="4514760"/>
+            <a:ext cx="10528200" cy="4514040"/>
           </a:xfrm>
           <a:prstGeom prst="rect">
             <a:avLst/>
@@ -8790,7 +12473,7 @@
             <a:normAutofit/>
           </a:bodyPr>
           <a:p>
-            <a:pPr marL="457200" indent="-456480">
+            <a:pPr marL="457200" indent="-455760">
               <a:lnSpc>
                 <a:spcPct val="90000"/>
               </a:lnSpc>
@@ -8809,6 +12492,7 @@
                   <a:srgbClr val="000000"/>
                 </a:solidFill>
                 <a:latin typeface="Times New Roman"/>
+                <a:ea typeface="DejaVu Sans"/>
               </a:rPr>
               <a:t>Collecting data from different Rehab.</a:t>
             </a:r>
@@ -8817,7 +12501,7 @@
             </a:endParaRPr>
           </a:p>
           <a:p>
-            <a:pPr marL="457200" indent="-456480">
+            <a:pPr marL="457200" indent="-455760">
               <a:lnSpc>
                 <a:spcPct val="90000"/>
               </a:lnSpc>
@@ -8836,6 +12520,7 @@
                   <a:srgbClr val="000000"/>
                 </a:solidFill>
                 <a:latin typeface="Times New Roman"/>
+                <a:ea typeface="DejaVu Sans"/>
               </a:rPr>
               <a:t>Handling categorical Data.</a:t>
             </a:r>
@@ -8844,7 +12529,7 @@
             </a:endParaRPr>
           </a:p>
           <a:p>
-            <a:pPr marL="457200" indent="-456480">
+            <a:pPr marL="457200" indent="-455760">
               <a:lnSpc>
                 <a:spcPct val="90000"/>
               </a:lnSpc>
@@ -8863,6 +12548,7 @@
                   <a:srgbClr val="000000"/>
                 </a:solidFill>
                 <a:latin typeface="Times New Roman"/>
+                <a:ea typeface="DejaVu Sans"/>
               </a:rPr>
               <a:t>Train several machine learning model and test.</a:t>
             </a:r>
@@ -8871,7 +12557,7 @@
             </a:endParaRPr>
           </a:p>
           <a:p>
-            <a:pPr marL="457200" indent="-456480">
+            <a:pPr marL="457200" indent="-455760">
               <a:lnSpc>
                 <a:spcPct val="90000"/>
               </a:lnSpc>
@@ -8890,6 +12576,7 @@
                   <a:srgbClr val="000000"/>
                 </a:solidFill>
                 <a:latin typeface="Times New Roman"/>
+                <a:ea typeface="DejaVu Sans"/>
               </a:rPr>
               <a:t>Analysis outcomes. </a:t>
             </a:r>
@@ -8908,7 +12595,7 @@
         <p:spPr>
           <a:xfrm>
             <a:off x="838080" y="6356520"/>
-            <a:ext cx="2742480" cy="364320"/>
+            <a:ext cx="2741760" cy="363600"/>
           </a:xfrm>
           <a:prstGeom prst="rect">
             <a:avLst/>
@@ -8932,14 +12619,15 @@
                 <a:spcPct val="100000"/>
               </a:lnSpc>
             </a:pPr>
-            <a:fld id="{8211B04E-9FF9-495F-A787-E3076E133AD0}" type="datetime1">
+            <a:fld id="{CDDE06A1-013D-4D3D-A9E8-E5748630FA7F}" type="datetime1">
               <a:rPr b="0" lang="en-US" sz="1200" spc="-1" strike="noStrike">
                 <a:solidFill>
                   <a:srgbClr val="8b8b8b"/>
                 </a:solidFill>
                 <a:latin typeface="Calibri"/>
-              </a:rPr>
-              <a:t>06/08/2020</a:t>
+                <a:ea typeface="DejaVu Sans"/>
+              </a:rPr>
+              <a:t>07/09/2020</a:t>
             </a:fld>
             <a:endParaRPr b="0" lang="en-US" sz="1200" spc="-1" strike="noStrike">
               <a:latin typeface="Arial"/>
@@ -8956,7 +12644,7 @@
         <p:spPr>
           <a:xfrm>
             <a:off x="4038480" y="6356520"/>
-            <a:ext cx="4114080" cy="364320"/>
+            <a:ext cx="4113360" cy="363600"/>
           </a:xfrm>
           <a:prstGeom prst="rect">
             <a:avLst/>
@@ -8986,6 +12674,7 @@
                   <a:srgbClr val="000000"/>
                 </a:solidFill>
                 <a:latin typeface="Times New Roman"/>
+                <a:ea typeface="DejaVu Sans"/>
               </a:rPr>
               <a:t>Find Reason of Drug Addiction through Machine Learning Techniques.</a:t>
             </a:r>
@@ -9004,7 +12693,7 @@
         <p:spPr>
           <a:xfrm>
             <a:off x="8610480" y="6356520"/>
-            <a:ext cx="2742480" cy="364320"/>
+            <a:ext cx="2741760" cy="363600"/>
           </a:xfrm>
           <a:prstGeom prst="rect">
             <a:avLst/>
@@ -9028,14 +12717,15 @@
                 <a:spcPct val="100000"/>
               </a:lnSpc>
             </a:pPr>
-            <a:fld id="{C0BCF9E8-C6DB-4EA8-B106-2C5558E1CBAB}" type="slidenum">
+            <a:fld id="{10AE2DB8-2994-4820-ADE0-84E0E7E8201A}" type="slidenum">
               <a:rPr b="0" lang="en-US" sz="1200" spc="-1" strike="noStrike">
                 <a:solidFill>
                   <a:srgbClr val="8b8b8b"/>
                 </a:solidFill>
                 <a:latin typeface="Calibri"/>
-              </a:rPr>
-              <a:t>1</a:t>
+                <a:ea typeface="DejaVu Sans"/>
+              </a:rPr>
+              <a:t>&lt;number&gt;</a:t>
             </a:fld>
             <a:endParaRPr b="0" lang="en-US" sz="1200" spc="-1" strike="noStrike">
               <a:latin typeface="Arial"/>
@@ -9056,7 +12746,7 @@
         <p:spPr>
           <a:xfrm>
             <a:off x="10556280" y="3600"/>
-            <a:ext cx="1634760" cy="1087560"/>
+            <a:ext cx="1634040" cy="1086840"/>
           </a:xfrm>
           <a:prstGeom prst="rect">
             <a:avLst/>
@@ -9124,7 +12814,7 @@
         <p:spPr>
           <a:xfrm>
             <a:off x="838080" y="6356520"/>
-            <a:ext cx="2742480" cy="364320"/>
+            <a:ext cx="2741760" cy="363600"/>
           </a:xfrm>
           <a:prstGeom prst="rect">
             <a:avLst/>
@@ -9148,14 +12838,15 @@
                 <a:spcPct val="100000"/>
               </a:lnSpc>
             </a:pPr>
-            <a:fld id="{464BC106-8475-4C16-B8E4-FCF7000700A7}" type="datetime1">
+            <a:fld id="{278EF037-57D6-492B-80D3-5A8635B5D6D6}" type="datetime1">
               <a:rPr b="0" lang="en-US" sz="1200" spc="-1" strike="noStrike">
                 <a:solidFill>
                   <a:srgbClr val="8b8b8b"/>
                 </a:solidFill>
                 <a:latin typeface="Calibri"/>
-              </a:rPr>
-              <a:t>06/08/2020</a:t>
+                <a:ea typeface="DejaVu Sans"/>
+              </a:rPr>
+              <a:t>07/09/2020</a:t>
             </a:fld>
             <a:endParaRPr b="0" lang="en-US" sz="1200" spc="-1" strike="noStrike">
               <a:latin typeface="Arial"/>
@@ -9172,7 +12863,7 @@
         <p:spPr>
           <a:xfrm>
             <a:off x="8610480" y="6356520"/>
-            <a:ext cx="2742480" cy="364320"/>
+            <a:ext cx="2741760" cy="363600"/>
           </a:xfrm>
           <a:prstGeom prst="rect">
             <a:avLst/>
@@ -9196,14 +12887,15 @@
                 <a:spcPct val="100000"/>
               </a:lnSpc>
             </a:pPr>
-            <a:fld id="{EB2E4638-7273-4010-979C-47B0B08ED615}" type="slidenum">
+            <a:fld id="{51F49015-76EE-4F05-BB7D-441C0E4A53F3}" type="slidenum">
               <a:rPr b="0" lang="en-US" sz="1200" spc="-1" strike="noStrike">
                 <a:solidFill>
                   <a:srgbClr val="8b8b8b"/>
                 </a:solidFill>
                 <a:latin typeface="Calibri"/>
-              </a:rPr>
-              <a:t>1</a:t>
+                <a:ea typeface="DejaVu Sans"/>
+              </a:rPr>
+              <a:t>&lt;number&gt;</a:t>
             </a:fld>
             <a:endParaRPr b="0" lang="en-US" sz="1200" spc="-1" strike="noStrike">
               <a:latin typeface="Arial"/>
@@ -9220,7 +12912,7 @@
         <p:spPr>
           <a:xfrm>
             <a:off x="708480" y="57240"/>
-            <a:ext cx="9473760" cy="5089680"/>
+            <a:ext cx="9473040" cy="5088960"/>
           </a:xfrm>
           <a:prstGeom prst="rect">
             <a:avLst/>
@@ -9279,7 +12971,7 @@
             </a:endParaRPr>
           </a:p>
           <a:p>
-            <a:pPr marL="343080" indent="-342360">
+            <a:pPr marL="343080" indent="-341640">
               <a:lnSpc>
                 <a:spcPct val="100000"/>
               </a:lnSpc>
@@ -9304,7 +12996,7 @@
             </a:endParaRPr>
           </a:p>
           <a:p>
-            <a:pPr marL="343080" indent="-342360">
+            <a:pPr marL="343080" indent="-341640">
               <a:lnSpc>
                 <a:spcPct val="100000"/>
               </a:lnSpc>
@@ -9349,7 +13041,7 @@
             </a:endParaRPr>
           </a:p>
           <a:p>
-            <a:pPr marL="343080" indent="-342360">
+            <a:pPr marL="343080" indent="-341640">
               <a:lnSpc>
                 <a:spcPct val="100000"/>
               </a:lnSpc>
@@ -9374,7 +13066,7 @@
             </a:endParaRPr>
           </a:p>
           <a:p>
-            <a:pPr marL="343080" indent="-342360">
+            <a:pPr marL="343080" indent="-341640">
               <a:lnSpc>
                 <a:spcPct val="100000"/>
               </a:lnSpc>
@@ -9549,7 +13241,7 @@
             </a:endParaRPr>
           </a:p>
           <a:p>
-            <a:pPr marL="343080" indent="-342360">
+            <a:pPr marL="343080" indent="-341640">
               <a:lnSpc>
                 <a:spcPct val="100000"/>
               </a:lnSpc>
@@ -9634,7 +13326,7 @@
         <p:spPr>
           <a:xfrm>
             <a:off x="4038480" y="6356520"/>
-            <a:ext cx="4114080" cy="364320"/>
+            <a:ext cx="4113360" cy="363600"/>
           </a:xfrm>
           <a:prstGeom prst="rect">
             <a:avLst/>
@@ -9664,6 +13356,7 @@
                   <a:srgbClr val="000000"/>
                 </a:solidFill>
                 <a:latin typeface="Times New Roman"/>
+                <a:ea typeface="DejaVu Sans"/>
               </a:rPr>
               <a:t>Find Reason of Drug Addiction through Machine Learning Techniques.</a:t>
             </a:r>
@@ -9686,7 +13379,7 @@
         <p:spPr>
           <a:xfrm>
             <a:off x="10556280" y="0"/>
-            <a:ext cx="1634760" cy="1087560"/>
+            <a:ext cx="1634040" cy="1086840"/>
           </a:xfrm>
           <a:prstGeom prst="rect">
             <a:avLst/>
@@ -9709,7 +13402,7 @@
         <p:spPr>
           <a:xfrm>
             <a:off x="4894200" y="895680"/>
-            <a:ext cx="7724520" cy="5047920"/>
+            <a:ext cx="7723800" cy="5047200"/>
           </a:xfrm>
           <a:prstGeom prst="rect">
             <a:avLst/>
@@ -9777,7 +13470,7 @@
         <p:spPr>
           <a:xfrm>
             <a:off x="838080" y="6356520"/>
-            <a:ext cx="2742480" cy="364320"/>
+            <a:ext cx="2741760" cy="363600"/>
           </a:xfrm>
           <a:prstGeom prst="rect">
             <a:avLst/>
@@ -9801,14 +13494,15 @@
                 <a:spcPct val="100000"/>
               </a:lnSpc>
             </a:pPr>
-            <a:fld id="{3937AF27-DE86-4255-81C5-C14FFA13D56C}" type="datetime1">
+            <a:fld id="{1D4839E4-8E90-43C7-9E60-DD5EE5A5C33A}" type="datetime1">
               <a:rPr b="0" lang="en-US" sz="1200" spc="-1" strike="noStrike">
                 <a:solidFill>
                   <a:srgbClr val="8b8b8b"/>
                 </a:solidFill>
                 <a:latin typeface="Calibri"/>
-              </a:rPr>
-              <a:t>06/08/2020</a:t>
+                <a:ea typeface="DejaVu Sans"/>
+              </a:rPr>
+              <a:t>07/09/2020</a:t>
             </a:fld>
             <a:endParaRPr b="0" lang="en-US" sz="1200" spc="-1" strike="noStrike">
               <a:latin typeface="Arial"/>
@@ -9825,7 +13519,7 @@
         <p:spPr>
           <a:xfrm>
             <a:off x="8610480" y="6356520"/>
-            <a:ext cx="2742480" cy="364320"/>
+            <a:ext cx="2741760" cy="363600"/>
           </a:xfrm>
           <a:prstGeom prst="rect">
             <a:avLst/>
@@ -9849,14 +13543,15 @@
                 <a:spcPct val="100000"/>
               </a:lnSpc>
             </a:pPr>
-            <a:fld id="{1B76CEE4-D987-4374-9854-C3BFE02EF3A1}" type="slidenum">
+            <a:fld id="{96FB4072-80BC-47DC-8788-0E7868527FA4}" type="slidenum">
               <a:rPr b="0" lang="en-US" sz="1200" spc="-1" strike="noStrike">
                 <a:solidFill>
                   <a:srgbClr val="8b8b8b"/>
                 </a:solidFill>
                 <a:latin typeface="Calibri"/>
-              </a:rPr>
-              <a:t>1</a:t>
+                <a:ea typeface="DejaVu Sans"/>
+              </a:rPr>
+              <a:t>&lt;number&gt;</a:t>
             </a:fld>
             <a:endParaRPr b="0" lang="en-US" sz="1200" spc="-1" strike="noStrike">
               <a:latin typeface="Arial"/>
@@ -9873,7 +13568,7 @@
         <p:spPr>
           <a:xfrm>
             <a:off x="392040" y="277200"/>
-            <a:ext cx="10163880" cy="5577120"/>
+            <a:ext cx="10163160" cy="5576400"/>
           </a:xfrm>
           <a:prstGeom prst="rect">
             <a:avLst/>
@@ -10092,7 +13787,7 @@
         <p:spPr>
           <a:xfrm>
             <a:off x="4038480" y="6356520"/>
-            <a:ext cx="4114080" cy="364320"/>
+            <a:ext cx="4113360" cy="363600"/>
           </a:xfrm>
           <a:prstGeom prst="rect">
             <a:avLst/>
@@ -10122,6 +13817,7 @@
                   <a:srgbClr val="000000"/>
                 </a:solidFill>
                 <a:latin typeface="Times New Roman"/>
+                <a:ea typeface="DejaVu Sans"/>
               </a:rPr>
               <a:t>Find Reason of Drug Addiction through Machine Learning Techniques.</a:t>
             </a:r>
@@ -10131,6 +13827,7 @@
                   <a:srgbClr val="8b8b8b"/>
                 </a:solidFill>
                 <a:latin typeface="Calibri"/>
+                <a:ea typeface="DejaVu Sans"/>
               </a:rPr>
               <a:t>.</a:t>
             </a:r>
@@ -10153,7 +13850,7 @@
         <p:spPr>
           <a:xfrm>
             <a:off x="10556280" y="0"/>
-            <a:ext cx="1634760" cy="1087560"/>
+            <a:ext cx="1634040" cy="1086840"/>
           </a:xfrm>
           <a:prstGeom prst="rect">
             <a:avLst/>
@@ -10170,29 +13867,37 @@
           <p:nvPr/>
         </p:nvGraphicFramePr>
         <p:xfrm>
-          <a:off x="1463040" y="2705040"/>
-          <a:ext cx="7169040" cy="1439280"/>
+          <a:off x="717120" y="2398680"/>
+          <a:ext cx="8119080" cy="1439280"/>
         </p:xfrm>
         <a:graphic>
           <a:graphicData uri="http://schemas.openxmlformats.org/drawingml/2006/table">
             <a:tbl>
               <a:tblPr/>
               <a:tblGrid>
-                <a:gridCol w="1791720"/>
-                <a:gridCol w="1791720"/>
-                <a:gridCol w="1791720"/>
-                <a:gridCol w="1793880"/>
+                <a:gridCol w="1159920"/>
+                <a:gridCol w="1159920"/>
+                <a:gridCol w="1159920"/>
+                <a:gridCol w="1159920"/>
+                <a:gridCol w="1554840"/>
+                <a:gridCol w="922320"/>
+                <a:gridCol w="1002600"/>
               </a:tblGrid>
               <a:tr h="719640">
                 <a:tc>
                   <a:txBody>
-                    <a:bodyPr lIns="90000" rIns="90000" tIns="46800" bIns="46800"/>
+                    <a:bodyPr lIns="90000" rIns="90000"/>
                     <a:p>
+                      <a:pPr>
+                        <a:lnSpc>
+                          <a:spcPct val="100000"/>
+                        </a:lnSpc>
+                      </a:pPr>
                       <a:r>
                         <a:rPr b="0" lang="en-US" sz="1800" spc="-1" strike="noStrike">
                           <a:latin typeface="Arial"/>
                         </a:rPr>
-                        <a:t>Total Data</a:t>
+                        <a:t>Total data</a:t>
                       </a:r>
                       <a:endParaRPr b="0" lang="en-US" sz="1800" spc="-1" strike="noStrike">
                         <a:latin typeface="Arial"/>
@@ -10227,8 +13932,13 @@
                 </a:tc>
                 <a:tc>
                   <a:txBody>
-                    <a:bodyPr lIns="90000" rIns="90000" tIns="46800" bIns="46800"/>
+                    <a:bodyPr lIns="90000" rIns="90000"/>
                     <a:p>
+                      <a:pPr>
+                        <a:lnSpc>
+                          <a:spcPct val="100000"/>
+                        </a:lnSpc>
+                      </a:pPr>
                       <a:r>
                         <a:rPr b="0" lang="en-US" sz="1800" spc="-1" strike="noStrike">
                           <a:latin typeface="Arial"/>
@@ -10268,13 +13978,18 @@
                 </a:tc>
                 <a:tc>
                   <a:txBody>
-                    <a:bodyPr lIns="90000" rIns="90000" tIns="46800" bIns="46800"/>
+                    <a:bodyPr lIns="90000" rIns="90000"/>
                     <a:p>
+                      <a:pPr>
+                        <a:lnSpc>
+                          <a:spcPct val="100000"/>
+                        </a:lnSpc>
+                      </a:pPr>
                       <a:r>
                         <a:rPr b="0" lang="en-US" sz="1800" spc="-1" strike="noStrike">
                           <a:latin typeface="Arial"/>
                         </a:rPr>
-                        <a:t>Addicted number</a:t>
+                        <a:t>Total Addicted</a:t>
                       </a:r>
                       <a:endParaRPr b="0" lang="en-US" sz="1800" spc="-1" strike="noStrike">
                         <a:latin typeface="Arial"/>
@@ -10309,13 +14024,156 @@
                 </a:tc>
                 <a:tc>
                   <a:txBody>
-                    <a:bodyPr lIns="90000" rIns="90000" tIns="46800" bIns="46800"/>
+                    <a:bodyPr lIns="90000" rIns="90000"/>
                     <a:p>
+                      <a:pPr>
+                        <a:lnSpc>
+                          <a:spcPct val="100000"/>
+                        </a:lnSpc>
+                      </a:pPr>
                       <a:r>
                         <a:rPr b="0" lang="en-US" sz="1800" spc="-1" strike="noStrike">
                           <a:latin typeface="Arial"/>
                         </a:rPr>
-                        <a:t>Percentage</a:t>
+                        <a:t>students</a:t>
+                      </a:r>
+                      <a:endParaRPr b="0" lang="en-US" sz="1800" spc="-1" strike="noStrike">
+                        <a:latin typeface="Arial"/>
+                      </a:endParaRPr>
+                    </a:p>
+                  </a:txBody>
+                  <a:tcPr marL="90000" marR="90000">
+                    <a:lnL w="720">
+                      <a:solidFill>
+                        <a:srgbClr val="ffffff"/>
+                      </a:solidFill>
+                    </a:lnL>
+                    <a:lnR w="720">
+                      <a:solidFill>
+                        <a:srgbClr val="ffffff"/>
+                      </a:solidFill>
+                    </a:lnR>
+                    <a:lnT w="720">
+                      <a:solidFill>
+                        <a:srgbClr val="ffffff"/>
+                      </a:solidFill>
+                    </a:lnT>
+                    <a:lnB w="720">
+                      <a:solidFill>
+                        <a:srgbClr val="ffffff"/>
+                      </a:solidFill>
+                    </a:lnB>
+                    <a:solidFill>
+                      <a:srgbClr val="b3b3b3"/>
+                    </a:solidFill>
+                  </a:tcPr>
+                </a:tc>
+                <a:tc>
+                  <a:txBody>
+                    <a:bodyPr lIns="90000" rIns="90000"/>
+                    <a:p>
+                      <a:pPr>
+                        <a:lnSpc>
+                          <a:spcPct val="100000"/>
+                        </a:lnSpc>
+                      </a:pPr>
+                      <a:r>
+                        <a:rPr b="0" lang="en-US" sz="1800" spc="-1" strike="noStrike">
+                          <a:latin typeface="Arial"/>
+                        </a:rPr>
+                        <a:t>businessman</a:t>
+                      </a:r>
+                      <a:endParaRPr b="0" lang="en-US" sz="1800" spc="-1" strike="noStrike">
+                        <a:latin typeface="Arial"/>
+                      </a:endParaRPr>
+                    </a:p>
+                  </a:txBody>
+                  <a:tcPr marL="90000" marR="90000">
+                    <a:lnL w="720">
+                      <a:solidFill>
+                        <a:srgbClr val="ffffff"/>
+                      </a:solidFill>
+                    </a:lnL>
+                    <a:lnR w="720">
+                      <a:solidFill>
+                        <a:srgbClr val="ffffff"/>
+                      </a:solidFill>
+                    </a:lnR>
+                    <a:lnT w="720">
+                      <a:solidFill>
+                        <a:srgbClr val="ffffff"/>
+                      </a:solidFill>
+                    </a:lnT>
+                    <a:lnB w="720">
+                      <a:solidFill>
+                        <a:srgbClr val="ffffff"/>
+                      </a:solidFill>
+                    </a:lnB>
+                    <a:solidFill>
+                      <a:srgbClr val="b3b3b3"/>
+                    </a:solidFill>
+                  </a:tcPr>
+                </a:tc>
+                <a:tc>
+                  <a:txBody>
+                    <a:bodyPr lIns="90000" rIns="90000"/>
+                    <a:p>
+                      <a:pPr>
+                        <a:lnSpc>
+                          <a:spcPct val="100000"/>
+                        </a:lnSpc>
+                      </a:pPr>
+                      <a:r>
+                        <a:rPr b="0" lang="en-US" sz="1800" spc="-1" strike="noStrike">
+                          <a:latin typeface="Arial"/>
+                        </a:rPr>
+                        <a:t>Drivers</a:t>
+                      </a:r>
+                      <a:endParaRPr b="0" lang="en-US" sz="1800" spc="-1" strike="noStrike">
+                        <a:latin typeface="Arial"/>
+                      </a:endParaRPr>
+                    </a:p>
+                  </a:txBody>
+                  <a:tcPr marL="90000" marR="90000">
+                    <a:lnL w="720">
+                      <a:solidFill>
+                        <a:srgbClr val="ffffff"/>
+                      </a:solidFill>
+                    </a:lnL>
+                    <a:lnR w="720">
+                      <a:solidFill>
+                        <a:srgbClr val="ffffff"/>
+                      </a:solidFill>
+                    </a:lnR>
+                    <a:lnT w="720">
+                      <a:solidFill>
+                        <a:srgbClr val="ffffff"/>
+                      </a:solidFill>
+                    </a:lnT>
+                    <a:lnB w="720">
+                      <a:solidFill>
+                        <a:srgbClr val="ffffff"/>
+                      </a:solidFill>
+                    </a:lnB>
+                    <a:solidFill>
+                      <a:srgbClr val="b3b3b3"/>
+                    </a:solidFill>
+                  </a:tcPr>
+                </a:tc>
+                <a:tc>
+                  <a:txBody>
+                    <a:bodyPr lIns="90000" rIns="90000"/>
+                    <a:p>
+                      <a:pPr>
+                        <a:lnSpc>
+                          <a:spcPct val="100000"/>
+                        </a:lnSpc>
+                      </a:pPr>
+                      <a:r>
+                        <a:rPr b="0" lang="en-US" sz="1800" spc="-1" strike="noStrike">
+                          <a:latin typeface="Arial"/>
+                        </a:rPr>
+                        <a:t>Job Holder</a:t>
                       </a:r>
                       <a:endParaRPr b="0" lang="en-US" sz="1800" spc="-1" strike="noStrike">
                         <a:latin typeface="Arial"/>
@@ -10352,8 +14210,13 @@
               <a:tr h="720000">
                 <a:tc>
                   <a:txBody>
-                    <a:bodyPr lIns="90000" rIns="90000" tIns="46800" bIns="46800"/>
+                    <a:bodyPr lIns="90000" rIns="90000"/>
                     <a:p>
+                      <a:pPr>
+                        <a:lnSpc>
+                          <a:spcPct val="100000"/>
+                        </a:lnSpc>
+                      </a:pPr>
                       <a:r>
                         <a:rPr b="0" lang="en-US" sz="1800" spc="-1" strike="noStrike">
                           <a:latin typeface="Arial"/>
@@ -10393,8 +14256,13 @@
                 </a:tc>
                 <a:tc>
                   <a:txBody>
-                    <a:bodyPr lIns="90000" rIns="90000" tIns="46800" bIns="46800"/>
+                    <a:bodyPr lIns="90000" rIns="90000"/>
                     <a:p>
+                      <a:pPr>
+                        <a:lnSpc>
+                          <a:spcPct val="100000"/>
+                        </a:lnSpc>
+                      </a:pPr>
                       <a:r>
                         <a:rPr b="0" lang="en-US" sz="1800" spc="-1" strike="noStrike">
                           <a:latin typeface="Arial"/>
@@ -10434,8 +14302,13 @@
                 </a:tc>
                 <a:tc>
                   <a:txBody>
-                    <a:bodyPr lIns="90000" rIns="90000" tIns="46800" bIns="46800"/>
+                    <a:bodyPr lIns="90000" rIns="90000"/>
                     <a:p>
+                      <a:pPr>
+                        <a:lnSpc>
+                          <a:spcPct val="100000"/>
+                        </a:lnSpc>
+                      </a:pPr>
                       <a:r>
                         <a:rPr b="0" lang="en-US" sz="1800" spc="-1" strike="noStrike">
                           <a:latin typeface="Arial"/>
@@ -10475,13 +14348,156 @@
                 </a:tc>
                 <a:tc>
                   <a:txBody>
-                    <a:bodyPr lIns="90000" rIns="90000" tIns="46800" bIns="46800"/>
+                    <a:bodyPr lIns="90000" rIns="90000"/>
                     <a:p>
+                      <a:pPr>
+                        <a:lnSpc>
+                          <a:spcPct val="100000"/>
+                        </a:lnSpc>
+                      </a:pPr>
                       <a:r>
                         <a:rPr b="0" lang="en-US" sz="1800" spc="-1" strike="noStrike">
                           <a:latin typeface="Arial"/>
                         </a:rPr>
-                        <a:t>73.09 %</a:t>
+                        <a:t>130</a:t>
+                      </a:r>
+                      <a:endParaRPr b="0" lang="en-US" sz="1800" spc="-1" strike="noStrike">
+                        <a:latin typeface="Arial"/>
+                      </a:endParaRPr>
+                    </a:p>
+                  </a:txBody>
+                  <a:tcPr marL="90000" marR="90000">
+                    <a:lnL w="720">
+                      <a:solidFill>
+                        <a:srgbClr val="ffffff"/>
+                      </a:solidFill>
+                    </a:lnL>
+                    <a:lnR w="720">
+                      <a:solidFill>
+                        <a:srgbClr val="ffffff"/>
+                      </a:solidFill>
+                    </a:lnR>
+                    <a:lnT w="720">
+                      <a:solidFill>
+                        <a:srgbClr val="ffffff"/>
+                      </a:solidFill>
+                    </a:lnT>
+                    <a:lnB w="720">
+                      <a:solidFill>
+                        <a:srgbClr val="ffffff"/>
+                      </a:solidFill>
+                    </a:lnB>
+                    <a:solidFill>
+                      <a:srgbClr val="cccccc"/>
+                    </a:solidFill>
+                  </a:tcPr>
+                </a:tc>
+                <a:tc>
+                  <a:txBody>
+                    <a:bodyPr lIns="90000" rIns="90000"/>
+                    <a:p>
+                      <a:pPr>
+                        <a:lnSpc>
+                          <a:spcPct val="100000"/>
+                        </a:lnSpc>
+                      </a:pPr>
+                      <a:r>
+                        <a:rPr b="0" lang="en-US" sz="1800" spc="-1" strike="noStrike">
+                          <a:latin typeface="Arial"/>
+                        </a:rPr>
+                        <a:t>73</a:t>
+                      </a:r>
+                      <a:endParaRPr b="0" lang="en-US" sz="1800" spc="-1" strike="noStrike">
+                        <a:latin typeface="Arial"/>
+                      </a:endParaRPr>
+                    </a:p>
+                  </a:txBody>
+                  <a:tcPr marL="90000" marR="90000">
+                    <a:lnL w="720">
+                      <a:solidFill>
+                        <a:srgbClr val="ffffff"/>
+                      </a:solidFill>
+                    </a:lnL>
+                    <a:lnR w="720">
+                      <a:solidFill>
+                        <a:srgbClr val="ffffff"/>
+                      </a:solidFill>
+                    </a:lnR>
+                    <a:lnT w="720">
+                      <a:solidFill>
+                        <a:srgbClr val="ffffff"/>
+                      </a:solidFill>
+                    </a:lnT>
+                    <a:lnB w="720">
+                      <a:solidFill>
+                        <a:srgbClr val="ffffff"/>
+                      </a:solidFill>
+                    </a:lnB>
+                    <a:solidFill>
+                      <a:srgbClr val="cccccc"/>
+                    </a:solidFill>
+                  </a:tcPr>
+                </a:tc>
+                <a:tc>
+                  <a:txBody>
+                    <a:bodyPr lIns="90000" rIns="90000"/>
+                    <a:p>
+                      <a:pPr>
+                        <a:lnSpc>
+                          <a:spcPct val="100000"/>
+                        </a:lnSpc>
+                      </a:pPr>
+                      <a:r>
+                        <a:rPr b="0" lang="en-US" sz="1800" spc="-1" strike="noStrike">
+                          <a:latin typeface="Arial"/>
+                        </a:rPr>
+                        <a:t>48</a:t>
+                      </a:r>
+                      <a:endParaRPr b="0" lang="en-US" sz="1800" spc="-1" strike="noStrike">
+                        <a:latin typeface="Arial"/>
+                      </a:endParaRPr>
+                    </a:p>
+                  </a:txBody>
+                  <a:tcPr marL="90000" marR="90000">
+                    <a:lnL w="720">
+                      <a:solidFill>
+                        <a:srgbClr val="ffffff"/>
+                      </a:solidFill>
+                    </a:lnL>
+                    <a:lnR w="720">
+                      <a:solidFill>
+                        <a:srgbClr val="ffffff"/>
+                      </a:solidFill>
+                    </a:lnR>
+                    <a:lnT w="720">
+                      <a:solidFill>
+                        <a:srgbClr val="ffffff"/>
+                      </a:solidFill>
+                    </a:lnT>
+                    <a:lnB w="720">
+                      <a:solidFill>
+                        <a:srgbClr val="ffffff"/>
+                      </a:solidFill>
+                    </a:lnB>
+                    <a:solidFill>
+                      <a:srgbClr val="cccccc"/>
+                    </a:solidFill>
+                  </a:tcPr>
+                </a:tc>
+                <a:tc>
+                  <a:txBody>
+                    <a:bodyPr lIns="90000" rIns="90000"/>
+                    <a:p>
+                      <a:pPr>
+                        <a:lnSpc>
+                          <a:spcPct val="100000"/>
+                        </a:lnSpc>
+                      </a:pPr>
+                      <a:r>
+                        <a:rPr b="0" lang="en-US" sz="1800" spc="-1" strike="noStrike">
+                          <a:latin typeface="Arial"/>
+                        </a:rPr>
+                        <a:t>39</a:t>
                       </a:r>
                       <a:endParaRPr b="0" lang="en-US" sz="1800" spc="-1" strike="noStrike">
                         <a:latin typeface="Arial"/>
@@ -10577,7 +14593,7 @@
         <p:spPr>
           <a:xfrm>
             <a:off x="566640" y="321840"/>
-            <a:ext cx="10825200" cy="591840"/>
+            <a:ext cx="10824480" cy="591120"/>
           </a:xfrm>
           <a:prstGeom prst="rect">
             <a:avLst/>
@@ -10639,7 +14655,7 @@
         <p:spPr>
           <a:xfrm>
             <a:off x="682560" y="731520"/>
-            <a:ext cx="10670400" cy="5444640"/>
+            <a:ext cx="10669680" cy="5443920"/>
           </a:xfrm>
           <a:prstGeom prst="rect">
             <a:avLst/>
@@ -10685,6 +14701,7 @@
                   <a:srgbClr val="000000"/>
                 </a:solidFill>
                 <a:latin typeface="Times New Roman"/>
+                <a:ea typeface="DejaVu Sans"/>
               </a:rPr>
               <a:t>Accuracy that I got by applying Algorithm in python(Jupyter Notebook).</a:t>
             </a:r>
@@ -10729,7 +14746,7 @@
         <p:spPr>
           <a:xfrm>
             <a:off x="838080" y="6356520"/>
-            <a:ext cx="2742480" cy="364320"/>
+            <a:ext cx="2741760" cy="363600"/>
           </a:xfrm>
           <a:prstGeom prst="rect">
             <a:avLst/>
@@ -10753,14 +14770,15 @@
                 <a:spcPct val="100000"/>
               </a:lnSpc>
             </a:pPr>
-            <a:fld id="{7E871C0F-3AD8-4CD6-8AAA-3DE3F0A94F9C}" type="datetime1">
+            <a:fld id="{BB2ABCC1-7588-4B09-BFE0-961C4CAE835C}" type="datetime1">
               <a:rPr b="0" lang="en-US" sz="1200" spc="-1" strike="noStrike">
                 <a:solidFill>
                   <a:srgbClr val="8b8b8b"/>
                 </a:solidFill>
                 <a:latin typeface="Calibri"/>
-              </a:rPr>
-              <a:t>06/08/2020</a:t>
+                <a:ea typeface="DejaVu Sans"/>
+              </a:rPr>
+              <a:t>07/09/2020</a:t>
             </a:fld>
             <a:endParaRPr b="0" lang="en-US" sz="1200" spc="-1" strike="noStrike">
               <a:latin typeface="Arial"/>
@@ -10777,7 +14795,7 @@
         <p:spPr>
           <a:xfrm>
             <a:off x="4038480" y="6356520"/>
-            <a:ext cx="4114080" cy="364320"/>
+            <a:ext cx="4113360" cy="363600"/>
           </a:xfrm>
           <a:prstGeom prst="rect">
             <a:avLst/>
@@ -10807,6 +14825,7 @@
                   <a:srgbClr val="000000"/>
                 </a:solidFill>
                 <a:latin typeface="Times New Roman"/>
+                <a:ea typeface="DejaVu Sans"/>
               </a:rPr>
               <a:t>Find Reason of Drug Addiction through Machine Learning Techniques.</a:t>
             </a:r>
@@ -10825,7 +14844,7 @@
         <p:spPr>
           <a:xfrm>
             <a:off x="8610480" y="6356520"/>
-            <a:ext cx="2742480" cy="364320"/>
+            <a:ext cx="2741760" cy="363600"/>
           </a:xfrm>
           <a:prstGeom prst="rect">
             <a:avLst/>
@@ -10849,14 +14868,15 @@
                 <a:spcPct val="100000"/>
               </a:lnSpc>
             </a:pPr>
-            <a:fld id="{F8BAC225-1120-47AE-8BC8-84FFEB135B0E}" type="slidenum">
+            <a:fld id="{008BFE73-EC64-4909-94B6-D4551652D765}" type="slidenum">
               <a:rPr b="0" lang="en-US" sz="1200" spc="-1" strike="noStrike">
                 <a:solidFill>
                   <a:srgbClr val="8b8b8b"/>
                 </a:solidFill>
                 <a:latin typeface="Calibri"/>
-              </a:rPr>
-              <a:t>1</a:t>
+                <a:ea typeface="DejaVu Sans"/>
+              </a:rPr>
+              <a:t>&lt;number&gt;</a:t>
             </a:fld>
             <a:endParaRPr b="0" lang="en-US" sz="1200" spc="-1" strike="noStrike">
               <a:latin typeface="Arial"/>
@@ -10871,8 +14891,8 @@
           <p:nvPr/>
         </p:nvGraphicFramePr>
         <p:xfrm>
-          <a:off x="3626640" y="1761840"/>
-          <a:ext cx="5075280" cy="4319280"/>
+          <a:off x="1294200" y="1675080"/>
+          <a:ext cx="7597800" cy="4319280"/>
         </p:xfrm>
         <a:graphic>
           <a:graphicData uri="http://schemas.openxmlformats.org/drawingml/2006/table">
@@ -10880,6 +14900,7 @@
               <a:tblPr/>
               <a:tblGrid>
                 <a:gridCol w="2553120"/>
+                <a:gridCol w="2522520"/>
                 <a:gridCol w="2522520"/>
               </a:tblGrid>
               <a:tr h="719640">
@@ -10945,6 +14966,52 @@
                         <a:t>Python</a:t>
                       </a:r>
                       <a:endParaRPr b="0" lang="en-US" sz="1800" spc="-1" strike="noStrike">
+                        <a:latin typeface="Arial"/>
+                      </a:endParaRPr>
+                    </a:p>
+                  </a:txBody>
+                  <a:tcPr marL="90000" marR="90000">
+                    <a:lnL w="720">
+                      <a:solidFill>
+                        <a:srgbClr val="ffffff"/>
+                      </a:solidFill>
+                    </a:lnL>
+                    <a:lnR w="720">
+                      <a:solidFill>
+                        <a:srgbClr val="ffffff"/>
+                      </a:solidFill>
+                    </a:lnR>
+                    <a:lnT w="720">
+                      <a:solidFill>
+                        <a:srgbClr val="ffffff"/>
+                      </a:solidFill>
+                    </a:lnT>
+                    <a:lnB w="720">
+                      <a:solidFill>
+                        <a:srgbClr val="ffffff"/>
+                      </a:solidFill>
+                    </a:lnB>
+                    <a:solidFill>
+                      <a:srgbClr val="b3b3b3"/>
+                    </a:solidFill>
+                  </a:tcPr>
+                </a:tc>
+                <a:tc>
+                  <a:txBody>
+                    <a:bodyPr lIns="90000" rIns="90000"/>
+                    <a:p>
+                      <a:pPr>
+                        <a:lnSpc>
+                          <a:spcPct val="100000"/>
+                        </a:lnSpc>
+                      </a:pPr>
+                      <a:r>
+                        <a:rPr b="0" lang="en-US" sz="2400" spc="-1" strike="noStrike">
+                          <a:latin typeface="Times New Roman"/>
+                        </a:rPr>
+                        <a:t>Matlab</a:t>
+                      </a:r>
+                      <a:endParaRPr b="0" lang="en-US" sz="2400" spc="-1" strike="noStrike">
                         <a:latin typeface="Arial"/>
                       </a:endParaRPr>
                     </a:p>
@@ -11069,6 +15136,33 @@
                     </a:solidFill>
                   </a:tcPr>
                 </a:tc>
+                <a:tc>
+                  <a:tcPr marL="90000" marR="90000">
+                    <a:lnL w="720">
+                      <a:solidFill>
+                        <a:srgbClr val="ffffff"/>
+                      </a:solidFill>
+                    </a:lnL>
+                    <a:lnR w="720">
+                      <a:solidFill>
+                        <a:srgbClr val="ffffff"/>
+                      </a:solidFill>
+                    </a:lnR>
+                    <a:lnT w="720">
+                      <a:solidFill>
+                        <a:srgbClr val="ffffff"/>
+                      </a:solidFill>
+                    </a:lnT>
+                    <a:lnB w="720">
+                      <a:solidFill>
+                        <a:srgbClr val="ffffff"/>
+                      </a:solidFill>
+                    </a:lnB>
+                    <a:solidFill>
+                      <a:srgbClr val="cccccc"/>
+                    </a:solidFill>
+                  </a:tcPr>
+                </a:tc>
               </a:tr>
               <a:tr h="719640">
                 <a:tc>
@@ -11137,6 +15231,33 @@
                       </a:endParaRPr>
                     </a:p>
                   </a:txBody>
+                  <a:tcPr marL="90000" marR="90000">
+                    <a:lnL w="720">
+                      <a:solidFill>
+                        <a:srgbClr val="ffffff"/>
+                      </a:solidFill>
+                    </a:lnL>
+                    <a:lnR w="720">
+                      <a:solidFill>
+                        <a:srgbClr val="ffffff"/>
+                      </a:solidFill>
+                    </a:lnR>
+                    <a:lnT w="720">
+                      <a:solidFill>
+                        <a:srgbClr val="ffffff"/>
+                      </a:solidFill>
+                    </a:lnT>
+                    <a:lnB w="720">
+                      <a:solidFill>
+                        <a:srgbClr val="ffffff"/>
+                      </a:solidFill>
+                    </a:lnB>
+                    <a:solidFill>
+                      <a:srgbClr val="e6e6e6"/>
+                    </a:solidFill>
+                  </a:tcPr>
+                </a:tc>
+                <a:tc>
                   <a:tcPr marL="90000" marR="90000">
                     <a:lnL w="720">
                       <a:solidFill>
@@ -11260,6 +15381,33 @@
                     </a:solidFill>
                   </a:tcPr>
                 </a:tc>
+                <a:tc>
+                  <a:tcPr marL="90000" marR="90000">
+                    <a:lnL w="720">
+                      <a:solidFill>
+                        <a:srgbClr val="ffffff"/>
+                      </a:solidFill>
+                    </a:lnL>
+                    <a:lnR w="720">
+                      <a:solidFill>
+                        <a:srgbClr val="ffffff"/>
+                      </a:solidFill>
+                    </a:lnR>
+                    <a:lnT w="720">
+                      <a:solidFill>
+                        <a:srgbClr val="ffffff"/>
+                      </a:solidFill>
+                    </a:lnT>
+                    <a:lnB w="720">
+                      <a:solidFill>
+                        <a:srgbClr val="ffffff"/>
+                      </a:solidFill>
+                    </a:lnB>
+                    <a:solidFill>
+                      <a:srgbClr val="cccccc"/>
+                    </a:solidFill>
+                  </a:tcPr>
+                </a:tc>
               </a:tr>
               <a:tr h="719640">
                 <a:tc>
@@ -11328,6 +15476,33 @@
                       </a:endParaRPr>
                     </a:p>
                   </a:txBody>
+                  <a:tcPr marL="90000" marR="90000">
+                    <a:lnL w="720">
+                      <a:solidFill>
+                        <a:srgbClr val="ffffff"/>
+                      </a:solidFill>
+                    </a:lnL>
+                    <a:lnR w="720">
+                      <a:solidFill>
+                        <a:srgbClr val="ffffff"/>
+                      </a:solidFill>
+                    </a:lnR>
+                    <a:lnT w="720">
+                      <a:solidFill>
+                        <a:srgbClr val="ffffff"/>
+                      </a:solidFill>
+                    </a:lnT>
+                    <a:lnB w="720">
+                      <a:solidFill>
+                        <a:srgbClr val="ffffff"/>
+                      </a:solidFill>
+                    </a:lnB>
+                    <a:solidFill>
+                      <a:srgbClr val="e6e6e6"/>
+                    </a:solidFill>
+                  </a:tcPr>
+                </a:tc>
+                <a:tc>
                   <a:tcPr marL="90000" marR="90000">
                     <a:lnL w="720">
                       <a:solidFill>
@@ -11448,6 +15623,33 @@
                     </a:solidFill>
                   </a:tcPr>
                 </a:tc>
+                <a:tc>
+                  <a:tcPr marL="90000" marR="90000">
+                    <a:lnL w="720">
+                      <a:solidFill>
+                        <a:srgbClr val="ffffff"/>
+                      </a:solidFill>
+                    </a:lnL>
+                    <a:lnR w="720">
+                      <a:solidFill>
+                        <a:srgbClr val="ffffff"/>
+                      </a:solidFill>
+                    </a:lnR>
+                    <a:lnT w="720">
+                      <a:solidFill>
+                        <a:srgbClr val="ffffff"/>
+                      </a:solidFill>
+                    </a:lnT>
+                    <a:lnB w="720">
+                      <a:solidFill>
+                        <a:srgbClr val="ffffff"/>
+                      </a:solidFill>
+                    </a:lnB>
+                    <a:solidFill>
+                      <a:srgbClr val="cccccc"/>
+                    </a:solidFill>
+                  </a:tcPr>
+                </a:tc>
               </a:tr>
             </a:tbl>
           </a:graphicData>
@@ -11455,14 +15657,14 @@
       </p:graphicFrame>
       <p:sp>
         <p:nvSpPr>
-          <p:cNvPr id="162" name="TextShape 7"/>
-          <p:cNvSpPr txBox="1"/>
+          <p:cNvPr id="162" name="CustomShape 7"/>
+          <p:cNvSpPr/>
           <p:nvPr/>
         </p:nvSpPr>
         <p:spPr>
           <a:xfrm>
             <a:off x="3749040" y="457200"/>
-            <a:ext cx="4655160" cy="484200"/>
+            <a:ext cx="4654440" cy="483480"/>
           </a:xfrm>
           <a:prstGeom prst="rect">
             <a:avLst/>
@@ -11472,9 +15674,20 @@
             <a:noFill/>
           </a:ln>
         </p:spPr>
+        <p:style>
+          <a:lnRef idx="0"/>
+          <a:fillRef idx="0"/>
+          <a:effectRef idx="0"/>
+          <a:fontRef idx="minor"/>
+        </p:style>
         <p:txBody>
           <a:bodyPr lIns="90000" rIns="90000" tIns="45000" bIns="45000"/>
           <a:p>
+            <a:pPr>
+              <a:lnSpc>
+                <a:spcPct val="100000"/>
+              </a:lnSpc>
+            </a:pPr>
             <a:r>
               <a:rPr b="1" lang="en-US" sz="2800" spc="-1" strike="noStrike">
                 <a:solidFill>
@@ -11548,8 +15761,8 @@
         </p:nvSpPr>
         <p:spPr>
           <a:xfrm>
-            <a:off x="838080" y="6356520"/>
-            <a:ext cx="2742480" cy="364320"/>
+            <a:off x="566640" y="321840"/>
+            <a:ext cx="10824480" cy="591120"/>
           </a:xfrm>
           <a:prstGeom prst="rect">
             <a:avLst/>
@@ -11566,23 +15779,37 @@
           <a:fontRef idx="minor"/>
         </p:style>
         <p:txBody>
-          <a:bodyPr lIns="90000" rIns="90000" tIns="45000" bIns="45000" anchor="ctr"/>
-          <a:p>
-            <a:pPr>
-              <a:lnSpc>
-                <a:spcPct val="100000"/>
-              </a:lnSpc>
-            </a:pPr>
-            <a:fld id="{A81B1B18-BFF2-4EA9-A3EB-FD4EF7E02794}" type="datetime1">
-              <a:rPr b="0" lang="en-US" sz="1200" spc="-1" strike="noStrike">
-                <a:solidFill>
-                  <a:srgbClr val="8b8b8b"/>
-                </a:solidFill>
-                <a:latin typeface="Calibri"/>
-              </a:rPr>
-              <a:t>06/08/2020</a:t>
-            </a:fld>
-            <a:endParaRPr b="0" lang="en-US" sz="1200" spc="-1" strike="noStrike">
+          <a:bodyPr lIns="90000" rIns="90000" tIns="45000" bIns="45000" anchor="ctr">
+            <a:normAutofit/>
+          </a:bodyPr>
+          <a:p>
+            <a:pPr algn="ctr">
+              <a:lnSpc>
+                <a:spcPct val="90000"/>
+              </a:lnSpc>
+            </a:pPr>
+            <a:endParaRPr b="0" lang="en-US" sz="1800" spc="-1" strike="noStrike">
+              <a:latin typeface="Arial"/>
+            </a:endParaRPr>
+          </a:p>
+          <a:p>
+            <a:pPr algn="ctr">
+              <a:lnSpc>
+                <a:spcPct val="90000"/>
+              </a:lnSpc>
+            </a:pPr>
+            <a:endParaRPr b="0" lang="en-US" sz="1800" spc="-1" strike="noStrike">
+              <a:latin typeface="Arial"/>
+            </a:endParaRPr>
+          </a:p>
+          <a:p>
+            <a:pPr algn="ctr">
+              <a:lnSpc>
+                <a:spcPct val="90000"/>
+              </a:lnSpc>
+            </a:pPr>
+            <a:br/>
+            <a:endParaRPr b="0" lang="en-US" sz="1800" spc="-1" strike="noStrike">
               <a:latin typeface="Arial"/>
             </a:endParaRPr>
           </a:p>
@@ -11596,8 +15823,8 @@
         </p:nvSpPr>
         <p:spPr>
           <a:xfrm>
-            <a:off x="7611480" y="6284880"/>
-            <a:ext cx="2944080" cy="693000"/>
+            <a:off x="682560" y="731520"/>
+            <a:ext cx="10669680" cy="5443920"/>
           </a:xfrm>
           <a:prstGeom prst="rect">
             <a:avLst/>
@@ -11614,23 +15841,180 @@
           <a:fontRef idx="minor"/>
         </p:style>
         <p:txBody>
-          <a:bodyPr lIns="90000" rIns="90000" tIns="45000" bIns="45000" anchor="ctr"/>
-          <a:p>
-            <a:pPr algn="r">
-              <a:lnSpc>
-                <a:spcPct val="100000"/>
-              </a:lnSpc>
-            </a:pPr>
-            <a:fld id="{9616B8C8-941F-458B-96EA-BBAC53B23EB6}" type="slidenum">
-              <a:rPr b="0" lang="en-US" sz="1200" spc="-1" strike="noStrike">
-                <a:solidFill>
-                  <a:srgbClr val="8b8b8b"/>
-                </a:solidFill>
-                <a:latin typeface="Calibri"/>
-              </a:rPr>
-              <a:t>1</a:t>
-            </a:fld>
-            <a:endParaRPr b="0" lang="en-US" sz="1200" spc="-1" strike="noStrike">
+          <a:bodyPr lIns="90000" rIns="90000" tIns="45000" bIns="45000"/>
+          <a:p>
+            <a:pPr>
+              <a:lnSpc>
+                <a:spcPct val="90000"/>
+              </a:lnSpc>
+              <a:spcBef>
+                <a:spcPts val="1001"/>
+              </a:spcBef>
+            </a:pPr>
+            <a:endParaRPr b="0" lang="en-US" sz="1800" spc="-1" strike="noStrike">
+              <a:latin typeface="Arial"/>
+            </a:endParaRPr>
+          </a:p>
+          <a:p>
+            <a:pPr algn="ctr">
+              <a:lnSpc>
+                <a:spcPct val="90000"/>
+              </a:lnSpc>
+              <a:spcBef>
+                <a:spcPts val="1001"/>
+              </a:spcBef>
+            </a:pPr>
+            <a:r>
+              <a:rPr b="1" lang="en-US" sz="2400" spc="-1" strike="noStrike">
+                <a:solidFill>
+                  <a:srgbClr val="000000"/>
+                </a:solidFill>
+                <a:latin typeface="Times New Roman"/>
+                <a:ea typeface="DejaVu Sans"/>
+              </a:rPr>
+              <a:t>Dataset analysis according to different professions:</a:t>
+            </a:r>
+            <a:endParaRPr b="0" lang="en-US" sz="2400" spc="-1" strike="noStrike">
+              <a:latin typeface="Arial"/>
+            </a:endParaRPr>
+          </a:p>
+          <a:p>
+            <a:pPr algn="ctr">
+              <a:lnSpc>
+                <a:spcPct val="90000"/>
+              </a:lnSpc>
+              <a:spcBef>
+                <a:spcPts val="1001"/>
+              </a:spcBef>
+            </a:pPr>
+            <a:endParaRPr b="0" lang="en-US" sz="2400" spc="-1" strike="noStrike">
+              <a:latin typeface="Arial"/>
+            </a:endParaRPr>
+          </a:p>
+          <a:p>
+            <a:pPr algn="ctr">
+              <a:lnSpc>
+                <a:spcPct val="90000"/>
+              </a:lnSpc>
+              <a:spcBef>
+                <a:spcPts val="1001"/>
+              </a:spcBef>
+            </a:pPr>
+            <a:endParaRPr b="0" lang="en-US" sz="2400" spc="-1" strike="noStrike">
+              <a:latin typeface="Arial"/>
+            </a:endParaRPr>
+          </a:p>
+          <a:p>
+            <a:pPr algn="ctr">
+              <a:lnSpc>
+                <a:spcPct val="90000"/>
+              </a:lnSpc>
+              <a:spcBef>
+                <a:spcPts val="1001"/>
+              </a:spcBef>
+            </a:pPr>
+            <a:endParaRPr b="0" lang="en-US" sz="2400" spc="-1" strike="noStrike">
+              <a:latin typeface="Arial"/>
+            </a:endParaRPr>
+          </a:p>
+          <a:p>
+            <a:pPr algn="ctr">
+              <a:lnSpc>
+                <a:spcPct val="90000"/>
+              </a:lnSpc>
+              <a:spcBef>
+                <a:spcPts val="1001"/>
+              </a:spcBef>
+            </a:pPr>
+            <a:endParaRPr b="0" lang="en-US" sz="2400" spc="-1" strike="noStrike">
+              <a:latin typeface="Arial"/>
+            </a:endParaRPr>
+          </a:p>
+          <a:p>
+            <a:pPr algn="ctr">
+              <a:lnSpc>
+                <a:spcPct val="90000"/>
+              </a:lnSpc>
+              <a:spcBef>
+                <a:spcPts val="1001"/>
+              </a:spcBef>
+            </a:pPr>
+            <a:endParaRPr b="0" lang="en-US" sz="2400" spc="-1" strike="noStrike">
+              <a:latin typeface="Arial"/>
+            </a:endParaRPr>
+          </a:p>
+          <a:p>
+            <a:pPr algn="ctr">
+              <a:lnSpc>
+                <a:spcPct val="90000"/>
+              </a:lnSpc>
+              <a:spcBef>
+                <a:spcPts val="1001"/>
+              </a:spcBef>
+            </a:pPr>
+            <a:endParaRPr b="0" lang="en-US" sz="2400" spc="-1" strike="noStrike">
+              <a:latin typeface="Arial"/>
+            </a:endParaRPr>
+          </a:p>
+          <a:p>
+            <a:pPr>
+              <a:lnSpc>
+                <a:spcPct val="90000"/>
+              </a:lnSpc>
+              <a:spcBef>
+                <a:spcPts val="1001"/>
+              </a:spcBef>
+            </a:pPr>
+            <a:r>
+              <a:rPr b="1" lang="en-US" sz="2400" spc="-1" strike="noStrike">
+                <a:solidFill>
+                  <a:srgbClr val="000000"/>
+                </a:solidFill>
+                <a:latin typeface="Times New Roman"/>
+                <a:ea typeface="DejaVu Sans"/>
+              </a:rPr>
+              <a:t> </a:t>
+            </a:r>
+            <a:endParaRPr b="0" lang="en-US" sz="2400" spc="-1" strike="noStrike">
+              <a:latin typeface="Arial"/>
+            </a:endParaRPr>
+          </a:p>
+          <a:p>
+            <a:pPr>
+              <a:lnSpc>
+                <a:spcPct val="90000"/>
+              </a:lnSpc>
+              <a:spcBef>
+                <a:spcPts val="1001"/>
+              </a:spcBef>
+            </a:pPr>
+            <a:endParaRPr b="0" lang="en-US" sz="2400" spc="-1" strike="noStrike">
+              <a:latin typeface="Arial"/>
+            </a:endParaRPr>
+          </a:p>
+          <a:p>
+            <a:pPr>
+              <a:lnSpc>
+                <a:spcPct val="90000"/>
+              </a:lnSpc>
+              <a:spcBef>
+                <a:spcPts val="1001"/>
+              </a:spcBef>
+            </a:pPr>
+            <a:endParaRPr b="0" lang="en-US" sz="2400" spc="-1" strike="noStrike">
+              <a:latin typeface="Arial"/>
+            </a:endParaRPr>
+          </a:p>
+          <a:p>
+            <a:pPr>
+              <a:lnSpc>
+                <a:spcPct val="90000"/>
+              </a:lnSpc>
+              <a:spcBef>
+                <a:spcPts val="1001"/>
+              </a:spcBef>
+            </a:pPr>
+            <a:endParaRPr b="0" lang="en-US" sz="2400" spc="-1" strike="noStrike">
               <a:latin typeface="Arial"/>
             </a:endParaRPr>
           </a:p>
@@ -11644,8 +16028,8 @@
         </p:nvSpPr>
         <p:spPr>
           <a:xfrm>
-            <a:off x="0" y="0"/>
-            <a:ext cx="12191400" cy="456480"/>
+            <a:off x="838080" y="6356520"/>
+            <a:ext cx="2741760" cy="363600"/>
           </a:xfrm>
           <a:prstGeom prst="rect">
             <a:avLst/>
@@ -11661,6 +16045,29 @@
           <a:effectRef idx="0"/>
           <a:fontRef idx="minor"/>
         </p:style>
+        <p:txBody>
+          <a:bodyPr lIns="90000" rIns="90000" tIns="45000" bIns="45000" anchor="ctr"/>
+          <a:p>
+            <a:pPr>
+              <a:lnSpc>
+                <a:spcPct val="100000"/>
+              </a:lnSpc>
+            </a:pPr>
+            <a:fld id="{B9305D44-8078-47DE-A1A7-DC0A00E10281}" type="datetime1">
+              <a:rPr b="0" lang="en-US" sz="1200" spc="-1" strike="noStrike">
+                <a:solidFill>
+                  <a:srgbClr val="8b8b8b"/>
+                </a:solidFill>
+                <a:latin typeface="Calibri"/>
+                <a:ea typeface="DejaVu Sans"/>
+              </a:rPr>
+              <a:t>07/09/2020</a:t>
+            </a:fld>
+            <a:endParaRPr b="0" lang="en-US" sz="1200" spc="-1" strike="noStrike">
+              <a:latin typeface="Arial"/>
+            </a:endParaRPr>
+          </a:p>
+        </p:txBody>
       </p:sp>
       <p:sp>
         <p:nvSpPr>
@@ -11670,8 +16077,8 @@
         </p:nvSpPr>
         <p:spPr>
           <a:xfrm>
-            <a:off x="657000" y="202680"/>
-            <a:ext cx="9980280" cy="4479120"/>
+            <a:off x="4038480" y="6356520"/>
+            <a:ext cx="4113360" cy="363600"/>
           </a:xfrm>
           <a:prstGeom prst="rect">
             <a:avLst/>
@@ -11688,7 +16095,7 @@
           <a:fontRef idx="minor"/>
         </p:style>
         <p:txBody>
-          <a:bodyPr lIns="90000" rIns="90000" tIns="45000" bIns="45000"/>
+          <a:bodyPr lIns="90000" rIns="90000" tIns="45000" bIns="45000" anchor="ctr"/>
           <a:p>
             <a:pPr algn="ctr">
               <a:lnSpc>
@@ -11696,111 +16103,16 @@
               </a:lnSpc>
             </a:pPr>
             <a:r>
-              <a:rPr b="1" lang="en-US" sz="2000" spc="-1" strike="noStrike">
-                <a:solidFill>
-                  <a:srgbClr val="1f4e79"/>
-                </a:solidFill>
-                <a:latin typeface="Times New Roman"/>
-                <a:ea typeface="DejaVu Sans"/>
-              </a:rPr>
-              <a:t> </a:t>
-            </a:r>
-            <a:r>
-              <a:rPr b="1" lang="en-US" sz="2800" spc="-1" strike="noStrike">
-                <a:solidFill>
-                  <a:srgbClr val="1f4e79"/>
-                </a:solidFill>
-                <a:latin typeface="Times New Roman"/>
-                <a:ea typeface="DejaVu Sans"/>
-              </a:rPr>
-              <a:t>Discussion</a:t>
-            </a:r>
-            <a:endParaRPr b="0" lang="en-US" sz="2800" spc="-1" strike="noStrike">
-              <a:latin typeface="Arial"/>
-            </a:endParaRPr>
-          </a:p>
-          <a:p>
-            <a:pPr marL="343080" indent="-342360" algn="just">
-              <a:lnSpc>
-                <a:spcPct val="100000"/>
-              </a:lnSpc>
-              <a:buClr>
-                <a:srgbClr val="000000"/>
-              </a:buClr>
-              <a:buFont typeface="Wingdings" charset="2"/>
-              <a:buChar char=""/>
-            </a:pPr>
-            <a:r>
-              <a:rPr b="0" lang="en-US" sz="2400" spc="-1" strike="noStrike">
+              <a:rPr b="1" lang="en-US" sz="1100" spc="-1" strike="noStrike">
                 <a:solidFill>
                   <a:srgbClr val="000000"/>
                 </a:solidFill>
                 <a:latin typeface="Times New Roman"/>
                 <a:ea typeface="DejaVu Sans"/>
               </a:rPr>
-              <a:t>Most of the researcher has worked taking social network data such as Facebook, Twitter, etc. and also different working sectors. As Bangladesh is a developing country many garments factory build up here. So, there are many workers work in the garments factory, So, we have tried to diagnosis the mental health condition of the garments factory workers. </a:t>
-            </a:r>
-            <a:endParaRPr b="0" lang="en-US" sz="2400" spc="-1" strike="noStrike">
-              <a:latin typeface="Arial"/>
-            </a:endParaRPr>
-          </a:p>
-          <a:p>
-            <a:pPr marL="343080" indent="-342360" algn="just">
-              <a:lnSpc>
-                <a:spcPct val="100000"/>
-              </a:lnSpc>
-              <a:buClr>
-                <a:srgbClr val="000000"/>
-              </a:buClr>
-              <a:buFont typeface="Wingdings" charset="2"/>
-              <a:buChar char=""/>
-            </a:pPr>
-            <a:r>
-              <a:rPr b="0" lang="en-US" sz="2400" spc="-1" strike="noStrike">
-                <a:solidFill>
-                  <a:srgbClr val="000000"/>
-                </a:solidFill>
-                <a:latin typeface="Times New Roman"/>
-                <a:ea typeface="DejaVu Sans"/>
-              </a:rPr>
-              <a:t>At first, we have collected data from garments factory and then we have identified who is mentally ill and who is mentally sick. We have found 193 mentally sick workers among 300 workers. </a:t>
-            </a:r>
-            <a:endParaRPr b="0" lang="en-US" sz="2400" spc="-1" strike="noStrike">
-              <a:latin typeface="Arial"/>
-            </a:endParaRPr>
-          </a:p>
-          <a:p>
-            <a:pPr marL="343080" indent="-342360" algn="just">
-              <a:lnSpc>
-                <a:spcPct val="100000"/>
-              </a:lnSpc>
-              <a:buClr>
-                <a:srgbClr val="000000"/>
-              </a:buClr>
-              <a:buFont typeface="Wingdings" charset="2"/>
-              <a:buChar char=""/>
-            </a:pPr>
-            <a:r>
-              <a:rPr b="0" lang="en-US" sz="2400" spc="-1" strike="noStrike">
-                <a:solidFill>
-                  <a:srgbClr val="000000"/>
-                </a:solidFill>
-                <a:latin typeface="Times New Roman"/>
-                <a:ea typeface="DejaVu Sans"/>
-              </a:rPr>
-              <a:t>Therefore, we have tested our dataset by MATLAB R2019a. Here, we have noticed that the Linear SVM has given the highest accuracy and it is 96%.</a:t>
-            </a:r>
-            <a:endParaRPr b="0" lang="en-US" sz="2400" spc="-1" strike="noStrike">
-              <a:latin typeface="Arial"/>
-            </a:endParaRPr>
-          </a:p>
-          <a:p>
-            <a:pPr>
-              <a:lnSpc>
-                <a:spcPct val="100000"/>
-              </a:lnSpc>
-            </a:pPr>
-            <a:endParaRPr b="0" lang="en-US" sz="2400" spc="-1" strike="noStrike">
+              <a:t>Find Reason of Drug Addiction through Machine Learning Techniques.</a:t>
+            </a:r>
+            <a:endParaRPr b="0" lang="en-US" sz="1100" spc="-1" strike="noStrike">
               <a:latin typeface="Arial"/>
             </a:endParaRPr>
           </a:p>
@@ -11814,8 +16126,8 @@
         </p:nvSpPr>
         <p:spPr>
           <a:xfrm>
-            <a:off x="4038480" y="6356520"/>
-            <a:ext cx="4114080" cy="364320"/>
+            <a:off x="8610480" y="6356520"/>
+            <a:ext cx="2741760" cy="363600"/>
           </a:xfrm>
           <a:prstGeom prst="rect">
             <a:avLst/>
@@ -11834,58 +16146,76 @@
         <p:txBody>
           <a:bodyPr lIns="90000" rIns="90000" tIns="45000" bIns="45000" anchor="ctr"/>
           <a:p>
-            <a:pPr algn="ctr">
+            <a:pPr algn="r">
               <a:lnSpc>
                 <a:spcPct val="100000"/>
               </a:lnSpc>
             </a:pPr>
-            <a:r>
-              <a:rPr b="1" lang="en-US" sz="1100" spc="-1" strike="noStrike">
-                <a:solidFill>
-                  <a:srgbClr val="000000"/>
-                </a:solidFill>
-                <a:latin typeface="Times New Roman"/>
-              </a:rPr>
-              <a:t>Find Reason of Drug Addiction through Machine Learning Techniques.</a:t>
-            </a:r>
-            <a:r>
+            <a:fld id="{B288F612-9183-45FB-A2A8-08E0A56909AA}" type="slidenum">
               <a:rPr b="0" lang="en-US" sz="1200" spc="-1" strike="noStrike">
                 <a:solidFill>
                   <a:srgbClr val="8b8b8b"/>
                 </a:solidFill>
                 <a:latin typeface="Calibri"/>
-              </a:rPr>
-              <a:t>.</a:t>
-            </a:r>
+                <a:ea typeface="DejaVu Sans"/>
+              </a:rPr>
+              <a:t>&lt;number&gt;</a:t>
+            </a:fld>
             <a:endParaRPr b="0" lang="en-US" sz="1200" spc="-1" strike="noStrike">
               <a:latin typeface="Arial"/>
             </a:endParaRPr>
           </a:p>
         </p:txBody>
       </p:sp>
-      <p:pic>
-        <p:nvPicPr>
-          <p:cNvPr id="168" name="Picture 30" descr=""/>
-          <p:cNvPicPr/>
+      <p:sp>
+        <p:nvSpPr>
+          <p:cNvPr id="168" name="CustomShape 6"/>
+          <p:cNvSpPr/>
           <p:nvPr/>
-        </p:nvPicPr>
-        <p:blipFill>
-          <a:blip r:embed="rId1"/>
-          <a:stretch/>
-        </p:blipFill>
-        <p:spPr>
-          <a:xfrm>
-            <a:off x="10556280" y="0"/>
-            <a:ext cx="1634760" cy="1087560"/>
-          </a:xfrm>
-          <a:prstGeom prst="rect">
-            <a:avLst/>
-          </a:prstGeom>
+        </p:nvSpPr>
+        <p:spPr>
+          <a:xfrm>
+            <a:off x="3749040" y="457200"/>
+            <a:ext cx="4654440" cy="483480"/>
+          </a:xfrm>
+          <a:prstGeom prst="rect">
+            <a:avLst/>
+          </a:prstGeom>
+          <a:noFill/>
           <a:ln>
             <a:noFill/>
           </a:ln>
         </p:spPr>
-      </p:pic>
+        <p:style>
+          <a:lnRef idx="0"/>
+          <a:fillRef idx="0"/>
+          <a:effectRef idx="0"/>
+          <a:fontRef idx="minor"/>
+        </p:style>
+        <p:txBody>
+          <a:bodyPr lIns="90000" rIns="90000" tIns="45000" bIns="45000"/>
+          <a:p>
+            <a:pPr>
+              <a:lnSpc>
+                <a:spcPct val="100000"/>
+              </a:lnSpc>
+            </a:pPr>
+            <a:r>
+              <a:rPr b="1" lang="en-US" sz="2800" spc="-1" strike="noStrike">
+                <a:solidFill>
+                  <a:srgbClr val="1f4e79"/>
+                </a:solidFill>
+                <a:latin typeface="Times New Roman"/>
+                <a:ea typeface="DejaVu Sans"/>
+              </a:rPr>
+              <a:t>Experimental Analysis (Con.)</a:t>
+            </a:r>
+            <a:endParaRPr b="0" lang="en-US" sz="2800" spc="-1" strike="noStrike">
+              <a:latin typeface="Arial"/>
+            </a:endParaRPr>
+          </a:p>
+        </p:txBody>
+      </p:sp>
     </p:spTree>
   </p:cSld>
   <p:timing>
@@ -11937,14 +16267,14 @@
       </p:grpSpPr>
       <p:sp>
         <p:nvSpPr>
-          <p:cNvPr id="169" name="CustomShape 1"/>
-          <p:cNvSpPr/>
+          <p:cNvPr id="169" name="TextShape 1"/>
+          <p:cNvSpPr txBox="1"/>
           <p:nvPr/>
         </p:nvSpPr>
         <p:spPr>
           <a:xfrm>
-            <a:off x="838080" y="6356520"/>
-            <a:ext cx="2742480" cy="364320"/>
+            <a:off x="3566160" y="365760"/>
+            <a:ext cx="4655160" cy="484200"/>
           </a:xfrm>
           <a:prstGeom prst="rect">
             <a:avLst/>
@@ -11954,45 +16284,35 @@
             <a:noFill/>
           </a:ln>
         </p:spPr>
-        <p:style>
-          <a:lnRef idx="0"/>
-          <a:fillRef idx="0"/>
-          <a:effectRef idx="0"/>
-          <a:fontRef idx="minor"/>
-        </p:style>
-        <p:txBody>
-          <a:bodyPr lIns="90000" rIns="90000" tIns="45000" bIns="45000" anchor="ctr"/>
-          <a:p>
-            <a:pPr>
-              <a:lnSpc>
-                <a:spcPct val="100000"/>
-              </a:lnSpc>
-            </a:pPr>
-            <a:fld id="{430EE725-4F02-45A8-A4D6-8770A8C6760E}" type="datetime1">
-              <a:rPr b="0" lang="en-US" sz="1200" spc="-1" strike="noStrike">
-                <a:solidFill>
-                  <a:srgbClr val="8b8b8b"/>
-                </a:solidFill>
-                <a:latin typeface="Calibri"/>
-              </a:rPr>
-              <a:t>06/08/2020</a:t>
-            </a:fld>
-            <a:endParaRPr b="0" lang="en-US" sz="1200" spc="-1" strike="noStrike">
-              <a:latin typeface="Arial"/>
-            </a:endParaRPr>
-          </a:p>
-        </p:txBody>
-      </p:sp>
-      <p:sp>
-        <p:nvSpPr>
-          <p:cNvPr id="170" name="CustomShape 2"/>
-          <p:cNvSpPr/>
+        <p:txBody>
+          <a:bodyPr lIns="90000" rIns="90000" tIns="45000" bIns="45000"/>
+          <a:p>
+            <a:r>
+              <a:rPr b="1" lang="en-US" sz="2800" spc="-1" strike="noStrike">
+                <a:solidFill>
+                  <a:srgbClr val="1f4e79"/>
+                </a:solidFill>
+                <a:latin typeface="Times New Roman"/>
+                <a:ea typeface="DejaVu Sans"/>
+              </a:rPr>
+              <a:t>Experimental Analysis (Con.)</a:t>
+            </a:r>
+            <a:endParaRPr b="0" lang="en-US" sz="2800" spc="-1" strike="noStrike">
+              <a:latin typeface="Arial"/>
+            </a:endParaRPr>
+          </a:p>
+        </p:txBody>
+      </p:sp>
+      <p:sp>
+        <p:nvSpPr>
+          <p:cNvPr id="170" name="TextShape 2"/>
+          <p:cNvSpPr txBox="1"/>
           <p:nvPr/>
         </p:nvSpPr>
         <p:spPr>
           <a:xfrm>
-            <a:off x="8610480" y="6356520"/>
-            <a:ext cx="2742480" cy="364320"/>
+            <a:off x="365760" y="1005840"/>
+            <a:ext cx="11612880" cy="5818680"/>
           </a:xfrm>
           <a:prstGeom prst="rect">
             <a:avLst/>
@@ -12002,307 +16322,150 @@
             <a:noFill/>
           </a:ln>
         </p:spPr>
-        <p:style>
-          <a:lnRef idx="0"/>
-          <a:fillRef idx="0"/>
-          <a:effectRef idx="0"/>
-          <a:fontRef idx="minor"/>
-        </p:style>
-        <p:txBody>
-          <a:bodyPr lIns="90000" rIns="90000" tIns="45000" bIns="45000" anchor="ctr"/>
-          <a:p>
-            <a:pPr algn="r">
-              <a:lnSpc>
-                <a:spcPct val="100000"/>
-              </a:lnSpc>
-            </a:pPr>
-            <a:fld id="{001F2AD1-B70A-450B-92DF-C2E689A0D3A8}" type="slidenum">
-              <a:rPr b="0" lang="en-US" sz="1200" spc="-1" strike="noStrike">
-                <a:solidFill>
-                  <a:srgbClr val="8b8b8b"/>
-                </a:solidFill>
-                <a:latin typeface="Calibri"/>
-              </a:rPr>
-              <a:t>&lt;number&gt;</a:t>
-            </a:fld>
-            <a:endParaRPr b="0" lang="en-US" sz="1200" spc="-1" strike="noStrike">
-              <a:latin typeface="Arial"/>
-            </a:endParaRPr>
-          </a:p>
-        </p:txBody>
-      </p:sp>
-      <p:sp>
-        <p:nvSpPr>
-          <p:cNvPr id="171" name="CustomShape 3"/>
-          <p:cNvSpPr/>
-          <p:nvPr/>
-        </p:nvSpPr>
-        <p:spPr>
-          <a:xfrm>
-            <a:off x="417960" y="226440"/>
-            <a:ext cx="11013480" cy="5210640"/>
-          </a:xfrm>
-          <a:prstGeom prst="rect">
-            <a:avLst/>
-          </a:prstGeom>
-          <a:noFill/>
-          <a:ln>
-            <a:noFill/>
-          </a:ln>
-        </p:spPr>
-        <p:style>
-          <a:lnRef idx="0"/>
-          <a:fillRef idx="0"/>
-          <a:effectRef idx="0"/>
-          <a:fontRef idx="minor"/>
-        </p:style>
         <p:txBody>
           <a:bodyPr lIns="90000" rIns="90000" tIns="45000" bIns="45000"/>
           <a:p>
-            <a:pPr>
-              <a:lnSpc>
-                <a:spcPct val="100000"/>
-              </a:lnSpc>
-            </a:pPr>
-            <a:r>
-              <a:rPr b="1" lang="en-US" sz="2800" spc="-1" strike="noStrike">
-                <a:solidFill>
-                  <a:srgbClr val="1f4e79"/>
-                </a:solidFill>
-                <a:latin typeface="Times New Roman"/>
-                <a:ea typeface="DejaVu Sans"/>
-              </a:rPr>
-              <a:t>                                                 </a:t>
-            </a:r>
-            <a:r>
-              <a:rPr b="1" lang="en-US" sz="2800" spc="-1" strike="noStrike">
-                <a:solidFill>
-                  <a:srgbClr val="1f4e79"/>
-                </a:solidFill>
-                <a:latin typeface="Times New Roman"/>
-                <a:ea typeface="DejaVu Sans"/>
-              </a:rPr>
-              <a:t>Future Works</a:t>
-            </a:r>
-            <a:endParaRPr b="0" lang="en-US" sz="2800" spc="-1" strike="noStrike">
-              <a:latin typeface="Arial"/>
-            </a:endParaRPr>
-          </a:p>
-          <a:p>
-            <a:pPr>
-              <a:lnSpc>
-                <a:spcPct val="100000"/>
-              </a:lnSpc>
-            </a:pPr>
-            <a:endParaRPr b="0" lang="en-US" sz="2800" spc="-1" strike="noStrike">
-              <a:latin typeface="Arial"/>
-            </a:endParaRPr>
-          </a:p>
-          <a:p>
-            <a:pPr marL="343080" indent="-342360" algn="just">
-              <a:lnSpc>
-                <a:spcPct val="100000"/>
-              </a:lnSpc>
-              <a:buClr>
-                <a:srgbClr val="000000"/>
-              </a:buClr>
-              <a:buFont typeface="Wingdings" charset="2"/>
-              <a:buChar char=""/>
-            </a:pPr>
-            <a:r>
-              <a:rPr b="0" lang="en-US" sz="2400" spc="-1" strike="noStrike">
+            <a:r>
+              <a:rPr b="1" lang="en-US" sz="2400" spc="-1" strike="noStrike">
                 <a:solidFill>
                   <a:srgbClr val="000000"/>
                 </a:solidFill>
                 <a:latin typeface="Times New Roman"/>
                 <a:ea typeface="DejaVu Sans"/>
               </a:rPr>
-              <a:t>In the future, we will try to apply Deep Learning Approaches to find out the best accuracy.</a:t>
-            </a:r>
-            <a:endParaRPr b="0" lang="en-US" sz="2400" spc="-1" strike="noStrike">
-              <a:latin typeface="Arial"/>
-            </a:endParaRPr>
-          </a:p>
-          <a:p>
-            <a:pPr marL="343080" indent="-342360" algn="just">
-              <a:lnSpc>
-                <a:spcPct val="100000"/>
-              </a:lnSpc>
-              <a:buClr>
-                <a:srgbClr val="000000"/>
-              </a:buClr>
-              <a:buFont typeface="Wingdings" charset="2"/>
-              <a:buChar char=""/>
-            </a:pPr>
-            <a:r>
-              <a:rPr b="0" lang="en-US" sz="2400" spc="-1" strike="noStrike">
+              <a:t>Dataset analysis according to different professions:</a:t>
+            </a:r>
+            <a:endParaRPr b="0" lang="en-US" sz="2400" spc="-1" strike="noStrike">
+              <a:latin typeface="Arial"/>
+            </a:endParaRPr>
+          </a:p>
+          <a:p>
+            <a:endParaRPr b="0" lang="en-US" sz="2400" spc="-1" strike="noStrike">
+              <a:latin typeface="Arial"/>
+            </a:endParaRPr>
+          </a:p>
+          <a:p>
+            <a:endParaRPr b="0" lang="en-US" sz="2400" spc="-1" strike="noStrike">
+              <a:latin typeface="Arial"/>
+            </a:endParaRPr>
+          </a:p>
+          <a:p>
+            <a:endParaRPr b="0" lang="en-US" sz="2400" spc="-1" strike="noStrike">
+              <a:latin typeface="Arial"/>
+            </a:endParaRPr>
+          </a:p>
+          <a:p>
+            <a:endParaRPr b="0" lang="en-US" sz="2400" spc="-1" strike="noStrike">
+              <a:latin typeface="Arial"/>
+            </a:endParaRPr>
+          </a:p>
+          <a:p>
+            <a:endParaRPr b="0" lang="en-US" sz="2400" spc="-1" strike="noStrike">
+              <a:latin typeface="Arial"/>
+            </a:endParaRPr>
+          </a:p>
+          <a:p>
+            <a:endParaRPr b="0" lang="en-US" sz="2400" spc="-1" strike="noStrike">
+              <a:latin typeface="Arial"/>
+            </a:endParaRPr>
+          </a:p>
+          <a:p>
+            <a:endParaRPr b="0" lang="en-US" sz="2400" spc="-1" strike="noStrike">
+              <a:latin typeface="Arial"/>
+            </a:endParaRPr>
+          </a:p>
+          <a:p>
+            <a:endParaRPr b="0" lang="en-US" sz="2400" spc="-1" strike="noStrike">
+              <a:latin typeface="Arial"/>
+            </a:endParaRPr>
+          </a:p>
+          <a:p>
+            <a:endParaRPr b="0" lang="en-US" sz="2400" spc="-1" strike="noStrike">
+              <a:latin typeface="Arial"/>
+            </a:endParaRPr>
+          </a:p>
+          <a:p>
+            <a:endParaRPr b="0" lang="en-US" sz="2400" spc="-1" strike="noStrike">
+              <a:latin typeface="Arial"/>
+            </a:endParaRPr>
+          </a:p>
+          <a:p>
+            <a:endParaRPr b="0" lang="en-US" sz="2400" spc="-1" strike="noStrike">
+              <a:latin typeface="Arial"/>
+            </a:endParaRPr>
+          </a:p>
+          <a:p>
+            <a:endParaRPr b="0" lang="en-US" sz="2400" spc="-1" strike="noStrike">
+              <a:latin typeface="Arial"/>
+            </a:endParaRPr>
+          </a:p>
+          <a:p>
+            <a:endParaRPr b="0" lang="en-US" sz="2400" spc="-1" strike="noStrike">
+              <a:latin typeface="Arial"/>
+            </a:endParaRPr>
+          </a:p>
+          <a:p>
+            <a:r>
+              <a:rPr b="1" lang="en-US" sz="2400" spc="-1" strike="noStrike">
                 <a:solidFill>
                   <a:srgbClr val="000000"/>
                 </a:solidFill>
                 <a:latin typeface="Times New Roman"/>
                 <a:ea typeface="DejaVu Sans"/>
               </a:rPr>
-              <a:t>We will try to extend our dataset.</a:t>
-            </a:r>
-            <a:endParaRPr b="0" lang="en-US" sz="2400" spc="-1" strike="noStrike">
-              <a:latin typeface="Arial"/>
-            </a:endParaRPr>
-          </a:p>
-          <a:p>
-            <a:pPr algn="just">
-              <a:lnSpc>
-                <a:spcPct val="100000"/>
-              </a:lnSpc>
-            </a:pPr>
-            <a:endParaRPr b="0" lang="en-US" sz="2400" spc="-1" strike="noStrike">
-              <a:latin typeface="Arial"/>
-            </a:endParaRPr>
-          </a:p>
-          <a:p>
-            <a:pPr>
-              <a:lnSpc>
-                <a:spcPct val="100000"/>
-              </a:lnSpc>
-            </a:pPr>
-            <a:endParaRPr b="0" lang="en-US" sz="2400" spc="-1" strike="noStrike">
-              <a:latin typeface="Arial"/>
-            </a:endParaRPr>
-          </a:p>
-          <a:p>
-            <a:pPr>
-              <a:lnSpc>
-                <a:spcPct val="100000"/>
-              </a:lnSpc>
-            </a:pPr>
-            <a:endParaRPr b="0" lang="en-US" sz="2400" spc="-1" strike="noStrike">
-              <a:latin typeface="Arial"/>
-            </a:endParaRPr>
-          </a:p>
-          <a:p>
-            <a:pPr>
-              <a:lnSpc>
-                <a:spcPct val="100000"/>
-              </a:lnSpc>
-            </a:pPr>
-            <a:endParaRPr b="0" lang="en-US" sz="2400" spc="-1" strike="noStrike">
-              <a:latin typeface="Arial"/>
-            </a:endParaRPr>
-          </a:p>
-          <a:p>
-            <a:pPr>
-              <a:lnSpc>
-                <a:spcPct val="100000"/>
-              </a:lnSpc>
-            </a:pPr>
-            <a:endParaRPr b="0" lang="en-US" sz="2400" spc="-1" strike="noStrike">
-              <a:latin typeface="Arial"/>
-            </a:endParaRPr>
-          </a:p>
-          <a:p>
-            <a:pPr>
-              <a:lnSpc>
-                <a:spcPct val="100000"/>
-              </a:lnSpc>
-            </a:pPr>
-            <a:endParaRPr b="0" lang="en-US" sz="2400" spc="-1" strike="noStrike">
-              <a:latin typeface="Arial"/>
-            </a:endParaRPr>
-          </a:p>
-          <a:p>
-            <a:pPr>
-              <a:lnSpc>
-                <a:spcPct val="100000"/>
-              </a:lnSpc>
-            </a:pPr>
-            <a:endParaRPr b="0" lang="en-US" sz="2400" spc="-1" strike="noStrike">
-              <a:latin typeface="Arial"/>
-            </a:endParaRPr>
-          </a:p>
-          <a:p>
-            <a:pPr>
-              <a:lnSpc>
-                <a:spcPct val="100000"/>
-              </a:lnSpc>
-            </a:pPr>
-            <a:endParaRPr b="0" lang="en-US" sz="2400" spc="-1" strike="noStrike">
-              <a:latin typeface="Arial"/>
-            </a:endParaRPr>
-          </a:p>
-          <a:p>
-            <a:pPr>
-              <a:lnSpc>
-                <a:spcPct val="100000"/>
-              </a:lnSpc>
-            </a:pPr>
-            <a:r>
-              <a:rPr b="0" lang="en-US" sz="2000" spc="-1" strike="noStrike">
+              <a:t>	</a:t>
+            </a:r>
+            <a:r>
+              <a:rPr b="1" lang="en-US" sz="2400" spc="-1" strike="noStrike">
                 <a:solidFill>
                   <a:srgbClr val="000000"/>
                 </a:solidFill>
                 <a:latin typeface="Times New Roman"/>
                 <a:ea typeface="DejaVu Sans"/>
               </a:rPr>
-              <a:t>                                                                     </a:t>
-            </a:r>
-            <a:r>
-              <a:rPr b="0" lang="en-US" sz="1000" spc="-1" strike="noStrike">
+              <a:t>	</a:t>
+            </a:r>
+            <a:r>
+              <a:rPr b="1" lang="en-US" sz="2400" spc="-1" strike="noStrike">
                 <a:solidFill>
                   <a:srgbClr val="000000"/>
                 </a:solidFill>
                 <a:latin typeface="Times New Roman"/>
                 <a:ea typeface="DejaVu Sans"/>
               </a:rPr>
-              <a:t>Picture courtesy: Algo-Vision, weizmann-usa.org</a:t>
-            </a:r>
-            <a:endParaRPr b="0" lang="en-US" sz="1000" spc="-1" strike="noStrike">
-              <a:latin typeface="Arial"/>
-            </a:endParaRPr>
-          </a:p>
-        </p:txBody>
-      </p:sp>
-      <p:sp>
-        <p:nvSpPr>
-          <p:cNvPr id="172" name="CustomShape 4"/>
-          <p:cNvSpPr/>
-          <p:nvPr/>
-        </p:nvSpPr>
-        <p:spPr>
-          <a:xfrm>
-            <a:off x="4038480" y="6356520"/>
-            <a:ext cx="4114080" cy="364320"/>
-          </a:xfrm>
-          <a:prstGeom prst="rect">
-            <a:avLst/>
-          </a:prstGeom>
-          <a:noFill/>
-          <a:ln>
-            <a:noFill/>
-          </a:ln>
-        </p:spPr>
-        <p:style>
-          <a:lnRef idx="0"/>
-          <a:fillRef idx="0"/>
-          <a:effectRef idx="0"/>
-          <a:fontRef idx="minor"/>
-        </p:style>
-        <p:txBody>
-          <a:bodyPr lIns="90000" rIns="90000" tIns="45000" bIns="45000" anchor="ctr"/>
-          <a:p>
-            <a:pPr algn="ctr">
-              <a:lnSpc>
-                <a:spcPct val="100000"/>
-              </a:lnSpc>
-            </a:pPr>
-            <a:r>
-              <a:rPr b="1" lang="en-US" sz="1100" spc="-1" strike="noStrike">
+              <a:t>	</a:t>
+            </a:r>
+            <a:r>
+              <a:rPr b="1" lang="en-US" sz="2400" spc="-1" strike="noStrike">
                 <a:solidFill>
                   <a:srgbClr val="000000"/>
                 </a:solidFill>
                 <a:latin typeface="Times New Roman"/>
-              </a:rPr>
-              <a:t>Find Reason of Drug Addiction through Machine Learning Techniques.</a:t>
-            </a:r>
-            <a:endParaRPr b="0" lang="en-US" sz="1100" spc="-1" strike="noStrike">
+                <a:ea typeface="DejaVu Sans"/>
+              </a:rPr>
+              <a:t>	</a:t>
+            </a:r>
+            <a:r>
+              <a:rPr b="1" lang="en-US" sz="2400" spc="-1" strike="noStrike">
+                <a:solidFill>
+                  <a:srgbClr val="000000"/>
+                </a:solidFill>
+                <a:latin typeface="Times New Roman"/>
+                <a:ea typeface="DejaVu Sans"/>
+              </a:rPr>
+              <a:t>Fig: Total addicted to different professions.</a:t>
+            </a:r>
+            <a:endParaRPr b="0" lang="en-US" sz="2400" spc="-1" strike="noStrike">
+              <a:latin typeface="Arial"/>
+            </a:endParaRPr>
+          </a:p>
+          <a:p>
+            <a:endParaRPr b="0" lang="en-US" sz="2400" spc="-1" strike="noStrike">
+              <a:latin typeface="Arial"/>
+            </a:endParaRPr>
+          </a:p>
+          <a:p>
+            <a:endParaRPr b="0" lang="en-US" sz="2400" spc="-1" strike="noStrike">
               <a:latin typeface="Arial"/>
             </a:endParaRPr>
           </a:p>
@@ -12310,7 +16473,7 @@
       </p:sp>
       <p:pic>
         <p:nvPicPr>
-          <p:cNvPr id="173" name="Picture 6" descr=""/>
+          <p:cNvPr id="171" name="" descr=""/>
           <p:cNvPicPr/>
           <p:nvPr/>
         </p:nvPicPr>
@@ -12320,31 +16483,8 @@
         </p:blipFill>
         <p:spPr>
           <a:xfrm>
-            <a:off x="10556280" y="0"/>
-            <a:ext cx="1634760" cy="1087560"/>
-          </a:xfrm>
-          <a:prstGeom prst="rect">
-            <a:avLst/>
-          </a:prstGeom>
-          <a:ln>
-            <a:noFill/>
-          </a:ln>
-        </p:spPr>
-      </p:pic>
-      <p:pic>
-        <p:nvPicPr>
-          <p:cNvPr id="174" name="Picture 4" descr=""/>
-          <p:cNvPicPr/>
-          <p:nvPr/>
-        </p:nvPicPr>
-        <p:blipFill>
-          <a:blip r:embed="rId2"/>
-          <a:stretch/>
-        </p:blipFill>
-        <p:spPr>
-          <a:xfrm>
-            <a:off x="4165560" y="3223080"/>
-            <a:ext cx="4126680" cy="2320200"/>
+            <a:off x="2098800" y="1712160"/>
+            <a:ext cx="6130800" cy="4048560"/>
           </a:xfrm>
           <a:prstGeom prst="rect">
             <a:avLst/>
